--- a/math_ds_03.pptx
+++ b/math_ds_03.pptx
@@ -5,7 +5,7 @@
     <p:sldMasterId id="2147483660" r:id="rId1"/>
   </p:sldMasterIdLst>
   <p:notesMasterIdLst>
-    <p:notesMasterId r:id="rId24"/>
+    <p:notesMasterId r:id="rId35"/>
   </p:notesMasterIdLst>
   <p:sldIdLst>
     <p:sldId id="260" r:id="rId2"/>
@@ -30,6 +30,17 @@
     <p:sldId id="616" r:id="rId21"/>
     <p:sldId id="617" r:id="rId22"/>
     <p:sldId id="618" r:id="rId23"/>
+    <p:sldId id="619" r:id="rId24"/>
+    <p:sldId id="620" r:id="rId25"/>
+    <p:sldId id="621" r:id="rId26"/>
+    <p:sldId id="622" r:id="rId27"/>
+    <p:sldId id="623" r:id="rId28"/>
+    <p:sldId id="624" r:id="rId29"/>
+    <p:sldId id="625" r:id="rId30"/>
+    <p:sldId id="626" r:id="rId31"/>
+    <p:sldId id="628" r:id="rId32"/>
+    <p:sldId id="627" r:id="rId33"/>
+    <p:sldId id="629" r:id="rId34"/>
   </p:sldIdLst>
   <p:sldSz cx="9144000" cy="6858000" type="screen4x3"/>
   <p:notesSz cx="6858000" cy="9144000"/>
@@ -229,7 +240,7 @@
           <a:p>
             <a:fld id="{D0C80036-D26A-B341-B034-B9FD2002476C}" type="datetimeFigureOut">
               <a:rPr lang="ru-RU" smtClean="0"/>
-              <a:t>16.10.2023</a:t>
+              <a:t>19.10.2023</a:t>
             </a:fld>
             <a:endParaRPr lang="ru-RU"/>
           </a:p>
@@ -627,7 +638,7 @@
           <a:p>
             <a:fld id="{346252AE-C3AD-F64D-9D8B-E93D532416B6}" type="datetimeFigureOut">
               <a:rPr lang="ru-RU" smtClean="0"/>
-              <a:t>16.10.2023</a:t>
+              <a:t>19.10.2023</a:t>
             </a:fld>
             <a:endParaRPr lang="ru-RU"/>
           </a:p>
@@ -797,7 +808,7 @@
           <a:p>
             <a:fld id="{346252AE-C3AD-F64D-9D8B-E93D532416B6}" type="datetimeFigureOut">
               <a:rPr lang="ru-RU" smtClean="0"/>
-              <a:t>16.10.2023</a:t>
+              <a:t>19.10.2023</a:t>
             </a:fld>
             <a:endParaRPr lang="ru-RU"/>
           </a:p>
@@ -977,7 +988,7 @@
           <a:p>
             <a:fld id="{346252AE-C3AD-F64D-9D8B-E93D532416B6}" type="datetimeFigureOut">
               <a:rPr lang="ru-RU" smtClean="0"/>
-              <a:t>16.10.2023</a:t>
+              <a:t>19.10.2023</a:t>
             </a:fld>
             <a:endParaRPr lang="ru-RU"/>
           </a:p>
@@ -1378,7 +1389,7 @@
     </p:spTree>
     <p:extLst>
       <p:ext uri="{BB962C8B-B14F-4D97-AF65-F5344CB8AC3E}">
-        <p14:creationId xmlns:p14="http://schemas.microsoft.com/office/powerpoint/2010/main" val="1215678635"/>
+        <p14:creationId xmlns:p14="http://schemas.microsoft.com/office/powerpoint/2010/main" val="3943470456"/>
       </p:ext>
     </p:extLst>
   </p:cSld>
@@ -1497,7 +1508,7 @@
           <a:p>
             <a:fld id="{346252AE-C3AD-F64D-9D8B-E93D532416B6}" type="datetimeFigureOut">
               <a:rPr lang="ru-RU" smtClean="0"/>
-              <a:t>16.10.2023</a:t>
+              <a:t>19.10.2023</a:t>
             </a:fld>
             <a:endParaRPr lang="ru-RU"/>
           </a:p>
@@ -1741,7 +1752,7 @@
           <a:p>
             <a:fld id="{346252AE-C3AD-F64D-9D8B-E93D532416B6}" type="datetimeFigureOut">
               <a:rPr lang="ru-RU" smtClean="0"/>
-              <a:t>16.10.2023</a:t>
+              <a:t>19.10.2023</a:t>
             </a:fld>
             <a:endParaRPr lang="ru-RU"/>
           </a:p>
@@ -1973,7 +1984,7 @@
           <a:p>
             <a:fld id="{346252AE-C3AD-F64D-9D8B-E93D532416B6}" type="datetimeFigureOut">
               <a:rPr lang="ru-RU" smtClean="0"/>
-              <a:t>16.10.2023</a:t>
+              <a:t>19.10.2023</a:t>
             </a:fld>
             <a:endParaRPr lang="ru-RU"/>
           </a:p>
@@ -2340,7 +2351,7 @@
           <a:p>
             <a:fld id="{346252AE-C3AD-F64D-9D8B-E93D532416B6}" type="datetimeFigureOut">
               <a:rPr lang="ru-RU" smtClean="0"/>
-              <a:t>16.10.2023</a:t>
+              <a:t>19.10.2023</a:t>
             </a:fld>
             <a:endParaRPr lang="ru-RU"/>
           </a:p>
@@ -2458,7 +2469,7 @@
           <a:p>
             <a:fld id="{346252AE-C3AD-F64D-9D8B-E93D532416B6}" type="datetimeFigureOut">
               <a:rPr lang="ru-RU" smtClean="0"/>
-              <a:t>16.10.2023</a:t>
+              <a:t>19.10.2023</a:t>
             </a:fld>
             <a:endParaRPr lang="ru-RU"/>
           </a:p>
@@ -2553,7 +2564,7 @@
           <a:p>
             <a:fld id="{346252AE-C3AD-F64D-9D8B-E93D532416B6}" type="datetimeFigureOut">
               <a:rPr lang="ru-RU" smtClean="0"/>
-              <a:t>16.10.2023</a:t>
+              <a:t>19.10.2023</a:t>
             </a:fld>
             <a:endParaRPr lang="ru-RU"/>
           </a:p>
@@ -2830,7 +2841,7 @@
           <a:p>
             <a:fld id="{346252AE-C3AD-F64D-9D8B-E93D532416B6}" type="datetimeFigureOut">
               <a:rPr lang="ru-RU" smtClean="0"/>
-              <a:t>16.10.2023</a:t>
+              <a:t>19.10.2023</a:t>
             </a:fld>
             <a:endParaRPr lang="ru-RU"/>
           </a:p>
@@ -3087,7 +3098,7 @@
           <a:p>
             <a:fld id="{346252AE-C3AD-F64D-9D8B-E93D532416B6}" type="datetimeFigureOut">
               <a:rPr lang="ru-RU" smtClean="0"/>
-              <a:t>16.10.2023</a:t>
+              <a:t>19.10.2023</a:t>
             </a:fld>
             <a:endParaRPr lang="ru-RU"/>
           </a:p>
@@ -3300,7 +3311,7 @@
           <a:p>
             <a:fld id="{346252AE-C3AD-F64D-9D8B-E93D532416B6}" type="datetimeFigureOut">
               <a:rPr lang="ru-RU" smtClean="0"/>
-              <a:t>16.10.2023</a:t>
+              <a:t>19.10.2023</a:t>
             </a:fld>
             <a:endParaRPr lang="ru-RU"/>
           </a:p>
@@ -4284,18 +4295,30 @@
                   <a:rPr lang="ru-RU" sz="1600" dirty="0"/>
                   <a:t>При большом </a:t>
                 </a:r>
-                <a:r>
-                  <a:rPr lang="en-US" sz="1600" dirty="0"/>
-                  <a:t>n</a:t>
-                </a:r>
+                <a14:m>
+                  <m:oMath xmlns:m="http://schemas.openxmlformats.org/officeDocument/2006/math">
+                    <m:r>
+                      <a:rPr lang="en-US" sz="1600" i="1">
+                        <a:latin typeface="Cambria Math" panose="02040503050406030204" pitchFamily="18" charset="0"/>
+                      </a:rPr>
+                      <m:t>𝑛</m:t>
+                    </m:r>
+                  </m:oMath>
+                </a14:m>
                 <a:r>
                   <a:rPr lang="ru-RU" sz="1600" dirty="0"/>
                   <a:t> (на практике даже для </a:t>
                 </a:r>
-                <a:r>
-                  <a:rPr lang="en-US" sz="1600" dirty="0"/>
-                  <a:t>n</a:t>
-                </a:r>
+                <a14:m>
+                  <m:oMath xmlns:m="http://schemas.openxmlformats.org/officeDocument/2006/math">
+                    <m:r>
+                      <a:rPr lang="en-US" sz="1600" i="1">
+                        <a:latin typeface="Cambria Math" panose="02040503050406030204" pitchFamily="18" charset="0"/>
+                      </a:rPr>
+                      <m:t>𝑛</m:t>
+                    </m:r>
+                  </m:oMath>
+                </a14:m>
                 <a:r>
                   <a:rPr lang="ru-RU" sz="1600" dirty="0"/>
                   <a:t> </a:t>
@@ -4449,7 +4472,7 @@
                                 <a:rPr lang="en-US" sz="1600" b="0" i="1" smtClean="0">
                                   <a:latin typeface="Cambria Math" panose="02040503050406030204" pitchFamily="18" charset="0"/>
                                 </a:rPr>
-                                <m:t>𝑎</m:t>
+                                <m:t>𝑚</m:t>
                               </m:r>
                               <m:r>
                                 <a:rPr lang="en-US" sz="1600" b="0" i="1" smtClean="0">
@@ -4468,10 +4491,10 @@
                                 </m:accPr>
                                 <m:e>
                                   <m:r>
-                                    <a:rPr lang="en-US" sz="1600" i="1">
+                                    <a:rPr lang="en-US" sz="1600" b="0" i="1" smtClean="0">
                                       <a:latin typeface="Cambria Math" panose="02040503050406030204" pitchFamily="18" charset="0"/>
                                     </a:rPr>
-                                    <m:t>𝑎</m:t>
+                                    <m:t>𝑚</m:t>
                                   </m:r>
                                 </m:e>
                               </m:acc>
@@ -4577,7 +4600,7 @@
                                 <a:rPr lang="en-US" sz="1600" b="0" i="1" smtClean="0">
                                   <a:latin typeface="Cambria Math" panose="02040503050406030204" pitchFamily="18" charset="0"/>
                                 </a:rPr>
-                                <m:t>𝑎</m:t>
+                                <m:t>𝑚</m:t>
                               </m:r>
                               <m:r>
                                 <a:rPr lang="en-US" sz="1600" b="0" i="1" smtClean="0">
@@ -4596,10 +4619,10 @@
                                 </m:accPr>
                                 <m:e>
                                   <m:r>
-                                    <a:rPr lang="en-US" sz="1600" i="1">
+                                    <a:rPr lang="en-US" sz="1600" b="0" i="1" smtClean="0">
                                       <a:latin typeface="Cambria Math" panose="02040503050406030204" pitchFamily="18" charset="0"/>
                                     </a:rPr>
-                                    <m:t>𝑎</m:t>
+                                    <m:t>𝑚</m:t>
                                   </m:r>
                                 </m:e>
                               </m:acc>
@@ -6385,17 +6408,38 @@
                   <a:rPr lang="ru-RU" dirty="0"/>
                   <a:t> куда входят все. Но при </a:t>
                 </a:r>
+                <a14:m>
+                  <m:oMath xmlns:m="http://schemas.openxmlformats.org/officeDocument/2006/math">
+                    <m:r>
+                      <a:rPr lang="en-US" i="1">
+                        <a:latin typeface="Cambria Math" panose="02040503050406030204" pitchFamily="18" charset="0"/>
+                      </a:rPr>
+                      <m:t>𝑛</m:t>
+                    </m:r>
+                    <m:r>
+                      <a:rPr lang="en-US" i="1" smtClean="0">
+                        <a:latin typeface="Cambria Math" panose="02040503050406030204" pitchFamily="18" charset="0"/>
+                        <a:ea typeface="Cambria Math" panose="02040503050406030204" pitchFamily="18" charset="0"/>
+                      </a:rPr>
+                      <m:t>≈</m:t>
+                    </m:r>
+                  </m:oMath>
+                </a14:m>
                 <a:r>
                   <a:rPr lang="en-US" dirty="0"/>
-                  <a:t>n 2—30 </a:t>
-                </a:r>
-                <a:r>
-                  <a:rPr lang="ru-RU" dirty="0" err="1"/>
-                  <a:t>гео</a:t>
+                  <a:t> 2</a:t>
                 </a:r>
                 <a:r>
                   <a:rPr lang="ru-RU" dirty="0"/>
-                  <a:t> можно считать нормальным.</a:t>
+                  <a:t>0</a:t>
+                </a:r>
+                <a:r>
+                  <a:rPr lang="en-US" dirty="0"/>
+                  <a:t>—30 </a:t>
+                </a:r>
+                <a:r>
+                  <a:rPr lang="ru-RU" dirty="0"/>
+                  <a:t>его можно считать нормальным.</a:t>
                 </a:r>
               </a:p>
               <a:p>
@@ -6874,7 +6918,7 @@
               <a:blipFill>
                 <a:blip r:embed="rId2"/>
                 <a:stretch>
-                  <a:fillRect l="-1235" t="-14066" r="-926" b="-3581"/>
+                  <a:fillRect l="-1235" t="-14066" r="-1543" b="-3581"/>
                 </a:stretch>
               </a:blipFill>
             </p:spPr>
@@ -8811,19 +8855,20 @@
           <a:p>
             <a:r>
               <a:rPr lang="ru-RU" dirty="0"/>
-              <a:t>Для точного нахождения доверительных интервалов нужно знать закон распределения Х</a:t>
+              <a:t>Для точного нахождения доверительных интервалов нужно знать закон распределения </a:t>
+            </a:r>
+            <a:r>
+              <a:rPr lang="ru-RU" i="1" dirty="0">
+                <a:latin typeface="Cambria Math" panose="02040503050406030204" pitchFamily="18" charset="0"/>
+                <a:ea typeface="Cambria Math" panose="02040503050406030204" pitchFamily="18" charset="0"/>
+              </a:rPr>
+              <a:t>Х</a:t>
             </a:r>
           </a:p>
           <a:p>
             <a:r>
               <a:rPr lang="ru-RU" dirty="0"/>
               <a:t>Параметры этого закона иногда можно и не знать. Задача решается путем перехода к другой случайной величине. </a:t>
-            </a:r>
-          </a:p>
-          <a:p>
-            <a:r>
-              <a:rPr lang="ru-RU" dirty="0"/>
-              <a:t>Например, для нормального закона. </a:t>
             </a:r>
           </a:p>
           <a:p>
@@ -8887,15 +8932,7 @@
           <a:p>
             <a:r>
               <a:rPr lang="ru-RU" dirty="0"/>
-              <a:t>Доверительные интервалы </a:t>
-            </a:r>
-            <a:r>
-              <a:rPr lang="ru-RU" dirty="0" err="1"/>
-              <a:t>дла</a:t>
-            </a:r>
-            <a:r>
-              <a:rPr lang="ru-RU" dirty="0"/>
-              <a:t> нормального закона</a:t>
+              <a:t>Доверительные интервалы для нормального закона</a:t>
             </a:r>
           </a:p>
         </p:txBody>
@@ -9051,8 +9088,22 @@
                   <a:t>Подчиняется закону распределения Стьюдента с </a:t>
                 </a:r>
                 <a:r>
+                  <a:rPr lang="en-US" i="1" dirty="0">
+                    <a:latin typeface="Cambria Math" panose="02040503050406030204" pitchFamily="18" charset="0"/>
+                    <a:ea typeface="Cambria Math" panose="02040503050406030204" pitchFamily="18" charset="0"/>
+                  </a:rPr>
+                  <a:t>n</a:t>
+                </a:r>
+                <a:r>
+                  <a:rPr lang="en-US" dirty="0">
+                    <a:latin typeface="Cambria Math" panose="02040503050406030204" pitchFamily="18" charset="0"/>
+                    <a:ea typeface="Cambria Math" panose="02040503050406030204" pitchFamily="18" charset="0"/>
+                  </a:rPr>
+                  <a:t>-1</a:t>
+                </a:r>
+                <a:r>
                   <a:rPr lang="en-US" dirty="0"/>
-                  <a:t>n-1 </a:t>
+                  <a:t> </a:t>
                 </a:r>
                 <a:r>
                   <a:rPr lang="ru-RU" dirty="0"/>
@@ -9095,7 +9146,7 @@
               <a:blipFill>
                 <a:blip r:embed="rId2"/>
                 <a:stretch>
-                  <a:fillRect l="-1235" t="-1279" r="-1698"/>
+                  <a:fillRect l="-1235" t="-1279" r="-1080"/>
                 </a:stretch>
               </a:blipFill>
             </p:spPr>
@@ -9324,7 +9375,27 @@
                 </a:r>
                 <a:r>
                   <a:rPr lang="en-US" dirty="0"/>
-                  <a:t>c n-1 </a:t>
+                  <a:t>c </a:t>
+                </a:r>
+                <a14:m>
+                  <m:oMath xmlns:m="http://schemas.openxmlformats.org/officeDocument/2006/math">
+                    <m:r>
+                      <a:rPr lang="en-US" sz="2800" b="0" i="1" smtClean="0">
+                        <a:latin typeface="Cambria Math" panose="02040503050406030204" pitchFamily="18" charset="0"/>
+                      </a:rPr>
+                      <m:t>𝑛</m:t>
+                    </m:r>
+                    <m:r>
+                      <a:rPr lang="en-US" sz="2800" b="0" i="1" smtClean="0">
+                        <a:latin typeface="Cambria Math" panose="02040503050406030204" pitchFamily="18" charset="0"/>
+                      </a:rPr>
+                      <m:t>−1</m:t>
+                    </m:r>
+                  </m:oMath>
+                </a14:m>
+                <a:r>
+                  <a:rPr lang="en-US" dirty="0"/>
+                  <a:t> </a:t>
                 </a:r>
                 <a:r>
                   <a:rPr lang="ru-RU" dirty="0"/>
@@ -11737,7 +11808,7 @@
           <a:p>
             <a:r>
               <a:rPr lang="ru-RU" dirty="0"/>
-              <a:t>Задача</a:t>
+              <a:t>Оценка параметров</a:t>
             </a:r>
           </a:p>
         </p:txBody>
@@ -11777,7 +11848,15 @@
           <a:p>
             <a:r>
               <a:rPr lang="ru-RU" dirty="0"/>
-              <a:t>На основе ограниченного числа наблюдений можно приблизительно найти параметры законов – мат. ожидание, дисперсия …</a:t>
+              <a:t>На основе ограниченного </a:t>
+            </a:r>
+            <a:r>
+              <a:rPr lang="ru-RU"/>
+              <a:t>числа наблюдений можно </a:t>
+            </a:r>
+            <a:r>
+              <a:rPr lang="ru-RU" dirty="0"/>
+              <a:t>приблизительно найти параметры законов – мат. ожидание, дисперсия …</a:t>
             </a:r>
           </a:p>
           <a:p>
@@ -13280,6 +13359,4719 @@
     <p:extLst>
       <p:ext uri="{BB962C8B-B14F-4D97-AF65-F5344CB8AC3E}">
         <p14:creationId xmlns:p14="http://schemas.microsoft.com/office/powerpoint/2010/main" val="381507251"/>
+      </p:ext>
+    </p:extLst>
+  </p:cSld>
+  <p:clrMapOvr>
+    <a:masterClrMapping/>
+  </p:clrMapOvr>
+</p:sld>
+</file>
+
+<file path=ppt/slides/slide23.xml><?xml version="1.0" encoding="utf-8"?>
+<p:sld xmlns:a="http://schemas.openxmlformats.org/drawingml/2006/main" xmlns:r="http://schemas.openxmlformats.org/officeDocument/2006/relationships" xmlns:p="http://schemas.openxmlformats.org/presentationml/2006/main">
+  <p:cSld>
+    <p:spTree>
+      <p:nvGrpSpPr>
+        <p:cNvPr id="1" name=""/>
+        <p:cNvGrpSpPr/>
+        <p:nvPr/>
+      </p:nvGrpSpPr>
+      <p:grpSpPr>
+        <a:xfrm>
+          <a:off x="0" y="0"/>
+          <a:ext cx="0" cy="0"/>
+          <a:chOff x="0" y="0"/>
+          <a:chExt cx="0" cy="0"/>
+        </a:xfrm>
+      </p:grpSpPr>
+      <p:sp>
+        <p:nvSpPr>
+          <p:cNvPr id="2" name="Заголовок 1">
+            <a:extLst>
+              <a:ext uri="{FF2B5EF4-FFF2-40B4-BE49-F238E27FC236}">
+                <a16:creationId xmlns:a16="http://schemas.microsoft.com/office/drawing/2014/main" id="{AC991F7F-A98D-0F4B-95B5-E2C9FAD1CD55}"/>
+              </a:ext>
+            </a:extLst>
+          </p:cNvPr>
+          <p:cNvSpPr>
+            <a:spLocks noGrp="1"/>
+          </p:cNvSpPr>
+          <p:nvPr>
+            <p:ph type="title"/>
+          </p:nvPr>
+        </p:nvSpPr>
+        <p:spPr/>
+        <p:txBody>
+          <a:bodyPr/>
+          <a:lstStyle/>
+          <a:p>
+            <a:r>
+              <a:rPr lang="ru-RU" dirty="0"/>
+              <a:t>Оценка вероятности по частоте</a:t>
+            </a:r>
+          </a:p>
+        </p:txBody>
+      </p:sp>
+      <mc:AlternateContent xmlns:mc="http://schemas.openxmlformats.org/markup-compatibility/2006" xmlns:a14="http://schemas.microsoft.com/office/drawing/2010/main">
+        <mc:Choice Requires="a14">
+          <p:sp>
+            <p:nvSpPr>
+              <p:cNvPr id="3" name="Текст 2">
+                <a:extLst>
+                  <a:ext uri="{FF2B5EF4-FFF2-40B4-BE49-F238E27FC236}">
+                    <a16:creationId xmlns:a16="http://schemas.microsoft.com/office/drawing/2014/main" id="{FD3E59B2-E741-F344-8FAF-161CCE574A5C}"/>
+                  </a:ext>
+                </a:extLst>
+              </p:cNvPr>
+              <p:cNvSpPr>
+                <a:spLocks noGrp="1"/>
+              </p:cNvSpPr>
+              <p:nvPr>
+                <p:ph type="body" idx="1"/>
+              </p:nvPr>
+            </p:nvSpPr>
+            <p:spPr/>
+            <p:txBody>
+              <a:bodyPr/>
+              <a:lstStyle/>
+              <a:p>
+                <a:pPr marL="38100" indent="0">
+                  <a:buNone/>
+                </a:pPr>
+                <a:r>
+                  <a:rPr lang="ru-RU" dirty="0"/>
+                  <a:t>Оценка вероятности </a:t>
+                </a:r>
+                <a14:m>
+                  <m:oMath xmlns:m="http://schemas.openxmlformats.org/officeDocument/2006/math">
+                    <m:r>
+                      <a:rPr lang="en-US" b="0" i="1" smtClean="0">
+                        <a:latin typeface="Cambria Math" panose="02040503050406030204" pitchFamily="18" charset="0"/>
+                      </a:rPr>
+                      <m:t>𝑝</m:t>
+                    </m:r>
+                  </m:oMath>
+                </a14:m>
+                <a:r>
+                  <a:rPr lang="en-US" dirty="0"/>
+                  <a:t> </a:t>
+                </a:r>
+                <a:r>
+                  <a:rPr lang="ru-RU" dirty="0"/>
+                  <a:t>– это среднее сл. величины </a:t>
+                </a:r>
+                <a:r>
+                  <a:rPr lang="en-US" i="1" dirty="0">
+                    <a:latin typeface="Cambria Math" panose="02040503050406030204" pitchFamily="18" charset="0"/>
+                    <a:ea typeface="Cambria Math" panose="02040503050406030204" pitchFamily="18" charset="0"/>
+                  </a:rPr>
+                  <a:t>X</a:t>
+                </a:r>
+                <a:r>
+                  <a:rPr lang="ru-RU" dirty="0"/>
+                  <a:t>, в каждом опыте она принимает значение 1, если событие произошло и 0, если не произошло. </a:t>
+                </a:r>
+              </a:p>
+              <a:p>
+                <a:pPr marL="38100" indent="0">
+                  <a:buNone/>
+                </a:pPr>
+                <a14:m>
+                  <m:oMathPara xmlns:m="http://schemas.openxmlformats.org/officeDocument/2006/math">
+                    <m:oMathParaPr>
+                      <m:jc m:val="centerGroup"/>
+                    </m:oMathParaPr>
+                    <m:oMath xmlns:m="http://schemas.openxmlformats.org/officeDocument/2006/math">
+                      <m:sSup>
+                        <m:sSupPr>
+                          <m:ctrlPr>
+                            <a:rPr lang="en-US" sz="2800" b="0" i="1" smtClean="0">
+                              <a:latin typeface="Cambria Math" panose="02040503050406030204" pitchFamily="18" charset="0"/>
+                            </a:rPr>
+                          </m:ctrlPr>
+                        </m:sSupPr>
+                        <m:e>
+                          <m:r>
+                            <a:rPr lang="en-US" sz="2800" b="0" i="1" smtClean="0">
+                              <a:latin typeface="Cambria Math" panose="02040503050406030204" pitchFamily="18" charset="0"/>
+                            </a:rPr>
+                            <m:t>𝑝</m:t>
+                          </m:r>
+                        </m:e>
+                        <m:sup>
+                          <m:r>
+                            <a:rPr lang="en-US" sz="2800" b="0" i="1" smtClean="0">
+                              <a:latin typeface="Cambria Math" panose="02040503050406030204" pitchFamily="18" charset="0"/>
+                            </a:rPr>
+                            <m:t>∗</m:t>
+                          </m:r>
+                        </m:sup>
+                      </m:sSup>
+                      <m:r>
+                        <a:rPr lang="en-US" sz="2800" b="0" i="1" smtClean="0">
+                          <a:latin typeface="Cambria Math" panose="02040503050406030204" pitchFamily="18" charset="0"/>
+                        </a:rPr>
+                        <m:t>=</m:t>
+                      </m:r>
+                      <m:f>
+                        <m:fPr>
+                          <m:ctrlPr>
+                            <a:rPr lang="en-US" sz="2800" b="0" i="1" smtClean="0">
+                              <a:latin typeface="Cambria Math" panose="02040503050406030204" pitchFamily="18" charset="0"/>
+                            </a:rPr>
+                          </m:ctrlPr>
+                        </m:fPr>
+                        <m:num>
+                          <m:nary>
+                            <m:naryPr>
+                              <m:chr m:val="∑"/>
+                              <m:ctrlPr>
+                                <a:rPr lang="en-US" sz="2800" b="0" i="1" smtClean="0">
+                                  <a:latin typeface="Cambria Math" panose="02040503050406030204" pitchFamily="18" charset="0"/>
+                                </a:rPr>
+                              </m:ctrlPr>
+                            </m:naryPr>
+                            <m:sub>
+                              <m:r>
+                                <m:rPr>
+                                  <m:brk m:alnAt="23"/>
+                                </m:rPr>
+                                <a:rPr lang="en-US" sz="2800" b="0" i="1" smtClean="0">
+                                  <a:latin typeface="Cambria Math" panose="02040503050406030204" pitchFamily="18" charset="0"/>
+                                </a:rPr>
+                                <m:t>𝑖</m:t>
+                              </m:r>
+                              <m:r>
+                                <a:rPr lang="en-US" sz="2800" b="0" i="1" smtClean="0">
+                                  <a:latin typeface="Cambria Math" panose="02040503050406030204" pitchFamily="18" charset="0"/>
+                                </a:rPr>
+                                <m:t>=1</m:t>
+                              </m:r>
+                            </m:sub>
+                            <m:sup>
+                              <m:r>
+                                <a:rPr lang="en-US" sz="2800" b="0" i="1" smtClean="0">
+                                  <a:latin typeface="Cambria Math" panose="02040503050406030204" pitchFamily="18" charset="0"/>
+                                </a:rPr>
+                                <m:t>𝑛</m:t>
+                              </m:r>
+                            </m:sup>
+                            <m:e>
+                              <m:sSub>
+                                <m:sSubPr>
+                                  <m:ctrlPr>
+                                    <a:rPr lang="en-US" sz="2800" b="0" i="1" smtClean="0">
+                                      <a:latin typeface="Cambria Math" panose="02040503050406030204" pitchFamily="18" charset="0"/>
+                                    </a:rPr>
+                                  </m:ctrlPr>
+                                </m:sSubPr>
+                                <m:e>
+                                  <m:r>
+                                    <a:rPr lang="en-US" sz="2800" b="0" i="1" smtClean="0">
+                                      <a:latin typeface="Cambria Math" panose="02040503050406030204" pitchFamily="18" charset="0"/>
+                                    </a:rPr>
+                                    <m:t>𝑋</m:t>
+                                  </m:r>
+                                </m:e>
+                                <m:sub>
+                                  <m:r>
+                                    <a:rPr lang="en-US" sz="2800" b="0" i="1" smtClean="0">
+                                      <a:latin typeface="Cambria Math" panose="02040503050406030204" pitchFamily="18" charset="0"/>
+                                    </a:rPr>
+                                    <m:t>𝑖</m:t>
+                                  </m:r>
+                                </m:sub>
+                              </m:sSub>
+                            </m:e>
+                          </m:nary>
+                        </m:num>
+                        <m:den>
+                          <m:r>
+                            <a:rPr lang="en-US" sz="2800" b="0" i="1" smtClean="0">
+                              <a:latin typeface="Cambria Math" panose="02040503050406030204" pitchFamily="18" charset="0"/>
+                            </a:rPr>
+                            <m:t>𝑛</m:t>
+                          </m:r>
+                        </m:den>
+                      </m:f>
+                    </m:oMath>
+                  </m:oMathPara>
+                </a14:m>
+                <a:endParaRPr lang="en-US" dirty="0"/>
+              </a:p>
+              <a:p>
+                <a:pPr marL="38100" indent="0">
+                  <a:buNone/>
+                </a:pPr>
+                <a14:m>
+                  <m:oMathPara xmlns:m="http://schemas.openxmlformats.org/officeDocument/2006/math">
+                    <m:oMathParaPr>
+                      <m:jc m:val="centerGroup"/>
+                    </m:oMathParaPr>
+                    <m:oMath xmlns:m="http://schemas.openxmlformats.org/officeDocument/2006/math">
+                      <m:r>
+                        <a:rPr lang="en-US" b="0" i="1" smtClean="0">
+                          <a:latin typeface="Cambria Math" panose="02040503050406030204" pitchFamily="18" charset="0"/>
+                        </a:rPr>
+                        <m:t>𝑀</m:t>
+                      </m:r>
+                      <m:d>
+                        <m:dPr>
+                          <m:begChr m:val="["/>
+                          <m:endChr m:val="]"/>
+                          <m:ctrlPr>
+                            <a:rPr lang="en-US" b="0" i="1" smtClean="0">
+                              <a:latin typeface="Cambria Math" panose="02040503050406030204" pitchFamily="18" charset="0"/>
+                            </a:rPr>
+                          </m:ctrlPr>
+                        </m:dPr>
+                        <m:e>
+                          <m:r>
+                            <a:rPr lang="en-US" b="0" i="1" smtClean="0">
+                              <a:latin typeface="Cambria Math" panose="02040503050406030204" pitchFamily="18" charset="0"/>
+                            </a:rPr>
+                            <m:t>𝑋</m:t>
+                          </m:r>
+                        </m:e>
+                      </m:d>
+                      <m:r>
+                        <a:rPr lang="en-US" b="0" i="1" smtClean="0">
+                          <a:latin typeface="Cambria Math" panose="02040503050406030204" pitchFamily="18" charset="0"/>
+                        </a:rPr>
+                        <m:t>=</m:t>
+                      </m:r>
+                      <m:r>
+                        <a:rPr lang="en-US" b="0" i="1" smtClean="0">
+                          <a:latin typeface="Cambria Math" panose="02040503050406030204" pitchFamily="18" charset="0"/>
+                        </a:rPr>
+                        <m:t>𝑝</m:t>
+                      </m:r>
+                      <m:r>
+                        <a:rPr lang="en-US" b="0" i="1" smtClean="0">
+                          <a:latin typeface="Cambria Math" panose="02040503050406030204" pitchFamily="18" charset="0"/>
+                        </a:rPr>
+                        <m:t>, </m:t>
+                      </m:r>
+                      <m:r>
+                        <a:rPr lang="en-US" b="0" i="1" smtClean="0">
+                          <a:latin typeface="Cambria Math" panose="02040503050406030204" pitchFamily="18" charset="0"/>
+                        </a:rPr>
+                        <m:t>𝑞</m:t>
+                      </m:r>
+                      <m:r>
+                        <a:rPr lang="en-US" b="0" i="1" smtClean="0">
+                          <a:latin typeface="Cambria Math" panose="02040503050406030204" pitchFamily="18" charset="0"/>
+                        </a:rPr>
+                        <m:t>=1−</m:t>
+                      </m:r>
+                      <m:r>
+                        <a:rPr lang="en-US" b="0" i="1" smtClean="0">
+                          <a:latin typeface="Cambria Math" panose="02040503050406030204" pitchFamily="18" charset="0"/>
+                        </a:rPr>
+                        <m:t>𝑝</m:t>
+                      </m:r>
+                      <m:r>
+                        <a:rPr lang="en-US" b="0" i="1" smtClean="0">
+                          <a:latin typeface="Cambria Math" panose="02040503050406030204" pitchFamily="18" charset="0"/>
+                        </a:rPr>
+                        <m:t>,</m:t>
+                      </m:r>
+                      <m:r>
+                        <a:rPr lang="en-US" b="0" i="1" smtClean="0">
+                          <a:latin typeface="Cambria Math" panose="02040503050406030204" pitchFamily="18" charset="0"/>
+                        </a:rPr>
+                        <m:t>𝐷</m:t>
+                      </m:r>
+                      <m:d>
+                        <m:dPr>
+                          <m:begChr m:val="["/>
+                          <m:endChr m:val="]"/>
+                          <m:ctrlPr>
+                            <a:rPr lang="en-US" b="0" i="1" smtClean="0">
+                              <a:latin typeface="Cambria Math" panose="02040503050406030204" pitchFamily="18" charset="0"/>
+                            </a:rPr>
+                          </m:ctrlPr>
+                        </m:dPr>
+                        <m:e>
+                          <m:r>
+                            <a:rPr lang="en-US" b="0" i="1" smtClean="0">
+                              <a:latin typeface="Cambria Math" panose="02040503050406030204" pitchFamily="18" charset="0"/>
+                            </a:rPr>
+                            <m:t>𝑋</m:t>
+                          </m:r>
+                        </m:e>
+                      </m:d>
+                      <m:r>
+                        <a:rPr lang="en-US" b="0" i="1" smtClean="0">
+                          <a:latin typeface="Cambria Math" panose="02040503050406030204" pitchFamily="18" charset="0"/>
+                        </a:rPr>
+                        <m:t>=</m:t>
+                      </m:r>
+                      <m:r>
+                        <a:rPr lang="en-US" b="0" i="1" smtClean="0">
+                          <a:latin typeface="Cambria Math" panose="02040503050406030204" pitchFamily="18" charset="0"/>
+                        </a:rPr>
+                        <m:t>𝑝𝑞</m:t>
+                      </m:r>
+                    </m:oMath>
+                  </m:oMathPara>
+                </a14:m>
+                <a:endParaRPr lang="en-US" dirty="0"/>
+              </a:p>
+              <a:p>
+                <a:pPr marL="38100" indent="0">
+                  <a:buNone/>
+                </a:pPr>
+                <a:r>
+                  <a:rPr lang="ru-RU" dirty="0" err="1"/>
+                  <a:t>Несмещенность</a:t>
+                </a:r>
+                <a:r>
+                  <a:rPr lang="ru-RU" dirty="0"/>
+                  <a:t>: </a:t>
+                </a:r>
+                <a14:m>
+                  <m:oMath xmlns:m="http://schemas.openxmlformats.org/officeDocument/2006/math">
+                    <m:r>
+                      <a:rPr lang="en-US" sz="2800" b="0" i="1" smtClean="0">
+                        <a:latin typeface="Cambria Math" panose="02040503050406030204" pitchFamily="18" charset="0"/>
+                      </a:rPr>
+                      <m:t>𝑀</m:t>
+                    </m:r>
+                    <m:d>
+                      <m:dPr>
+                        <m:begChr m:val="["/>
+                        <m:endChr m:val="]"/>
+                        <m:ctrlPr>
+                          <a:rPr lang="en-US" sz="2800" b="0" i="1" smtClean="0">
+                            <a:latin typeface="Cambria Math" panose="02040503050406030204" pitchFamily="18" charset="0"/>
+                          </a:rPr>
+                        </m:ctrlPr>
+                      </m:dPr>
+                      <m:e>
+                        <m:sSup>
+                          <m:sSupPr>
+                            <m:ctrlPr>
+                              <a:rPr lang="en-US" sz="2800" b="0" i="1" smtClean="0">
+                                <a:latin typeface="Cambria Math" panose="02040503050406030204" pitchFamily="18" charset="0"/>
+                              </a:rPr>
+                            </m:ctrlPr>
+                          </m:sSupPr>
+                          <m:e>
+                            <m:r>
+                              <a:rPr lang="en-US" sz="2800" b="0" i="1" smtClean="0">
+                                <a:latin typeface="Cambria Math" panose="02040503050406030204" pitchFamily="18" charset="0"/>
+                              </a:rPr>
+                              <m:t>𝑝</m:t>
+                            </m:r>
+                          </m:e>
+                          <m:sup>
+                            <m:r>
+                              <a:rPr lang="en-US" sz="2800" b="0" i="1" smtClean="0">
+                                <a:latin typeface="Cambria Math" panose="02040503050406030204" pitchFamily="18" charset="0"/>
+                              </a:rPr>
+                              <m:t>∗</m:t>
+                            </m:r>
+                          </m:sup>
+                        </m:sSup>
+                      </m:e>
+                    </m:d>
+                    <m:r>
+                      <a:rPr lang="en-US" sz="2800" b="0" i="1" smtClean="0">
+                        <a:latin typeface="Cambria Math" panose="02040503050406030204" pitchFamily="18" charset="0"/>
+                      </a:rPr>
+                      <m:t>=</m:t>
+                    </m:r>
+                    <m:r>
+                      <a:rPr lang="en-US" sz="2800" b="0" i="1" smtClean="0">
+                        <a:latin typeface="Cambria Math" panose="02040503050406030204" pitchFamily="18" charset="0"/>
+                      </a:rPr>
+                      <m:t>𝑝</m:t>
+                    </m:r>
+                  </m:oMath>
+                </a14:m>
+                <a:endParaRPr lang="ru-RU" dirty="0"/>
+              </a:p>
+              <a:p>
+                <a:pPr marL="38100" indent="0">
+                  <a:buNone/>
+                </a:pPr>
+                <a14:m>
+                  <m:oMath xmlns:m="http://schemas.openxmlformats.org/officeDocument/2006/math">
+                    <m:r>
+                      <a:rPr lang="en-US" sz="2800" b="0" i="1" smtClean="0">
+                        <a:latin typeface="Cambria Math" panose="02040503050406030204" pitchFamily="18" charset="0"/>
+                      </a:rPr>
+                      <m:t>𝐷</m:t>
+                    </m:r>
+                    <m:d>
+                      <m:dPr>
+                        <m:begChr m:val="["/>
+                        <m:endChr m:val="]"/>
+                        <m:ctrlPr>
+                          <a:rPr lang="en-US" sz="2800" b="0" i="1" smtClean="0">
+                            <a:latin typeface="Cambria Math" panose="02040503050406030204" pitchFamily="18" charset="0"/>
+                          </a:rPr>
+                        </m:ctrlPr>
+                      </m:dPr>
+                      <m:e>
+                        <m:sSup>
+                          <m:sSupPr>
+                            <m:ctrlPr>
+                              <a:rPr lang="en-US" sz="2800" b="0" i="1" smtClean="0">
+                                <a:latin typeface="Cambria Math" panose="02040503050406030204" pitchFamily="18" charset="0"/>
+                              </a:rPr>
+                            </m:ctrlPr>
+                          </m:sSupPr>
+                          <m:e>
+                            <m:r>
+                              <a:rPr lang="en-US" sz="2800" b="0" i="1" smtClean="0">
+                                <a:latin typeface="Cambria Math" panose="02040503050406030204" pitchFamily="18" charset="0"/>
+                              </a:rPr>
+                              <m:t>𝑝</m:t>
+                            </m:r>
+                          </m:e>
+                          <m:sup>
+                            <m:r>
+                              <a:rPr lang="en-US" sz="2800" b="0" i="1" smtClean="0">
+                                <a:latin typeface="Cambria Math" panose="02040503050406030204" pitchFamily="18" charset="0"/>
+                              </a:rPr>
+                              <m:t>∗</m:t>
+                            </m:r>
+                          </m:sup>
+                        </m:sSup>
+                      </m:e>
+                    </m:d>
+                    <m:r>
+                      <a:rPr lang="en-US" sz="2800" b="0" i="1" smtClean="0">
+                        <a:latin typeface="Cambria Math" panose="02040503050406030204" pitchFamily="18" charset="0"/>
+                      </a:rPr>
+                      <m:t>=</m:t>
+                    </m:r>
+                    <m:f>
+                      <m:fPr>
+                        <m:ctrlPr>
+                          <a:rPr lang="en-US" sz="2800" b="0" i="1" smtClean="0">
+                            <a:latin typeface="Cambria Math" panose="02040503050406030204" pitchFamily="18" charset="0"/>
+                          </a:rPr>
+                        </m:ctrlPr>
+                      </m:fPr>
+                      <m:num>
+                        <m:r>
+                          <a:rPr lang="en-US" sz="2800" b="0" i="1" smtClean="0">
+                            <a:latin typeface="Cambria Math" panose="02040503050406030204" pitchFamily="18" charset="0"/>
+                          </a:rPr>
+                          <m:t>𝑝𝑞</m:t>
+                        </m:r>
+                      </m:num>
+                      <m:den>
+                        <m:r>
+                          <a:rPr lang="en-US" sz="2800" b="0" i="1" smtClean="0">
+                            <a:latin typeface="Cambria Math" panose="02040503050406030204" pitchFamily="18" charset="0"/>
+                          </a:rPr>
+                          <m:t>𝑛</m:t>
+                        </m:r>
+                      </m:den>
+                    </m:f>
+                  </m:oMath>
+                </a14:m>
+                <a:r>
+                  <a:rPr lang="en-US" dirty="0"/>
+                  <a:t> - </a:t>
+                </a:r>
+                <a:r>
+                  <a:rPr lang="ru-RU" dirty="0"/>
+                  <a:t>это минимально возможная дисперсия, т.е. оценка эффективна. </a:t>
+                </a:r>
+              </a:p>
+              <a:p>
+                <a:pPr marL="38100" indent="0">
+                  <a:buNone/>
+                </a:pPr>
+                <a:endParaRPr lang="ru-RU" dirty="0"/>
+              </a:p>
+            </p:txBody>
+          </p:sp>
+        </mc:Choice>
+        <mc:Fallback xmlns="">
+          <p:sp>
+            <p:nvSpPr>
+              <p:cNvPr id="3" name="Текст 2">
+                <a:extLst>
+                  <a:ext uri="{FF2B5EF4-FFF2-40B4-BE49-F238E27FC236}">
+                    <a16:creationId xmlns:a16="http://schemas.microsoft.com/office/drawing/2014/main" id="{FD3E59B2-E741-F344-8FAF-161CCE574A5C}"/>
+                  </a:ext>
+                </a:extLst>
+              </p:cNvPr>
+              <p:cNvSpPr>
+                <a:spLocks noGrp="1" noRot="1" noChangeAspect="1" noMove="1" noResize="1" noEditPoints="1" noAdjustHandles="1" noChangeArrowheads="1" noChangeShapeType="1" noTextEdit="1"/>
+              </p:cNvSpPr>
+              <p:nvPr>
+                <p:ph type="body" idx="1"/>
+              </p:nvPr>
+            </p:nvSpPr>
+            <p:spPr>
+              <a:blipFill>
+                <a:blip r:embed="rId2"/>
+                <a:stretch>
+                  <a:fillRect l="-1235" r="-2160"/>
+                </a:stretch>
+              </a:blipFill>
+            </p:spPr>
+            <p:txBody>
+              <a:bodyPr/>
+              <a:lstStyle/>
+              <a:p>
+                <a:r>
+                  <a:rPr lang="ru-RU">
+                    <a:noFill/>
+                  </a:rPr>
+                  <a:t> </a:t>
+                </a:r>
+              </a:p>
+            </p:txBody>
+          </p:sp>
+        </mc:Fallback>
+      </mc:AlternateContent>
+    </p:spTree>
+    <p:extLst>
+      <p:ext uri="{BB962C8B-B14F-4D97-AF65-F5344CB8AC3E}">
+        <p14:creationId xmlns:p14="http://schemas.microsoft.com/office/powerpoint/2010/main" val="2813465497"/>
+      </p:ext>
+    </p:extLst>
+  </p:cSld>
+  <p:clrMapOvr>
+    <a:masterClrMapping/>
+  </p:clrMapOvr>
+</p:sld>
+</file>
+
+<file path=ppt/slides/slide24.xml><?xml version="1.0" encoding="utf-8"?>
+<p:sld xmlns:a="http://schemas.openxmlformats.org/drawingml/2006/main" xmlns:r="http://schemas.openxmlformats.org/officeDocument/2006/relationships" xmlns:p="http://schemas.openxmlformats.org/presentationml/2006/main">
+  <p:cSld>
+    <p:spTree>
+      <p:nvGrpSpPr>
+        <p:cNvPr id="1" name=""/>
+        <p:cNvGrpSpPr/>
+        <p:nvPr/>
+      </p:nvGrpSpPr>
+      <p:grpSpPr>
+        <a:xfrm>
+          <a:off x="0" y="0"/>
+          <a:ext cx="0" cy="0"/>
+          <a:chOff x="0" y="0"/>
+          <a:chExt cx="0" cy="0"/>
+        </a:xfrm>
+      </p:grpSpPr>
+      <p:sp>
+        <p:nvSpPr>
+          <p:cNvPr id="2" name="Заголовок 1">
+            <a:extLst>
+              <a:ext uri="{FF2B5EF4-FFF2-40B4-BE49-F238E27FC236}">
+                <a16:creationId xmlns:a16="http://schemas.microsoft.com/office/drawing/2014/main" id="{52B5CBDC-3D5A-9A48-A96B-9DE59F8860BB}"/>
+              </a:ext>
+            </a:extLst>
+          </p:cNvPr>
+          <p:cNvSpPr>
+            <a:spLocks noGrp="1"/>
+          </p:cNvSpPr>
+          <p:nvPr>
+            <p:ph type="title"/>
+          </p:nvPr>
+        </p:nvSpPr>
+        <p:spPr/>
+        <p:txBody>
+          <a:bodyPr/>
+          <a:lstStyle/>
+          <a:p>
+            <a:r>
+              <a:rPr lang="ru-RU" dirty="0"/>
+              <a:t>Доверительный интервал для вероятности</a:t>
+            </a:r>
+          </a:p>
+        </p:txBody>
+      </p:sp>
+      <mc:AlternateContent xmlns:mc="http://schemas.openxmlformats.org/markup-compatibility/2006" xmlns:a14="http://schemas.microsoft.com/office/drawing/2010/main">
+        <mc:Choice Requires="a14">
+          <p:sp>
+            <p:nvSpPr>
+              <p:cNvPr id="3" name="Текст 2">
+                <a:extLst>
+                  <a:ext uri="{FF2B5EF4-FFF2-40B4-BE49-F238E27FC236}">
+                    <a16:creationId xmlns:a16="http://schemas.microsoft.com/office/drawing/2014/main" id="{81CFE03A-401F-0E43-A20B-BBF33DC81721}"/>
+                  </a:ext>
+                </a:extLst>
+              </p:cNvPr>
+              <p:cNvSpPr>
+                <a:spLocks noGrp="1"/>
+              </p:cNvSpPr>
+              <p:nvPr>
+                <p:ph type="body" idx="1"/>
+              </p:nvPr>
+            </p:nvSpPr>
+            <p:spPr/>
+            <p:txBody>
+              <a:bodyPr/>
+              <a:lstStyle/>
+              <a:p>
+                <a:pPr marL="38100" indent="0">
+                  <a:buNone/>
+                </a:pPr>
+                <a:r>
+                  <a:rPr lang="ru-RU" sz="1800" dirty="0"/>
+                  <a:t>Если число опытов велико и </a:t>
+                </a:r>
+                <a:r>
+                  <a:rPr lang="en-US" sz="1800" i="1" dirty="0">
+                    <a:latin typeface="Cambria Math" panose="02040503050406030204" pitchFamily="18" charset="0"/>
+                    <a:ea typeface="Cambria Math" panose="02040503050406030204" pitchFamily="18" charset="0"/>
+                  </a:rPr>
+                  <a:t>p</a:t>
+                </a:r>
+                <a:r>
+                  <a:rPr lang="en-US" sz="1800" dirty="0"/>
+                  <a:t> </a:t>
+                </a:r>
+                <a:r>
+                  <a:rPr lang="ru-RU" sz="1800" dirty="0"/>
+                  <a:t>не слишком мала и не слишком велика, то распределение частоты </a:t>
+                </a:r>
+                <a14:m>
+                  <m:oMath xmlns:m="http://schemas.openxmlformats.org/officeDocument/2006/math">
+                    <m:sSup>
+                      <m:sSupPr>
+                        <m:ctrlPr>
+                          <a:rPr lang="en-US" sz="1800" b="0" i="1" smtClean="0">
+                            <a:latin typeface="Cambria Math" panose="02040503050406030204" pitchFamily="18" charset="0"/>
+                          </a:rPr>
+                        </m:ctrlPr>
+                      </m:sSupPr>
+                      <m:e>
+                        <m:r>
+                          <a:rPr lang="en-US" sz="1800" b="0" i="1" smtClean="0">
+                            <a:latin typeface="Cambria Math" panose="02040503050406030204" pitchFamily="18" charset="0"/>
+                          </a:rPr>
+                          <m:t>𝑝</m:t>
+                        </m:r>
+                      </m:e>
+                      <m:sup>
+                        <m:r>
+                          <a:rPr lang="en-US" sz="1800" b="0" i="1" smtClean="0">
+                            <a:latin typeface="Cambria Math" panose="02040503050406030204" pitchFamily="18" charset="0"/>
+                          </a:rPr>
+                          <m:t>∗</m:t>
+                        </m:r>
+                      </m:sup>
+                    </m:sSup>
+                  </m:oMath>
+                </a14:m>
+                <a:r>
+                  <a:rPr lang="ru-RU" sz="1800" dirty="0"/>
+                  <a:t> близко нормальному. Достаточно чтобы </a:t>
+                </a:r>
+                <a:r>
+                  <a:rPr lang="en-US" sz="1800" i="1" dirty="0" err="1">
+                    <a:latin typeface="Cambria Math" panose="02040503050406030204" pitchFamily="18" charset="0"/>
+                    <a:ea typeface="Cambria Math" panose="02040503050406030204" pitchFamily="18" charset="0"/>
+                  </a:rPr>
+                  <a:t>pn</a:t>
+                </a:r>
+                <a:r>
+                  <a:rPr lang="en-US" sz="1800" dirty="0"/>
+                  <a:t> </a:t>
+                </a:r>
+                <a:r>
+                  <a:rPr lang="ru-RU" sz="1800" dirty="0"/>
+                  <a:t>и </a:t>
+                </a:r>
+                <a:r>
+                  <a:rPr lang="en-US" sz="1800" i="1" dirty="0" err="1">
+                    <a:latin typeface="Cambria Math" panose="02040503050406030204" pitchFamily="18" charset="0"/>
+                    <a:ea typeface="Cambria Math" panose="02040503050406030204" pitchFamily="18" charset="0"/>
+                  </a:rPr>
+                  <a:t>qn</a:t>
+                </a:r>
+                <a:r>
+                  <a:rPr lang="en-US" sz="1800" dirty="0"/>
+                  <a:t> </a:t>
+                </a:r>
+                <a:r>
+                  <a:rPr lang="ru-RU" sz="1800" dirty="0"/>
+                  <a:t>были больше 4-х. </a:t>
+                </a:r>
+              </a:p>
+              <a:p>
+                <a:pPr marL="38100" indent="0">
+                  <a:buNone/>
+                </a:pPr>
+                <a14:m>
+                  <m:oMathPara xmlns:m="http://schemas.openxmlformats.org/officeDocument/2006/math">
+                    <m:oMathParaPr>
+                      <m:jc m:val="centerGroup"/>
+                    </m:oMathParaPr>
+                    <m:oMath xmlns:m="http://schemas.openxmlformats.org/officeDocument/2006/math">
+                      <m:sSub>
+                        <m:sSubPr>
+                          <m:ctrlPr>
+                            <a:rPr lang="ru-RU" sz="1800" i="1" smtClean="0">
+                              <a:latin typeface="Cambria Math" panose="02040503050406030204" pitchFamily="18" charset="0"/>
+                            </a:rPr>
+                          </m:ctrlPr>
+                        </m:sSubPr>
+                        <m:e>
+                          <m:r>
+                            <a:rPr lang="en-US" sz="1800" b="0" i="1" smtClean="0">
+                              <a:latin typeface="Cambria Math" panose="02040503050406030204" pitchFamily="18" charset="0"/>
+                            </a:rPr>
+                            <m:t>𝑚</m:t>
+                          </m:r>
+                        </m:e>
+                        <m:sub>
+                          <m:sSup>
+                            <m:sSupPr>
+                              <m:ctrlPr>
+                                <a:rPr lang="ru-RU" sz="1800" i="1" smtClean="0">
+                                  <a:latin typeface="Cambria Math" panose="02040503050406030204" pitchFamily="18" charset="0"/>
+                                </a:rPr>
+                              </m:ctrlPr>
+                            </m:sSupPr>
+                            <m:e>
+                              <m:r>
+                                <a:rPr lang="en-US" sz="1800" b="0" i="1" smtClean="0">
+                                  <a:latin typeface="Cambria Math" panose="02040503050406030204" pitchFamily="18" charset="0"/>
+                                </a:rPr>
+                                <m:t>𝑝</m:t>
+                              </m:r>
+                            </m:e>
+                            <m:sup>
+                              <m:r>
+                                <a:rPr lang="en-US" sz="1800" b="0" i="1" smtClean="0">
+                                  <a:latin typeface="Cambria Math" panose="02040503050406030204" pitchFamily="18" charset="0"/>
+                                </a:rPr>
+                                <m:t>∗</m:t>
+                              </m:r>
+                            </m:sup>
+                          </m:sSup>
+                        </m:sub>
+                      </m:sSub>
+                      <m:r>
+                        <a:rPr lang="en-US" sz="1800" b="0" i="1" smtClean="0">
+                          <a:latin typeface="Cambria Math" panose="02040503050406030204" pitchFamily="18" charset="0"/>
+                        </a:rPr>
+                        <m:t>=</m:t>
+                      </m:r>
+                      <m:r>
+                        <a:rPr lang="en-US" sz="1800" b="0" i="1" smtClean="0">
+                          <a:latin typeface="Cambria Math" panose="02040503050406030204" pitchFamily="18" charset="0"/>
+                        </a:rPr>
+                        <m:t>𝑝</m:t>
+                      </m:r>
+                      <m:r>
+                        <a:rPr lang="en-US" sz="1800" b="0" i="1" smtClean="0">
+                          <a:latin typeface="Cambria Math" panose="02040503050406030204" pitchFamily="18" charset="0"/>
+                        </a:rPr>
+                        <m:t>; </m:t>
+                      </m:r>
+                      <m:sSub>
+                        <m:sSubPr>
+                          <m:ctrlPr>
+                            <a:rPr lang="ru-RU" sz="1800" i="1">
+                              <a:latin typeface="Cambria Math" panose="02040503050406030204" pitchFamily="18" charset="0"/>
+                            </a:rPr>
+                          </m:ctrlPr>
+                        </m:sSubPr>
+                        <m:e>
+                          <m:r>
+                            <a:rPr lang="ru-RU" sz="1800" i="1" smtClean="0">
+                              <a:latin typeface="Cambria Math" panose="02040503050406030204" pitchFamily="18" charset="0"/>
+                              <a:ea typeface="Cambria Math" panose="02040503050406030204" pitchFamily="18" charset="0"/>
+                            </a:rPr>
+                            <m:t>𝜎</m:t>
+                          </m:r>
+                        </m:e>
+                        <m:sub>
+                          <m:sSup>
+                            <m:sSupPr>
+                              <m:ctrlPr>
+                                <a:rPr lang="ru-RU" sz="1800" i="1">
+                                  <a:latin typeface="Cambria Math" panose="02040503050406030204" pitchFamily="18" charset="0"/>
+                                </a:rPr>
+                              </m:ctrlPr>
+                            </m:sSupPr>
+                            <m:e>
+                              <m:r>
+                                <a:rPr lang="en-US" sz="1800" i="1">
+                                  <a:latin typeface="Cambria Math" panose="02040503050406030204" pitchFamily="18" charset="0"/>
+                                </a:rPr>
+                                <m:t>𝑝</m:t>
+                              </m:r>
+                            </m:e>
+                            <m:sup>
+                              <m:r>
+                                <a:rPr lang="en-US" sz="1800" i="1">
+                                  <a:latin typeface="Cambria Math" panose="02040503050406030204" pitchFamily="18" charset="0"/>
+                                </a:rPr>
+                                <m:t>∗</m:t>
+                              </m:r>
+                            </m:sup>
+                          </m:sSup>
+                        </m:sub>
+                      </m:sSub>
+                      <m:r>
+                        <a:rPr lang="en-US" sz="1800" b="0" i="1" smtClean="0">
+                          <a:latin typeface="Cambria Math" panose="02040503050406030204" pitchFamily="18" charset="0"/>
+                        </a:rPr>
+                        <m:t>=</m:t>
+                      </m:r>
+                      <m:rad>
+                        <m:radPr>
+                          <m:degHide m:val="on"/>
+                          <m:ctrlPr>
+                            <a:rPr lang="en-US" sz="1800" b="0" i="1" smtClean="0">
+                              <a:latin typeface="Cambria Math" panose="02040503050406030204" pitchFamily="18" charset="0"/>
+                            </a:rPr>
+                          </m:ctrlPr>
+                        </m:radPr>
+                        <m:deg/>
+                        <m:e>
+                          <m:f>
+                            <m:fPr>
+                              <m:ctrlPr>
+                                <a:rPr lang="en-US" sz="1800" b="0" i="1" smtClean="0">
+                                  <a:latin typeface="Cambria Math" panose="02040503050406030204" pitchFamily="18" charset="0"/>
+                                </a:rPr>
+                              </m:ctrlPr>
+                            </m:fPr>
+                            <m:num>
+                              <m:r>
+                                <a:rPr lang="en-US" sz="1800" b="0" i="1" smtClean="0">
+                                  <a:latin typeface="Cambria Math" panose="02040503050406030204" pitchFamily="18" charset="0"/>
+                                </a:rPr>
+                                <m:t>𝑝𝑞</m:t>
+                              </m:r>
+                            </m:num>
+                            <m:den>
+                              <m:r>
+                                <a:rPr lang="en-US" sz="1800" b="0" i="1" smtClean="0">
+                                  <a:latin typeface="Cambria Math" panose="02040503050406030204" pitchFamily="18" charset="0"/>
+                                </a:rPr>
+                                <m:t>𝑛</m:t>
+                              </m:r>
+                            </m:den>
+                          </m:f>
+                        </m:e>
+                      </m:rad>
+                    </m:oMath>
+                  </m:oMathPara>
+                </a14:m>
+                <a:endParaRPr lang="en-US" sz="1800" dirty="0"/>
+              </a:p>
+              <a:p>
+                <a:pPr marL="38100" indent="0">
+                  <a:lnSpc>
+                    <a:spcPct val="125000"/>
+                  </a:lnSpc>
+                  <a:spcBef>
+                    <a:spcPts val="0"/>
+                  </a:spcBef>
+                  <a:buNone/>
+                </a:pPr>
+                <a14:m>
+                  <m:oMathPara xmlns:m="http://schemas.openxmlformats.org/officeDocument/2006/math">
+                    <m:oMathParaPr>
+                      <m:jc m:val="centerGroup"/>
+                    </m:oMathParaPr>
+                    <m:oMath xmlns:m="http://schemas.openxmlformats.org/officeDocument/2006/math">
+                      <m:r>
+                        <a:rPr lang="en-US" sz="1800" b="0" i="1" smtClean="0">
+                          <a:latin typeface="Cambria Math" panose="02040503050406030204" pitchFamily="18" charset="0"/>
+                        </a:rPr>
+                        <m:t>𝑃</m:t>
+                      </m:r>
+                      <m:d>
+                        <m:dPr>
+                          <m:ctrlPr>
+                            <a:rPr lang="en-US" sz="1800" b="0" i="1" smtClean="0">
+                              <a:latin typeface="Cambria Math" panose="02040503050406030204" pitchFamily="18" charset="0"/>
+                            </a:rPr>
+                          </m:ctrlPr>
+                        </m:dPr>
+                        <m:e>
+                          <m:d>
+                            <m:dPr>
+                              <m:begChr m:val="|"/>
+                              <m:endChr m:val="|"/>
+                              <m:ctrlPr>
+                                <a:rPr lang="en-US" sz="1800" b="0" i="1" smtClean="0">
+                                  <a:latin typeface="Cambria Math" panose="02040503050406030204" pitchFamily="18" charset="0"/>
+                                </a:rPr>
+                              </m:ctrlPr>
+                            </m:dPr>
+                            <m:e>
+                              <m:sSup>
+                                <m:sSupPr>
+                                  <m:ctrlPr>
+                                    <a:rPr lang="ru-RU" sz="1800" i="1">
+                                      <a:latin typeface="Cambria Math" panose="02040503050406030204" pitchFamily="18" charset="0"/>
+                                    </a:rPr>
+                                  </m:ctrlPr>
+                                </m:sSupPr>
+                                <m:e>
+                                  <m:r>
+                                    <a:rPr lang="en-US" sz="1800" i="1">
+                                      <a:latin typeface="Cambria Math" panose="02040503050406030204" pitchFamily="18" charset="0"/>
+                                    </a:rPr>
+                                    <m:t>𝑝</m:t>
+                                  </m:r>
+                                </m:e>
+                                <m:sup>
+                                  <m:r>
+                                    <a:rPr lang="en-US" sz="1800" i="1">
+                                      <a:latin typeface="Cambria Math" panose="02040503050406030204" pitchFamily="18" charset="0"/>
+                                    </a:rPr>
+                                    <m:t>∗</m:t>
+                                  </m:r>
+                                </m:sup>
+                              </m:sSup>
+                              <m:r>
+                                <a:rPr lang="en-US" sz="1800" b="0" i="1" smtClean="0">
+                                  <a:latin typeface="Cambria Math" panose="02040503050406030204" pitchFamily="18" charset="0"/>
+                                </a:rPr>
+                                <m:t>−</m:t>
+                              </m:r>
+                              <m:r>
+                                <a:rPr lang="en-US" sz="1800" b="0" i="1" smtClean="0">
+                                  <a:latin typeface="Cambria Math" panose="02040503050406030204" pitchFamily="18" charset="0"/>
+                                </a:rPr>
+                                <m:t>𝑝</m:t>
+                              </m:r>
+                            </m:e>
+                          </m:d>
+                          <m:r>
+                            <a:rPr lang="en-US" sz="1800" b="0" i="1" smtClean="0">
+                              <a:latin typeface="Cambria Math" panose="02040503050406030204" pitchFamily="18" charset="0"/>
+                            </a:rPr>
+                            <m:t>&lt;</m:t>
+                          </m:r>
+                          <m:sSub>
+                            <m:sSubPr>
+                              <m:ctrlPr>
+                                <a:rPr lang="en-US" sz="1800" b="0" i="1" smtClean="0">
+                                  <a:latin typeface="Cambria Math" panose="02040503050406030204" pitchFamily="18" charset="0"/>
+                                </a:rPr>
+                              </m:ctrlPr>
+                            </m:sSubPr>
+                            <m:e>
+                              <m:r>
+                                <a:rPr lang="en-US" sz="1800" i="1">
+                                  <a:latin typeface="Cambria Math" panose="02040503050406030204" pitchFamily="18" charset="0"/>
+                                  <a:ea typeface="Cambria Math" panose="02040503050406030204" pitchFamily="18" charset="0"/>
+                                </a:rPr>
+                                <m:t>𝜀</m:t>
+                              </m:r>
+                            </m:e>
+                            <m:sub>
+                              <m:r>
+                                <a:rPr lang="en-US" sz="1800" i="1">
+                                  <a:latin typeface="Cambria Math" panose="02040503050406030204" pitchFamily="18" charset="0"/>
+                                  <a:ea typeface="Cambria Math" panose="02040503050406030204" pitchFamily="18" charset="0"/>
+                                </a:rPr>
+                                <m:t>𝛽</m:t>
+                              </m:r>
+                            </m:sub>
+                          </m:sSub>
+                        </m:e>
+                      </m:d>
+                      <m:r>
+                        <a:rPr lang="en-US" sz="1800" b="0" i="1" smtClean="0">
+                          <a:latin typeface="Cambria Math" panose="02040503050406030204" pitchFamily="18" charset="0"/>
+                          <a:ea typeface="Cambria Math" panose="02040503050406030204" pitchFamily="18" charset="0"/>
+                        </a:rPr>
+                        <m:t>=</m:t>
+                      </m:r>
+                      <m:r>
+                        <a:rPr lang="en-US" sz="1800" b="0" i="1" smtClean="0">
+                          <a:latin typeface="Cambria Math" panose="02040503050406030204" pitchFamily="18" charset="0"/>
+                          <a:ea typeface="Cambria Math" panose="02040503050406030204" pitchFamily="18" charset="0"/>
+                        </a:rPr>
+                        <m:t>𝛽</m:t>
+                      </m:r>
+                    </m:oMath>
+                  </m:oMathPara>
+                </a14:m>
+                <a:endParaRPr lang="en-US" sz="1800" dirty="0"/>
+              </a:p>
+              <a:p>
+                <a:pPr marL="38100" indent="0">
+                  <a:lnSpc>
+                    <a:spcPct val="125000"/>
+                  </a:lnSpc>
+                  <a:spcBef>
+                    <a:spcPts val="0"/>
+                  </a:spcBef>
+                  <a:buNone/>
+                </a:pPr>
+                <a14:m>
+                  <m:oMathPara xmlns:m="http://schemas.openxmlformats.org/officeDocument/2006/math">
+                    <m:oMathParaPr>
+                      <m:jc m:val="centerGroup"/>
+                    </m:oMathParaPr>
+                    <m:oMath xmlns:m="http://schemas.openxmlformats.org/officeDocument/2006/math">
+                      <m:r>
+                        <a:rPr lang="en-US" sz="1800" b="0" i="1" smtClean="0">
+                          <a:latin typeface="Cambria Math" panose="02040503050406030204" pitchFamily="18" charset="0"/>
+                        </a:rPr>
+                        <m:t>𝑃</m:t>
+                      </m:r>
+                      <m:d>
+                        <m:dPr>
+                          <m:ctrlPr>
+                            <a:rPr lang="en-US" sz="1800" b="0" i="1" smtClean="0">
+                              <a:latin typeface="Cambria Math" panose="02040503050406030204" pitchFamily="18" charset="0"/>
+                            </a:rPr>
+                          </m:ctrlPr>
+                        </m:dPr>
+                        <m:e>
+                          <m:d>
+                            <m:dPr>
+                              <m:begChr m:val="|"/>
+                              <m:endChr m:val="|"/>
+                              <m:ctrlPr>
+                                <a:rPr lang="en-US" sz="1800" b="0" i="1" smtClean="0">
+                                  <a:latin typeface="Cambria Math" panose="02040503050406030204" pitchFamily="18" charset="0"/>
+                                </a:rPr>
+                              </m:ctrlPr>
+                            </m:dPr>
+                            <m:e>
+                              <m:sSup>
+                                <m:sSupPr>
+                                  <m:ctrlPr>
+                                    <a:rPr lang="ru-RU" sz="1800" i="1">
+                                      <a:latin typeface="Cambria Math" panose="02040503050406030204" pitchFamily="18" charset="0"/>
+                                    </a:rPr>
+                                  </m:ctrlPr>
+                                </m:sSupPr>
+                                <m:e>
+                                  <m:r>
+                                    <a:rPr lang="en-US" sz="1800" i="1">
+                                      <a:latin typeface="Cambria Math" panose="02040503050406030204" pitchFamily="18" charset="0"/>
+                                    </a:rPr>
+                                    <m:t>𝑝</m:t>
+                                  </m:r>
+                                </m:e>
+                                <m:sup>
+                                  <m:r>
+                                    <a:rPr lang="en-US" sz="1800" i="1">
+                                      <a:latin typeface="Cambria Math" panose="02040503050406030204" pitchFamily="18" charset="0"/>
+                                    </a:rPr>
+                                    <m:t>∗</m:t>
+                                  </m:r>
+                                </m:sup>
+                              </m:sSup>
+                              <m:r>
+                                <a:rPr lang="en-US" sz="1800" i="1">
+                                  <a:latin typeface="Cambria Math" panose="02040503050406030204" pitchFamily="18" charset="0"/>
+                                </a:rPr>
+                                <m:t>−</m:t>
+                              </m:r>
+                              <m:r>
+                                <a:rPr lang="en-US" sz="1800" i="1">
+                                  <a:latin typeface="Cambria Math" panose="02040503050406030204" pitchFamily="18" charset="0"/>
+                                </a:rPr>
+                                <m:t>𝑝</m:t>
+                              </m:r>
+                            </m:e>
+                          </m:d>
+                          <m:r>
+                            <a:rPr lang="en-US" sz="1800" b="0" i="1" smtClean="0">
+                              <a:latin typeface="Cambria Math" panose="02040503050406030204" pitchFamily="18" charset="0"/>
+                            </a:rPr>
+                            <m:t>&lt;</m:t>
+                          </m:r>
+                          <m:sSub>
+                            <m:sSubPr>
+                              <m:ctrlPr>
+                                <a:rPr lang="en-US" sz="1800" b="0" i="1" smtClean="0">
+                                  <a:latin typeface="Cambria Math" panose="02040503050406030204" pitchFamily="18" charset="0"/>
+                                </a:rPr>
+                              </m:ctrlPr>
+                            </m:sSubPr>
+                            <m:e>
+                              <m:r>
+                                <a:rPr lang="en-US" sz="1800" i="1">
+                                  <a:latin typeface="Cambria Math" panose="02040503050406030204" pitchFamily="18" charset="0"/>
+                                  <a:ea typeface="Cambria Math" panose="02040503050406030204" pitchFamily="18" charset="0"/>
+                                </a:rPr>
+                                <m:t>𝜀</m:t>
+                              </m:r>
+                            </m:e>
+                            <m:sub>
+                              <m:r>
+                                <a:rPr lang="en-US" sz="1800" i="1">
+                                  <a:latin typeface="Cambria Math" panose="02040503050406030204" pitchFamily="18" charset="0"/>
+                                  <a:ea typeface="Cambria Math" panose="02040503050406030204" pitchFamily="18" charset="0"/>
+                                </a:rPr>
+                                <m:t>𝛽</m:t>
+                              </m:r>
+                            </m:sub>
+                          </m:sSub>
+                        </m:e>
+                      </m:d>
+                      <m:r>
+                        <a:rPr lang="en-US" sz="1800" b="0" i="0" smtClean="0">
+                          <a:latin typeface="Cambria Math" panose="02040503050406030204" pitchFamily="18" charset="0"/>
+                          <a:ea typeface="Cambria Math" panose="02040503050406030204" pitchFamily="18" charset="0"/>
+                        </a:rPr>
+                        <m:t>=2</m:t>
+                      </m:r>
+                      <m:sSup>
+                        <m:sSupPr>
+                          <m:ctrlPr>
+                            <a:rPr lang="en-US" sz="1800" b="0" i="1" smtClean="0">
+                              <a:latin typeface="Cambria Math" panose="02040503050406030204" pitchFamily="18" charset="0"/>
+                              <a:ea typeface="Cambria Math" panose="02040503050406030204" pitchFamily="18" charset="0"/>
+                            </a:rPr>
+                          </m:ctrlPr>
+                        </m:sSupPr>
+                        <m:e>
+                          <m:r>
+                            <a:rPr lang="ru-RU" sz="1800" b="0" i="1" smtClean="0">
+                              <a:latin typeface="Cambria Math" panose="02040503050406030204" pitchFamily="18" charset="0"/>
+                              <a:ea typeface="Cambria Math" panose="02040503050406030204" pitchFamily="18" charset="0"/>
+                            </a:rPr>
+                            <m:t>Ф</m:t>
+                          </m:r>
+                        </m:e>
+                        <m:sup>
+                          <m:r>
+                            <a:rPr lang="en-US" sz="1800" b="0" i="1" smtClean="0">
+                              <a:latin typeface="Cambria Math" panose="02040503050406030204" pitchFamily="18" charset="0"/>
+                              <a:ea typeface="Cambria Math" panose="02040503050406030204" pitchFamily="18" charset="0"/>
+                            </a:rPr>
+                            <m:t>∗</m:t>
+                          </m:r>
+                        </m:sup>
+                      </m:sSup>
+                      <m:d>
+                        <m:dPr>
+                          <m:ctrlPr>
+                            <a:rPr lang="en-US" sz="1800" b="0" i="1" smtClean="0">
+                              <a:latin typeface="Cambria Math" panose="02040503050406030204" pitchFamily="18" charset="0"/>
+                              <a:ea typeface="Cambria Math" panose="02040503050406030204" pitchFamily="18" charset="0"/>
+                            </a:rPr>
+                          </m:ctrlPr>
+                        </m:dPr>
+                        <m:e>
+                          <m:f>
+                            <m:fPr>
+                              <m:ctrlPr>
+                                <a:rPr lang="en-US" sz="1800" b="0" i="1" smtClean="0">
+                                  <a:latin typeface="Cambria Math" panose="02040503050406030204" pitchFamily="18" charset="0"/>
+                                  <a:ea typeface="Cambria Math" panose="02040503050406030204" pitchFamily="18" charset="0"/>
+                                </a:rPr>
+                              </m:ctrlPr>
+                            </m:fPr>
+                            <m:num>
+                              <m:sSub>
+                                <m:sSubPr>
+                                  <m:ctrlPr>
+                                    <a:rPr lang="en-US" sz="1800" i="1">
+                                      <a:latin typeface="Cambria Math" panose="02040503050406030204" pitchFamily="18" charset="0"/>
+                                    </a:rPr>
+                                  </m:ctrlPr>
+                                </m:sSubPr>
+                                <m:e>
+                                  <m:r>
+                                    <a:rPr lang="en-US" sz="1800" i="1">
+                                      <a:latin typeface="Cambria Math" panose="02040503050406030204" pitchFamily="18" charset="0"/>
+                                      <a:ea typeface="Cambria Math" panose="02040503050406030204" pitchFamily="18" charset="0"/>
+                                    </a:rPr>
+                                    <m:t>𝜀</m:t>
+                                  </m:r>
+                                </m:e>
+                                <m:sub>
+                                  <m:r>
+                                    <a:rPr lang="en-US" sz="1800" i="1">
+                                      <a:latin typeface="Cambria Math" panose="02040503050406030204" pitchFamily="18" charset="0"/>
+                                      <a:ea typeface="Cambria Math" panose="02040503050406030204" pitchFamily="18" charset="0"/>
+                                    </a:rPr>
+                                    <m:t>𝛽</m:t>
+                                  </m:r>
+                                </m:sub>
+                              </m:sSub>
+                            </m:num>
+                            <m:den>
+                              <m:sSub>
+                                <m:sSubPr>
+                                  <m:ctrlPr>
+                                    <a:rPr lang="ru-RU" sz="1800" i="1">
+                                      <a:latin typeface="Cambria Math" panose="02040503050406030204" pitchFamily="18" charset="0"/>
+                                    </a:rPr>
+                                  </m:ctrlPr>
+                                </m:sSubPr>
+                                <m:e>
+                                  <m:r>
+                                    <a:rPr lang="ru-RU" sz="1800" i="1">
+                                      <a:latin typeface="Cambria Math" panose="02040503050406030204" pitchFamily="18" charset="0"/>
+                                      <a:ea typeface="Cambria Math" panose="02040503050406030204" pitchFamily="18" charset="0"/>
+                                    </a:rPr>
+                                    <m:t>𝜎</m:t>
+                                  </m:r>
+                                </m:e>
+                                <m:sub>
+                                  <m:sSup>
+                                    <m:sSupPr>
+                                      <m:ctrlPr>
+                                        <a:rPr lang="ru-RU" sz="1800" i="1">
+                                          <a:latin typeface="Cambria Math" panose="02040503050406030204" pitchFamily="18" charset="0"/>
+                                        </a:rPr>
+                                      </m:ctrlPr>
+                                    </m:sSupPr>
+                                    <m:e>
+                                      <m:r>
+                                        <a:rPr lang="en-US" sz="1800" i="1">
+                                          <a:latin typeface="Cambria Math" panose="02040503050406030204" pitchFamily="18" charset="0"/>
+                                        </a:rPr>
+                                        <m:t>𝑝</m:t>
+                                      </m:r>
+                                    </m:e>
+                                    <m:sup>
+                                      <m:r>
+                                        <a:rPr lang="en-US" sz="1800" i="1">
+                                          <a:latin typeface="Cambria Math" panose="02040503050406030204" pitchFamily="18" charset="0"/>
+                                        </a:rPr>
+                                        <m:t>∗</m:t>
+                                      </m:r>
+                                    </m:sup>
+                                  </m:sSup>
+                                </m:sub>
+                              </m:sSub>
+                            </m:den>
+                          </m:f>
+                        </m:e>
+                      </m:d>
+                      <m:r>
+                        <a:rPr lang="en-US" sz="1800" b="0" i="0" smtClean="0">
+                          <a:latin typeface="Cambria Math" panose="02040503050406030204" pitchFamily="18" charset="0"/>
+                          <a:ea typeface="Cambria Math" panose="02040503050406030204" pitchFamily="18" charset="0"/>
+                        </a:rPr>
+                        <m:t>−1,</m:t>
+                      </m:r>
+                    </m:oMath>
+                  </m:oMathPara>
+                </a14:m>
+                <a:endParaRPr lang="ru-RU" sz="1800" dirty="0"/>
+              </a:p>
+              <a:p>
+                <a:pPr marL="38100" indent="0">
+                  <a:lnSpc>
+                    <a:spcPct val="125000"/>
+                  </a:lnSpc>
+                  <a:spcBef>
+                    <a:spcPts val="0"/>
+                  </a:spcBef>
+                  <a:buNone/>
+                </a:pPr>
+                <a14:m>
+                  <m:oMathPara xmlns:m="http://schemas.openxmlformats.org/officeDocument/2006/math">
+                    <m:oMathParaPr>
+                      <m:jc m:val="centerGroup"/>
+                    </m:oMathParaPr>
+                    <m:oMath xmlns:m="http://schemas.openxmlformats.org/officeDocument/2006/math">
+                      <m:sSub>
+                        <m:sSubPr>
+                          <m:ctrlPr>
+                            <a:rPr lang="en-US" sz="1800" b="0" i="1" smtClean="0">
+                              <a:latin typeface="Cambria Math" panose="02040503050406030204" pitchFamily="18" charset="0"/>
+                              <a:ea typeface="Cambria Math" panose="02040503050406030204" pitchFamily="18" charset="0"/>
+                            </a:rPr>
+                          </m:ctrlPr>
+                        </m:sSubPr>
+                        <m:e>
+                          <m:r>
+                            <a:rPr lang="en-US" sz="1800" b="0" i="1" smtClean="0">
+                              <a:latin typeface="Cambria Math" panose="02040503050406030204" pitchFamily="18" charset="0"/>
+                              <a:ea typeface="Cambria Math" panose="02040503050406030204" pitchFamily="18" charset="0"/>
+                            </a:rPr>
+                            <m:t>𝑡</m:t>
+                          </m:r>
+                        </m:e>
+                        <m:sub>
+                          <m:r>
+                            <a:rPr lang="en-US" sz="1800" b="0" i="1" smtClean="0">
+                              <a:latin typeface="Cambria Math" panose="02040503050406030204" pitchFamily="18" charset="0"/>
+                              <a:ea typeface="Cambria Math" panose="02040503050406030204" pitchFamily="18" charset="0"/>
+                            </a:rPr>
+                            <m:t>𝛽</m:t>
+                          </m:r>
+                        </m:sub>
+                      </m:sSub>
+                      <m:r>
+                        <a:rPr lang="en-US" sz="1800" b="0" i="1" smtClean="0">
+                          <a:latin typeface="Cambria Math" panose="02040503050406030204" pitchFamily="18" charset="0"/>
+                          <a:ea typeface="Cambria Math" panose="02040503050406030204" pitchFamily="18" charset="0"/>
+                        </a:rPr>
+                        <m:t>=</m:t>
+                      </m:r>
+                      <m:sSup>
+                        <m:sSupPr>
+                          <m:ctrlPr>
+                            <a:rPr lang="en-US" sz="1800" i="1" smtClean="0">
+                              <a:latin typeface="Cambria Math" panose="02040503050406030204" pitchFamily="18" charset="0"/>
+                              <a:ea typeface="Cambria Math" panose="02040503050406030204" pitchFamily="18" charset="0"/>
+                            </a:rPr>
+                          </m:ctrlPr>
+                        </m:sSupPr>
+                        <m:e>
+                          <m:r>
+                            <a:rPr lang="ru-RU" sz="1800" i="1">
+                              <a:latin typeface="Cambria Math" panose="02040503050406030204" pitchFamily="18" charset="0"/>
+                              <a:ea typeface="Cambria Math" panose="02040503050406030204" pitchFamily="18" charset="0"/>
+                            </a:rPr>
+                            <m:t>Ф</m:t>
+                          </m:r>
+                        </m:e>
+                        <m:sup>
+                          <m:r>
+                            <a:rPr lang="ru-RU" sz="1800" b="0" i="1" smtClean="0">
+                              <a:latin typeface="Cambria Math" panose="02040503050406030204" pitchFamily="18" charset="0"/>
+                              <a:ea typeface="Cambria Math" panose="02040503050406030204" pitchFamily="18" charset="0"/>
+                            </a:rPr>
+                            <m:t>−1</m:t>
+                          </m:r>
+                        </m:sup>
+                      </m:sSup>
+                      <m:d>
+                        <m:dPr>
+                          <m:ctrlPr>
+                            <a:rPr lang="en-US" sz="1800" i="1" smtClean="0">
+                              <a:latin typeface="Cambria Math" panose="02040503050406030204" pitchFamily="18" charset="0"/>
+                              <a:ea typeface="Cambria Math" panose="02040503050406030204" pitchFamily="18" charset="0"/>
+                            </a:rPr>
+                          </m:ctrlPr>
+                        </m:dPr>
+                        <m:e>
+                          <m:f>
+                            <m:fPr>
+                              <m:ctrlPr>
+                                <a:rPr lang="ru-RU" sz="1800" i="1">
+                                  <a:latin typeface="Cambria Math" panose="02040503050406030204" pitchFamily="18" charset="0"/>
+                                  <a:ea typeface="Cambria Math" panose="02040503050406030204" pitchFamily="18" charset="0"/>
+                                </a:rPr>
+                              </m:ctrlPr>
+                            </m:fPr>
+                            <m:num>
+                              <m:r>
+                                <a:rPr lang="ru-RU" sz="1800" i="1">
+                                  <a:latin typeface="Cambria Math" panose="02040503050406030204" pitchFamily="18" charset="0"/>
+                                  <a:ea typeface="Cambria Math" panose="02040503050406030204" pitchFamily="18" charset="0"/>
+                                </a:rPr>
+                                <m:t>1+</m:t>
+                              </m:r>
+                              <m:r>
+                                <a:rPr lang="en-US" sz="1800" i="1">
+                                  <a:latin typeface="Cambria Math" panose="02040503050406030204" pitchFamily="18" charset="0"/>
+                                  <a:ea typeface="Cambria Math" panose="02040503050406030204" pitchFamily="18" charset="0"/>
+                                </a:rPr>
+                                <m:t>𝛽</m:t>
+                              </m:r>
+                            </m:num>
+                            <m:den>
+                              <m:r>
+                                <a:rPr lang="ru-RU" sz="1800" i="1">
+                                  <a:latin typeface="Cambria Math" panose="02040503050406030204" pitchFamily="18" charset="0"/>
+                                  <a:ea typeface="Cambria Math" panose="02040503050406030204" pitchFamily="18" charset="0"/>
+                                </a:rPr>
+                                <m:t>2</m:t>
+                              </m:r>
+                            </m:den>
+                          </m:f>
+                        </m:e>
+                      </m:d>
+                      <m:r>
+                        <a:rPr lang="en-US" sz="1800" b="0" i="1" smtClean="0">
+                          <a:latin typeface="Cambria Math" panose="02040503050406030204" pitchFamily="18" charset="0"/>
+                          <a:ea typeface="Cambria Math" panose="02040503050406030204" pitchFamily="18" charset="0"/>
+                        </a:rPr>
+                        <m:t>,</m:t>
+                      </m:r>
+                      <m:sSub>
+                        <m:sSubPr>
+                          <m:ctrlPr>
+                            <a:rPr lang="en-US" sz="1800" i="1">
+                              <a:latin typeface="Cambria Math" panose="02040503050406030204" pitchFamily="18" charset="0"/>
+                            </a:rPr>
+                          </m:ctrlPr>
+                        </m:sSubPr>
+                        <m:e>
+                          <m:r>
+                            <a:rPr lang="en-US" sz="1800" i="1">
+                              <a:latin typeface="Cambria Math" panose="02040503050406030204" pitchFamily="18" charset="0"/>
+                              <a:ea typeface="Cambria Math" panose="02040503050406030204" pitchFamily="18" charset="0"/>
+                            </a:rPr>
+                            <m:t>𝜀</m:t>
+                          </m:r>
+                        </m:e>
+                        <m:sub>
+                          <m:r>
+                            <a:rPr lang="en-US" sz="1800" i="1">
+                              <a:latin typeface="Cambria Math" panose="02040503050406030204" pitchFamily="18" charset="0"/>
+                              <a:ea typeface="Cambria Math" panose="02040503050406030204" pitchFamily="18" charset="0"/>
+                            </a:rPr>
+                            <m:t>𝛽</m:t>
+                          </m:r>
+                        </m:sub>
+                      </m:sSub>
+                      <m:r>
+                        <a:rPr lang="en-US" sz="1800" b="0" i="1" smtClean="0">
+                          <a:latin typeface="Cambria Math" panose="02040503050406030204" pitchFamily="18" charset="0"/>
+                          <a:ea typeface="Cambria Math" panose="02040503050406030204" pitchFamily="18" charset="0"/>
+                        </a:rPr>
+                        <m:t>=</m:t>
+                      </m:r>
+                      <m:sSub>
+                        <m:sSubPr>
+                          <m:ctrlPr>
+                            <a:rPr lang="en-US" sz="1800" i="1">
+                              <a:latin typeface="Cambria Math" panose="02040503050406030204" pitchFamily="18" charset="0"/>
+                              <a:ea typeface="Cambria Math" panose="02040503050406030204" pitchFamily="18" charset="0"/>
+                            </a:rPr>
+                          </m:ctrlPr>
+                        </m:sSubPr>
+                        <m:e>
+                          <m:r>
+                            <a:rPr lang="en-US" sz="1800" i="1">
+                              <a:latin typeface="Cambria Math" panose="02040503050406030204" pitchFamily="18" charset="0"/>
+                              <a:ea typeface="Cambria Math" panose="02040503050406030204" pitchFamily="18" charset="0"/>
+                            </a:rPr>
+                            <m:t>𝑡</m:t>
+                          </m:r>
+                        </m:e>
+                        <m:sub>
+                          <m:r>
+                            <a:rPr lang="en-US" sz="1800" i="1">
+                              <a:latin typeface="Cambria Math" panose="02040503050406030204" pitchFamily="18" charset="0"/>
+                              <a:ea typeface="Cambria Math" panose="02040503050406030204" pitchFamily="18" charset="0"/>
+                            </a:rPr>
+                            <m:t>𝛽</m:t>
+                          </m:r>
+                        </m:sub>
+                      </m:sSub>
+                      <m:sSub>
+                        <m:sSubPr>
+                          <m:ctrlPr>
+                            <a:rPr lang="ru-RU" sz="1800" i="1">
+                              <a:latin typeface="Cambria Math" panose="02040503050406030204" pitchFamily="18" charset="0"/>
+                            </a:rPr>
+                          </m:ctrlPr>
+                        </m:sSubPr>
+                        <m:e>
+                          <m:r>
+                            <a:rPr lang="ru-RU" sz="1800" i="1">
+                              <a:latin typeface="Cambria Math" panose="02040503050406030204" pitchFamily="18" charset="0"/>
+                              <a:ea typeface="Cambria Math" panose="02040503050406030204" pitchFamily="18" charset="0"/>
+                            </a:rPr>
+                            <m:t>𝜎</m:t>
+                          </m:r>
+                        </m:e>
+                        <m:sub>
+                          <m:sSup>
+                            <m:sSupPr>
+                              <m:ctrlPr>
+                                <a:rPr lang="ru-RU" sz="1800" i="1">
+                                  <a:latin typeface="Cambria Math" panose="02040503050406030204" pitchFamily="18" charset="0"/>
+                                </a:rPr>
+                              </m:ctrlPr>
+                            </m:sSupPr>
+                            <m:e>
+                              <m:r>
+                                <a:rPr lang="en-US" sz="1800" i="1">
+                                  <a:latin typeface="Cambria Math" panose="02040503050406030204" pitchFamily="18" charset="0"/>
+                                </a:rPr>
+                                <m:t>𝑝</m:t>
+                              </m:r>
+                            </m:e>
+                            <m:sup>
+                              <m:r>
+                                <a:rPr lang="en-US" sz="1800" i="1">
+                                  <a:latin typeface="Cambria Math" panose="02040503050406030204" pitchFamily="18" charset="0"/>
+                                </a:rPr>
+                                <m:t>∗</m:t>
+                              </m:r>
+                            </m:sup>
+                          </m:sSup>
+                        </m:sub>
+                      </m:sSub>
+                    </m:oMath>
+                  </m:oMathPara>
+                </a14:m>
+                <a:endParaRPr lang="ru-RU" sz="1800" dirty="0"/>
+              </a:p>
+              <a:p>
+                <a:pPr marL="38100" indent="0">
+                  <a:lnSpc>
+                    <a:spcPct val="125000"/>
+                  </a:lnSpc>
+                  <a:spcBef>
+                    <a:spcPts val="0"/>
+                  </a:spcBef>
+                  <a:buNone/>
+                </a:pPr>
+                <a14:m>
+                  <m:oMathPara xmlns:m="http://schemas.openxmlformats.org/officeDocument/2006/math">
+                    <m:oMathParaPr>
+                      <m:jc m:val="centerGroup"/>
+                    </m:oMathParaPr>
+                    <m:oMath xmlns:m="http://schemas.openxmlformats.org/officeDocument/2006/math">
+                      <m:d>
+                        <m:dPr>
+                          <m:begChr m:val="|"/>
+                          <m:endChr m:val="|"/>
+                          <m:ctrlPr>
+                            <a:rPr lang="en-US" sz="1800" b="0" i="1" smtClean="0">
+                              <a:latin typeface="Cambria Math" panose="02040503050406030204" pitchFamily="18" charset="0"/>
+                            </a:rPr>
+                          </m:ctrlPr>
+                        </m:dPr>
+                        <m:e>
+                          <m:sSup>
+                            <m:sSupPr>
+                              <m:ctrlPr>
+                                <a:rPr lang="ru-RU" sz="1800" i="1">
+                                  <a:latin typeface="Cambria Math" panose="02040503050406030204" pitchFamily="18" charset="0"/>
+                                </a:rPr>
+                              </m:ctrlPr>
+                            </m:sSupPr>
+                            <m:e>
+                              <m:r>
+                                <a:rPr lang="en-US" sz="1800" i="1">
+                                  <a:latin typeface="Cambria Math" panose="02040503050406030204" pitchFamily="18" charset="0"/>
+                                </a:rPr>
+                                <m:t>𝑝</m:t>
+                              </m:r>
+                            </m:e>
+                            <m:sup>
+                              <m:r>
+                                <a:rPr lang="en-US" sz="1800" i="1">
+                                  <a:latin typeface="Cambria Math" panose="02040503050406030204" pitchFamily="18" charset="0"/>
+                                </a:rPr>
+                                <m:t>∗</m:t>
+                              </m:r>
+                            </m:sup>
+                          </m:sSup>
+                          <m:r>
+                            <a:rPr lang="en-US" sz="1800" i="1">
+                              <a:latin typeface="Cambria Math" panose="02040503050406030204" pitchFamily="18" charset="0"/>
+                            </a:rPr>
+                            <m:t>−</m:t>
+                          </m:r>
+                          <m:r>
+                            <a:rPr lang="en-US" sz="1800" i="1">
+                              <a:latin typeface="Cambria Math" panose="02040503050406030204" pitchFamily="18" charset="0"/>
+                            </a:rPr>
+                            <m:t>𝑝</m:t>
+                          </m:r>
+                        </m:e>
+                      </m:d>
+                      <m:r>
+                        <a:rPr lang="en-US" sz="1800" b="0" i="1" smtClean="0">
+                          <a:latin typeface="Cambria Math" panose="02040503050406030204" pitchFamily="18" charset="0"/>
+                        </a:rPr>
+                        <m:t>&lt;</m:t>
+                      </m:r>
+                      <m:sSub>
+                        <m:sSubPr>
+                          <m:ctrlPr>
+                            <a:rPr lang="en-US" sz="1800" i="1">
+                              <a:latin typeface="Cambria Math" panose="02040503050406030204" pitchFamily="18" charset="0"/>
+                              <a:ea typeface="Cambria Math" panose="02040503050406030204" pitchFamily="18" charset="0"/>
+                            </a:rPr>
+                          </m:ctrlPr>
+                        </m:sSubPr>
+                        <m:e>
+                          <m:r>
+                            <a:rPr lang="en-US" sz="1800" i="1">
+                              <a:latin typeface="Cambria Math" panose="02040503050406030204" pitchFamily="18" charset="0"/>
+                              <a:ea typeface="Cambria Math" panose="02040503050406030204" pitchFamily="18" charset="0"/>
+                            </a:rPr>
+                            <m:t>𝑡</m:t>
+                          </m:r>
+                        </m:e>
+                        <m:sub>
+                          <m:r>
+                            <a:rPr lang="en-US" sz="1800" i="1">
+                              <a:latin typeface="Cambria Math" panose="02040503050406030204" pitchFamily="18" charset="0"/>
+                              <a:ea typeface="Cambria Math" panose="02040503050406030204" pitchFamily="18" charset="0"/>
+                            </a:rPr>
+                            <m:t>𝛽</m:t>
+                          </m:r>
+                        </m:sub>
+                      </m:sSub>
+                      <m:rad>
+                        <m:radPr>
+                          <m:degHide m:val="on"/>
+                          <m:ctrlPr>
+                            <a:rPr lang="en-US" sz="1800" i="1">
+                              <a:latin typeface="Cambria Math" panose="02040503050406030204" pitchFamily="18" charset="0"/>
+                            </a:rPr>
+                          </m:ctrlPr>
+                        </m:radPr>
+                        <m:deg/>
+                        <m:e>
+                          <m:f>
+                            <m:fPr>
+                              <m:ctrlPr>
+                                <a:rPr lang="en-US" sz="1800" i="1">
+                                  <a:latin typeface="Cambria Math" panose="02040503050406030204" pitchFamily="18" charset="0"/>
+                                </a:rPr>
+                              </m:ctrlPr>
+                            </m:fPr>
+                            <m:num>
+                              <m:r>
+                                <a:rPr lang="en-US" sz="1800" i="1">
+                                  <a:latin typeface="Cambria Math" panose="02040503050406030204" pitchFamily="18" charset="0"/>
+                                </a:rPr>
+                                <m:t>𝑝𝑞</m:t>
+                              </m:r>
+                            </m:num>
+                            <m:den>
+                              <m:r>
+                                <a:rPr lang="en-US" sz="1800" i="1">
+                                  <a:latin typeface="Cambria Math" panose="02040503050406030204" pitchFamily="18" charset="0"/>
+                                </a:rPr>
+                                <m:t>𝑛</m:t>
+                              </m:r>
+                            </m:den>
+                          </m:f>
+                        </m:e>
+                      </m:rad>
+                    </m:oMath>
+                  </m:oMathPara>
+                </a14:m>
+                <a:endParaRPr lang="en-US" sz="1800" dirty="0"/>
+              </a:p>
+              <a:p>
+                <a:pPr marL="38100" indent="0">
+                  <a:lnSpc>
+                    <a:spcPct val="125000"/>
+                  </a:lnSpc>
+                  <a:spcBef>
+                    <a:spcPts val="0"/>
+                  </a:spcBef>
+                  <a:buNone/>
+                </a:pPr>
+                <a14:m>
+                  <m:oMathPara xmlns:m="http://schemas.openxmlformats.org/officeDocument/2006/math">
+                    <m:oMathParaPr>
+                      <m:jc m:val="centerGroup"/>
+                    </m:oMathParaPr>
+                    <m:oMath xmlns:m="http://schemas.openxmlformats.org/officeDocument/2006/math">
+                      <m:sSup>
+                        <m:sSupPr>
+                          <m:ctrlPr>
+                            <a:rPr lang="en-US" sz="1800" b="0" i="1" smtClean="0">
+                              <a:latin typeface="Cambria Math" panose="02040503050406030204" pitchFamily="18" charset="0"/>
+                            </a:rPr>
+                          </m:ctrlPr>
+                        </m:sSupPr>
+                        <m:e>
+                          <m:d>
+                            <m:dPr>
+                              <m:ctrlPr>
+                                <a:rPr lang="en-US" sz="1800" b="0" i="1" smtClean="0">
+                                  <a:latin typeface="Cambria Math" panose="02040503050406030204" pitchFamily="18" charset="0"/>
+                                </a:rPr>
+                              </m:ctrlPr>
+                            </m:dPr>
+                            <m:e>
+                              <m:sSup>
+                                <m:sSupPr>
+                                  <m:ctrlPr>
+                                    <a:rPr lang="ru-RU" sz="1800" i="1">
+                                      <a:latin typeface="Cambria Math" panose="02040503050406030204" pitchFamily="18" charset="0"/>
+                                    </a:rPr>
+                                  </m:ctrlPr>
+                                </m:sSupPr>
+                                <m:e>
+                                  <m:r>
+                                    <a:rPr lang="en-US" sz="1800" i="1">
+                                      <a:latin typeface="Cambria Math" panose="02040503050406030204" pitchFamily="18" charset="0"/>
+                                    </a:rPr>
+                                    <m:t>𝑝</m:t>
+                                  </m:r>
+                                </m:e>
+                                <m:sup>
+                                  <m:r>
+                                    <a:rPr lang="en-US" sz="1800" i="1">
+                                      <a:latin typeface="Cambria Math" panose="02040503050406030204" pitchFamily="18" charset="0"/>
+                                    </a:rPr>
+                                    <m:t>∗</m:t>
+                                  </m:r>
+                                </m:sup>
+                              </m:sSup>
+                              <m:r>
+                                <a:rPr lang="en-US" sz="1800" i="1">
+                                  <a:latin typeface="Cambria Math" panose="02040503050406030204" pitchFamily="18" charset="0"/>
+                                </a:rPr>
+                                <m:t>−</m:t>
+                              </m:r>
+                              <m:r>
+                                <a:rPr lang="en-US" sz="1800" i="1">
+                                  <a:latin typeface="Cambria Math" panose="02040503050406030204" pitchFamily="18" charset="0"/>
+                                </a:rPr>
+                                <m:t>𝑝</m:t>
+                              </m:r>
+                            </m:e>
+                          </m:d>
+                        </m:e>
+                        <m:sup>
+                          <m:r>
+                            <a:rPr lang="en-US" sz="1800" b="0" i="1" smtClean="0">
+                              <a:latin typeface="Cambria Math" panose="02040503050406030204" pitchFamily="18" charset="0"/>
+                            </a:rPr>
+                            <m:t>2</m:t>
+                          </m:r>
+                        </m:sup>
+                      </m:sSup>
+                      <m:r>
+                        <a:rPr lang="en-US" sz="1800" b="0" i="1" smtClean="0">
+                          <a:latin typeface="Cambria Math" panose="02040503050406030204" pitchFamily="18" charset="0"/>
+                        </a:rPr>
+                        <m:t>&lt;</m:t>
+                      </m:r>
+                      <m:f>
+                        <m:fPr>
+                          <m:ctrlPr>
+                            <a:rPr lang="en-US" sz="1800" i="1">
+                              <a:latin typeface="Cambria Math" panose="02040503050406030204" pitchFamily="18" charset="0"/>
+                            </a:rPr>
+                          </m:ctrlPr>
+                        </m:fPr>
+                        <m:num>
+                          <m:sSubSup>
+                            <m:sSubSupPr>
+                              <m:ctrlPr>
+                                <a:rPr lang="en-US" sz="1800" i="1" smtClean="0">
+                                  <a:latin typeface="Cambria Math" panose="02040503050406030204" pitchFamily="18" charset="0"/>
+                                </a:rPr>
+                              </m:ctrlPr>
+                            </m:sSubSupPr>
+                            <m:e>
+                              <m:r>
+                                <a:rPr lang="en-US" sz="1800" b="0" i="1" smtClean="0">
+                                  <a:latin typeface="Cambria Math" panose="02040503050406030204" pitchFamily="18" charset="0"/>
+                                </a:rPr>
+                                <m:t>𝑡</m:t>
+                              </m:r>
+                            </m:e>
+                            <m:sub>
+                              <m:r>
+                                <a:rPr lang="en-US" sz="1800" i="1" smtClean="0">
+                                  <a:latin typeface="Cambria Math" panose="02040503050406030204" pitchFamily="18" charset="0"/>
+                                  <a:ea typeface="Cambria Math" panose="02040503050406030204" pitchFamily="18" charset="0"/>
+                                </a:rPr>
+                                <m:t>𝛽</m:t>
+                              </m:r>
+                            </m:sub>
+                            <m:sup>
+                              <m:r>
+                                <a:rPr lang="en-US" sz="1800" b="0" i="1" smtClean="0">
+                                  <a:latin typeface="Cambria Math" panose="02040503050406030204" pitchFamily="18" charset="0"/>
+                                </a:rPr>
+                                <m:t>2</m:t>
+                              </m:r>
+                            </m:sup>
+                          </m:sSubSup>
+                        </m:num>
+                        <m:den>
+                          <m:r>
+                            <a:rPr lang="en-US" sz="1800" i="1">
+                              <a:latin typeface="Cambria Math" panose="02040503050406030204" pitchFamily="18" charset="0"/>
+                            </a:rPr>
+                            <m:t>𝑛</m:t>
+                          </m:r>
+                        </m:den>
+                      </m:f>
+                      <m:r>
+                        <a:rPr lang="en-US" sz="1800" b="0" i="1" smtClean="0">
+                          <a:latin typeface="Cambria Math" panose="02040503050406030204" pitchFamily="18" charset="0"/>
+                        </a:rPr>
+                        <m:t>𝑝</m:t>
+                      </m:r>
+                      <m:r>
+                        <a:rPr lang="en-US" sz="1800" b="0" i="1" smtClean="0">
+                          <a:latin typeface="Cambria Math" panose="02040503050406030204" pitchFamily="18" charset="0"/>
+                        </a:rPr>
+                        <m:t>(1−</m:t>
+                      </m:r>
+                      <m:r>
+                        <a:rPr lang="en-US" sz="1800" b="0" i="1" smtClean="0">
+                          <a:latin typeface="Cambria Math" panose="02040503050406030204" pitchFamily="18" charset="0"/>
+                        </a:rPr>
+                        <m:t>𝑝</m:t>
+                      </m:r>
+                      <m:r>
+                        <a:rPr lang="en-US" sz="1800" b="0" i="1" smtClean="0">
+                          <a:latin typeface="Cambria Math" panose="02040503050406030204" pitchFamily="18" charset="0"/>
+                        </a:rPr>
+                        <m:t>)</m:t>
+                      </m:r>
+                    </m:oMath>
+                  </m:oMathPara>
+                </a14:m>
+                <a:endParaRPr lang="ru-RU" sz="1800" dirty="0"/>
+              </a:p>
+            </p:txBody>
+          </p:sp>
+        </mc:Choice>
+        <mc:Fallback xmlns="">
+          <p:sp>
+            <p:nvSpPr>
+              <p:cNvPr id="3" name="Текст 2">
+                <a:extLst>
+                  <a:ext uri="{FF2B5EF4-FFF2-40B4-BE49-F238E27FC236}">
+                    <a16:creationId xmlns:a16="http://schemas.microsoft.com/office/drawing/2014/main" id="{81CFE03A-401F-0E43-A20B-BBF33DC81721}"/>
+                  </a:ext>
+                </a:extLst>
+              </p:cNvPr>
+              <p:cNvSpPr>
+                <a:spLocks noGrp="1" noRot="1" noChangeAspect="1" noMove="1" noResize="1" noEditPoints="1" noAdjustHandles="1" noChangeArrowheads="1" noChangeShapeType="1" noTextEdit="1"/>
+              </p:cNvSpPr>
+              <p:nvPr>
+                <p:ph type="body" idx="1"/>
+              </p:nvPr>
+            </p:nvSpPr>
+            <p:spPr>
+              <a:blipFill>
+                <a:blip r:embed="rId2"/>
+                <a:stretch>
+                  <a:fillRect l="-154" r="-463"/>
+                </a:stretch>
+              </a:blipFill>
+            </p:spPr>
+            <p:txBody>
+              <a:bodyPr/>
+              <a:lstStyle/>
+              <a:p>
+                <a:r>
+                  <a:rPr lang="ru-RU">
+                    <a:noFill/>
+                  </a:rPr>
+                  <a:t> </a:t>
+                </a:r>
+              </a:p>
+            </p:txBody>
+          </p:sp>
+        </mc:Fallback>
+      </mc:AlternateContent>
+    </p:spTree>
+    <p:extLst>
+      <p:ext uri="{BB962C8B-B14F-4D97-AF65-F5344CB8AC3E}">
+        <p14:creationId xmlns:p14="http://schemas.microsoft.com/office/powerpoint/2010/main" val="3878205230"/>
+      </p:ext>
+    </p:extLst>
+  </p:cSld>
+  <p:clrMapOvr>
+    <a:masterClrMapping/>
+  </p:clrMapOvr>
+</p:sld>
+</file>
+
+<file path=ppt/slides/slide25.xml><?xml version="1.0" encoding="utf-8"?>
+<p:sld xmlns:a="http://schemas.openxmlformats.org/drawingml/2006/main" xmlns:r="http://schemas.openxmlformats.org/officeDocument/2006/relationships" xmlns:p="http://schemas.openxmlformats.org/presentationml/2006/main">
+  <p:cSld>
+    <p:spTree>
+      <p:nvGrpSpPr>
+        <p:cNvPr id="1" name=""/>
+        <p:cNvGrpSpPr/>
+        <p:nvPr/>
+      </p:nvGrpSpPr>
+      <p:grpSpPr>
+        <a:xfrm>
+          <a:off x="0" y="0"/>
+          <a:ext cx="0" cy="0"/>
+          <a:chOff x="0" y="0"/>
+          <a:chExt cx="0" cy="0"/>
+        </a:xfrm>
+      </p:grpSpPr>
+      <p:sp>
+        <p:nvSpPr>
+          <p:cNvPr id="2" name="Заголовок 1">
+            <a:extLst>
+              <a:ext uri="{FF2B5EF4-FFF2-40B4-BE49-F238E27FC236}">
+                <a16:creationId xmlns:a16="http://schemas.microsoft.com/office/drawing/2014/main" id="{117E8ACC-CDAF-FE48-A40E-9047A7EA2951}"/>
+              </a:ext>
+            </a:extLst>
+          </p:cNvPr>
+          <p:cNvSpPr>
+            <a:spLocks noGrp="1"/>
+          </p:cNvSpPr>
+          <p:nvPr>
+            <p:ph type="title"/>
+          </p:nvPr>
+        </p:nvSpPr>
+        <p:spPr/>
+        <p:txBody>
+          <a:bodyPr/>
+          <a:lstStyle/>
+          <a:p>
+            <a:r>
+              <a:rPr lang="ru-RU" dirty="0"/>
+              <a:t>Доверительный интервал для вероятности</a:t>
+            </a:r>
+            <a:r>
+              <a:rPr lang="en-US" dirty="0"/>
+              <a:t> (2)</a:t>
+            </a:r>
+            <a:endParaRPr lang="ru-RU" dirty="0"/>
+          </a:p>
+        </p:txBody>
+      </p:sp>
+      <mc:AlternateContent xmlns:mc="http://schemas.openxmlformats.org/markup-compatibility/2006" xmlns:a14="http://schemas.microsoft.com/office/drawing/2010/main">
+        <mc:Choice Requires="a14">
+          <p:sp>
+            <p:nvSpPr>
+              <p:cNvPr id="3" name="Текст 2">
+                <a:extLst>
+                  <a:ext uri="{FF2B5EF4-FFF2-40B4-BE49-F238E27FC236}">
+                    <a16:creationId xmlns:a16="http://schemas.microsoft.com/office/drawing/2014/main" id="{D61E6EE7-612C-6C4D-91E9-7670621CB992}"/>
+                  </a:ext>
+                </a:extLst>
+              </p:cNvPr>
+              <p:cNvSpPr>
+                <a:spLocks noGrp="1"/>
+              </p:cNvSpPr>
+              <p:nvPr>
+                <p:ph type="body" idx="1"/>
+              </p:nvPr>
+            </p:nvSpPr>
+            <p:spPr>
+              <a:xfrm>
+                <a:off x="457200" y="1600200"/>
+                <a:ext cx="5635256" cy="4967600"/>
+              </a:xfrm>
+            </p:spPr>
+            <p:txBody>
+              <a:bodyPr/>
+              <a:lstStyle/>
+              <a:p>
+                <a:pPr marL="0" indent="0" algn="ctr">
+                  <a:lnSpc>
+                    <a:spcPct val="125000"/>
+                  </a:lnSpc>
+                  <a:spcBef>
+                    <a:spcPts val="0"/>
+                  </a:spcBef>
+                  <a:buNone/>
+                </a:pPr>
+                <a14:m>
+                  <m:oMathPara xmlns:m="http://schemas.openxmlformats.org/officeDocument/2006/math">
+                    <m:oMathParaPr>
+                      <m:jc m:val="centerGroup"/>
+                    </m:oMathParaPr>
+                    <m:oMath xmlns:m="http://schemas.openxmlformats.org/officeDocument/2006/math">
+                      <m:sSup>
+                        <m:sSupPr>
+                          <m:ctrlPr>
+                            <a:rPr lang="en-US" sz="1800" b="0" i="1" smtClean="0">
+                              <a:latin typeface="Cambria Math" panose="02040503050406030204" pitchFamily="18" charset="0"/>
+                            </a:rPr>
+                          </m:ctrlPr>
+                        </m:sSupPr>
+                        <m:e>
+                          <m:d>
+                            <m:dPr>
+                              <m:ctrlPr>
+                                <a:rPr lang="en-US" sz="1800" b="0" i="1" smtClean="0">
+                                  <a:latin typeface="Cambria Math" panose="02040503050406030204" pitchFamily="18" charset="0"/>
+                                </a:rPr>
+                              </m:ctrlPr>
+                            </m:dPr>
+                            <m:e>
+                              <m:sSup>
+                                <m:sSupPr>
+                                  <m:ctrlPr>
+                                    <a:rPr lang="ru-RU" sz="1800" i="1">
+                                      <a:latin typeface="Cambria Math" panose="02040503050406030204" pitchFamily="18" charset="0"/>
+                                    </a:rPr>
+                                  </m:ctrlPr>
+                                </m:sSupPr>
+                                <m:e>
+                                  <m:r>
+                                    <a:rPr lang="en-US" sz="1800" i="1">
+                                      <a:latin typeface="Cambria Math" panose="02040503050406030204" pitchFamily="18" charset="0"/>
+                                    </a:rPr>
+                                    <m:t>𝑝</m:t>
+                                  </m:r>
+                                </m:e>
+                                <m:sup>
+                                  <m:r>
+                                    <a:rPr lang="en-US" sz="1800" i="1">
+                                      <a:latin typeface="Cambria Math" panose="02040503050406030204" pitchFamily="18" charset="0"/>
+                                    </a:rPr>
+                                    <m:t>∗</m:t>
+                                  </m:r>
+                                </m:sup>
+                              </m:sSup>
+                              <m:r>
+                                <a:rPr lang="en-US" sz="1800" i="1">
+                                  <a:latin typeface="Cambria Math" panose="02040503050406030204" pitchFamily="18" charset="0"/>
+                                </a:rPr>
+                                <m:t>−</m:t>
+                              </m:r>
+                              <m:r>
+                                <a:rPr lang="en-US" sz="1800" i="1">
+                                  <a:latin typeface="Cambria Math" panose="02040503050406030204" pitchFamily="18" charset="0"/>
+                                </a:rPr>
+                                <m:t>𝑝</m:t>
+                              </m:r>
+                            </m:e>
+                          </m:d>
+                        </m:e>
+                        <m:sup>
+                          <m:r>
+                            <a:rPr lang="en-US" sz="1800" b="0" i="1" smtClean="0">
+                              <a:latin typeface="Cambria Math" panose="02040503050406030204" pitchFamily="18" charset="0"/>
+                            </a:rPr>
+                            <m:t>2</m:t>
+                          </m:r>
+                        </m:sup>
+                      </m:sSup>
+                      <m:r>
+                        <a:rPr lang="en-US" sz="1800" b="0" i="1" smtClean="0">
+                          <a:latin typeface="Cambria Math" panose="02040503050406030204" pitchFamily="18" charset="0"/>
+                        </a:rPr>
+                        <m:t>&lt;</m:t>
+                      </m:r>
+                      <m:f>
+                        <m:fPr>
+                          <m:ctrlPr>
+                            <a:rPr lang="en-US" sz="1800" i="1">
+                              <a:latin typeface="Cambria Math" panose="02040503050406030204" pitchFamily="18" charset="0"/>
+                            </a:rPr>
+                          </m:ctrlPr>
+                        </m:fPr>
+                        <m:num>
+                          <m:sSubSup>
+                            <m:sSubSupPr>
+                              <m:ctrlPr>
+                                <a:rPr lang="en-US" sz="1800" i="1" smtClean="0">
+                                  <a:latin typeface="Cambria Math" panose="02040503050406030204" pitchFamily="18" charset="0"/>
+                                </a:rPr>
+                              </m:ctrlPr>
+                            </m:sSubSupPr>
+                            <m:e>
+                              <m:r>
+                                <a:rPr lang="en-US" sz="1800" b="0" i="1" smtClean="0">
+                                  <a:latin typeface="Cambria Math" panose="02040503050406030204" pitchFamily="18" charset="0"/>
+                                </a:rPr>
+                                <m:t>𝑡</m:t>
+                              </m:r>
+                            </m:e>
+                            <m:sub>
+                              <m:r>
+                                <a:rPr lang="en-US" sz="1800" i="1" smtClean="0">
+                                  <a:latin typeface="Cambria Math" panose="02040503050406030204" pitchFamily="18" charset="0"/>
+                                  <a:ea typeface="Cambria Math" panose="02040503050406030204" pitchFamily="18" charset="0"/>
+                                </a:rPr>
+                                <m:t>𝛽</m:t>
+                              </m:r>
+                            </m:sub>
+                            <m:sup>
+                              <m:r>
+                                <a:rPr lang="en-US" sz="1800" b="0" i="1" smtClean="0">
+                                  <a:latin typeface="Cambria Math" panose="02040503050406030204" pitchFamily="18" charset="0"/>
+                                </a:rPr>
+                                <m:t>2</m:t>
+                              </m:r>
+                            </m:sup>
+                          </m:sSubSup>
+                        </m:num>
+                        <m:den>
+                          <m:r>
+                            <a:rPr lang="en-US" sz="1800" i="1">
+                              <a:latin typeface="Cambria Math" panose="02040503050406030204" pitchFamily="18" charset="0"/>
+                            </a:rPr>
+                            <m:t>𝑛</m:t>
+                          </m:r>
+                        </m:den>
+                      </m:f>
+                      <m:r>
+                        <a:rPr lang="en-US" sz="1800" b="0" i="1" smtClean="0">
+                          <a:latin typeface="Cambria Math" panose="02040503050406030204" pitchFamily="18" charset="0"/>
+                        </a:rPr>
+                        <m:t>𝑝</m:t>
+                      </m:r>
+                      <m:r>
+                        <a:rPr lang="en-US" sz="1800" b="0" i="1" smtClean="0">
+                          <a:latin typeface="Cambria Math" panose="02040503050406030204" pitchFamily="18" charset="0"/>
+                        </a:rPr>
+                        <m:t>(1−</m:t>
+                      </m:r>
+                      <m:r>
+                        <a:rPr lang="en-US" sz="1800" b="0" i="1" smtClean="0">
+                          <a:latin typeface="Cambria Math" panose="02040503050406030204" pitchFamily="18" charset="0"/>
+                        </a:rPr>
+                        <m:t>𝑝</m:t>
+                      </m:r>
+                      <m:r>
+                        <a:rPr lang="en-US" sz="1800" b="0" i="1" smtClean="0">
+                          <a:latin typeface="Cambria Math" panose="02040503050406030204" pitchFamily="18" charset="0"/>
+                        </a:rPr>
+                        <m:t>)</m:t>
+                      </m:r>
+                    </m:oMath>
+                  </m:oMathPara>
+                </a14:m>
+                <a:endParaRPr lang="en-US" sz="1800" dirty="0"/>
+              </a:p>
+              <a:p>
+                <a:pPr marL="0" indent="0">
+                  <a:lnSpc>
+                    <a:spcPct val="125000"/>
+                  </a:lnSpc>
+                  <a:spcBef>
+                    <a:spcPts val="0"/>
+                  </a:spcBef>
+                  <a:buNone/>
+                </a:pPr>
+                <a:r>
+                  <a:rPr lang="ru-RU" sz="1800" dirty="0"/>
+                  <a:t>Заменяя неравенство на равенство получим 2 корня:</a:t>
+                </a:r>
+              </a:p>
+              <a:p>
+                <a:pPr marL="0" indent="0" algn="ctr">
+                  <a:lnSpc>
+                    <a:spcPct val="125000"/>
+                  </a:lnSpc>
+                  <a:spcBef>
+                    <a:spcPts val="0"/>
+                  </a:spcBef>
+                  <a:buNone/>
+                </a:pPr>
+                <a14:m>
+                  <m:oMathPara xmlns:m="http://schemas.openxmlformats.org/officeDocument/2006/math">
+                    <m:oMathParaPr>
+                      <m:jc m:val="left"/>
+                    </m:oMathParaPr>
+                    <m:oMath xmlns:m="http://schemas.openxmlformats.org/officeDocument/2006/math">
+                      <m:sSub>
+                        <m:sSubPr>
+                          <m:ctrlPr>
+                            <a:rPr lang="ru-RU" sz="1800" i="1" smtClean="0">
+                              <a:latin typeface="Cambria Math" panose="02040503050406030204" pitchFamily="18" charset="0"/>
+                            </a:rPr>
+                          </m:ctrlPr>
+                        </m:sSubPr>
+                        <m:e>
+                          <m:r>
+                            <a:rPr lang="en-US" sz="1800" b="0" i="1" smtClean="0">
+                              <a:latin typeface="Cambria Math" panose="02040503050406030204" pitchFamily="18" charset="0"/>
+                            </a:rPr>
+                            <m:t>𝑝</m:t>
+                          </m:r>
+                        </m:e>
+                        <m:sub>
+                          <m:r>
+                            <a:rPr lang="en-US" sz="1800" b="0" i="1" smtClean="0">
+                              <a:latin typeface="Cambria Math" panose="02040503050406030204" pitchFamily="18" charset="0"/>
+                            </a:rPr>
+                            <m:t>1</m:t>
+                          </m:r>
+                        </m:sub>
+                      </m:sSub>
+                      <m:r>
+                        <a:rPr lang="en-US" sz="1800" b="0" i="1" smtClean="0">
+                          <a:latin typeface="Cambria Math" panose="02040503050406030204" pitchFamily="18" charset="0"/>
+                        </a:rPr>
+                        <m:t>=</m:t>
+                      </m:r>
+                      <m:f>
+                        <m:fPr>
+                          <m:ctrlPr>
+                            <a:rPr lang="en-US" sz="1800" b="0" i="1" smtClean="0">
+                              <a:latin typeface="Cambria Math" panose="02040503050406030204" pitchFamily="18" charset="0"/>
+                            </a:rPr>
+                          </m:ctrlPr>
+                        </m:fPr>
+                        <m:num>
+                          <m:sSup>
+                            <m:sSupPr>
+                              <m:ctrlPr>
+                                <a:rPr lang="ru-RU" sz="1800" i="1">
+                                  <a:latin typeface="Cambria Math" panose="02040503050406030204" pitchFamily="18" charset="0"/>
+                                </a:rPr>
+                              </m:ctrlPr>
+                            </m:sSupPr>
+                            <m:e>
+                              <m:r>
+                                <a:rPr lang="en-US" sz="1800" i="1">
+                                  <a:latin typeface="Cambria Math" panose="02040503050406030204" pitchFamily="18" charset="0"/>
+                                </a:rPr>
+                                <m:t>𝑝</m:t>
+                              </m:r>
+                            </m:e>
+                            <m:sup>
+                              <m:r>
+                                <a:rPr lang="en-US" sz="1800" i="1">
+                                  <a:latin typeface="Cambria Math" panose="02040503050406030204" pitchFamily="18" charset="0"/>
+                                </a:rPr>
+                                <m:t>∗</m:t>
+                              </m:r>
+                            </m:sup>
+                          </m:sSup>
+                          <m:r>
+                            <a:rPr lang="en-US" sz="1800" b="0" i="1" smtClean="0">
+                              <a:latin typeface="Cambria Math" panose="02040503050406030204" pitchFamily="18" charset="0"/>
+                            </a:rPr>
+                            <m:t>+</m:t>
+                          </m:r>
+                          <m:f>
+                            <m:fPr>
+                              <m:ctrlPr>
+                                <a:rPr lang="en-US" sz="1800" b="0" i="1" smtClean="0">
+                                  <a:latin typeface="Cambria Math" panose="02040503050406030204" pitchFamily="18" charset="0"/>
+                                </a:rPr>
+                              </m:ctrlPr>
+                            </m:fPr>
+                            <m:num>
+                              <m:r>
+                                <a:rPr lang="en-US" sz="1800" b="0" i="1" smtClean="0">
+                                  <a:latin typeface="Cambria Math" panose="02040503050406030204" pitchFamily="18" charset="0"/>
+                                </a:rPr>
+                                <m:t>1</m:t>
+                              </m:r>
+                            </m:num>
+                            <m:den>
+                              <m:r>
+                                <a:rPr lang="en-US" sz="1800" b="0" i="1" smtClean="0">
+                                  <a:latin typeface="Cambria Math" panose="02040503050406030204" pitchFamily="18" charset="0"/>
+                                </a:rPr>
+                                <m:t>2</m:t>
+                              </m:r>
+                            </m:den>
+                          </m:f>
+                          <m:f>
+                            <m:fPr>
+                              <m:ctrlPr>
+                                <a:rPr lang="en-US" sz="1800" b="0" i="1" smtClean="0">
+                                  <a:latin typeface="Cambria Math" panose="02040503050406030204" pitchFamily="18" charset="0"/>
+                                </a:rPr>
+                              </m:ctrlPr>
+                            </m:fPr>
+                            <m:num>
+                              <m:sSubSup>
+                                <m:sSubSupPr>
+                                  <m:ctrlPr>
+                                    <a:rPr lang="en-US" sz="1800" i="1">
+                                      <a:latin typeface="Cambria Math" panose="02040503050406030204" pitchFamily="18" charset="0"/>
+                                    </a:rPr>
+                                  </m:ctrlPr>
+                                </m:sSubSupPr>
+                                <m:e>
+                                  <m:r>
+                                    <a:rPr lang="en-US" sz="1800" i="1">
+                                      <a:latin typeface="Cambria Math" panose="02040503050406030204" pitchFamily="18" charset="0"/>
+                                    </a:rPr>
+                                    <m:t>𝑡</m:t>
+                                  </m:r>
+                                </m:e>
+                                <m:sub>
+                                  <m:r>
+                                    <a:rPr lang="en-US" sz="1800" i="1">
+                                      <a:latin typeface="Cambria Math" panose="02040503050406030204" pitchFamily="18" charset="0"/>
+                                      <a:ea typeface="Cambria Math" panose="02040503050406030204" pitchFamily="18" charset="0"/>
+                                    </a:rPr>
+                                    <m:t>𝛽</m:t>
+                                  </m:r>
+                                </m:sub>
+                                <m:sup>
+                                  <m:r>
+                                    <a:rPr lang="en-US" sz="1800" i="1">
+                                      <a:latin typeface="Cambria Math" panose="02040503050406030204" pitchFamily="18" charset="0"/>
+                                    </a:rPr>
+                                    <m:t>2</m:t>
+                                  </m:r>
+                                </m:sup>
+                              </m:sSubSup>
+                            </m:num>
+                            <m:den>
+                              <m:r>
+                                <a:rPr lang="en-US" sz="1800" b="0" i="1" smtClean="0">
+                                  <a:latin typeface="Cambria Math" panose="02040503050406030204" pitchFamily="18" charset="0"/>
+                                </a:rPr>
+                                <m:t>𝑛</m:t>
+                              </m:r>
+                            </m:den>
+                          </m:f>
+                          <m:r>
+                            <a:rPr lang="en-US" sz="1800" b="0" i="1" smtClean="0">
+                              <a:latin typeface="Cambria Math" panose="02040503050406030204" pitchFamily="18" charset="0"/>
+                            </a:rPr>
+                            <m:t>−</m:t>
+                          </m:r>
+                          <m:sSub>
+                            <m:sSubPr>
+                              <m:ctrlPr>
+                                <a:rPr lang="en-US" sz="1800" i="1">
+                                  <a:latin typeface="Cambria Math" panose="02040503050406030204" pitchFamily="18" charset="0"/>
+                                  <a:ea typeface="Cambria Math" panose="02040503050406030204" pitchFamily="18" charset="0"/>
+                                </a:rPr>
+                              </m:ctrlPr>
+                            </m:sSubPr>
+                            <m:e>
+                              <m:r>
+                                <a:rPr lang="en-US" sz="1800" i="1">
+                                  <a:latin typeface="Cambria Math" panose="02040503050406030204" pitchFamily="18" charset="0"/>
+                                  <a:ea typeface="Cambria Math" panose="02040503050406030204" pitchFamily="18" charset="0"/>
+                                </a:rPr>
+                                <m:t>𝑡</m:t>
+                              </m:r>
+                            </m:e>
+                            <m:sub>
+                              <m:r>
+                                <a:rPr lang="en-US" sz="1800" i="1">
+                                  <a:latin typeface="Cambria Math" panose="02040503050406030204" pitchFamily="18" charset="0"/>
+                                  <a:ea typeface="Cambria Math" panose="02040503050406030204" pitchFamily="18" charset="0"/>
+                                </a:rPr>
+                                <m:t>𝛽</m:t>
+                              </m:r>
+                            </m:sub>
+                          </m:sSub>
+                          <m:rad>
+                            <m:radPr>
+                              <m:degHide m:val="on"/>
+                              <m:ctrlPr>
+                                <a:rPr lang="en-US" sz="1800" i="1" smtClean="0">
+                                  <a:latin typeface="Cambria Math" panose="02040503050406030204" pitchFamily="18" charset="0"/>
+                                  <a:ea typeface="Cambria Math" panose="02040503050406030204" pitchFamily="18" charset="0"/>
+                                </a:rPr>
+                              </m:ctrlPr>
+                            </m:radPr>
+                            <m:deg/>
+                            <m:e>
+                              <m:f>
+                                <m:fPr>
+                                  <m:ctrlPr>
+                                    <a:rPr lang="en-US" sz="1800" i="1" smtClean="0">
+                                      <a:latin typeface="Cambria Math" panose="02040503050406030204" pitchFamily="18" charset="0"/>
+                                      <a:ea typeface="Cambria Math" panose="02040503050406030204" pitchFamily="18" charset="0"/>
+                                    </a:rPr>
+                                  </m:ctrlPr>
+                                </m:fPr>
+                                <m:num>
+                                  <m:sSup>
+                                    <m:sSupPr>
+                                      <m:ctrlPr>
+                                        <a:rPr lang="ru-RU" sz="1800" i="1">
+                                          <a:latin typeface="Cambria Math" panose="02040503050406030204" pitchFamily="18" charset="0"/>
+                                        </a:rPr>
+                                      </m:ctrlPr>
+                                    </m:sSupPr>
+                                    <m:e>
+                                      <m:r>
+                                        <a:rPr lang="en-US" sz="1800" i="1">
+                                          <a:latin typeface="Cambria Math" panose="02040503050406030204" pitchFamily="18" charset="0"/>
+                                        </a:rPr>
+                                        <m:t>𝑝</m:t>
+                                      </m:r>
+                                    </m:e>
+                                    <m:sup>
+                                      <m:r>
+                                        <a:rPr lang="en-US" sz="1800" i="1">
+                                          <a:latin typeface="Cambria Math" panose="02040503050406030204" pitchFamily="18" charset="0"/>
+                                        </a:rPr>
+                                        <m:t>∗</m:t>
+                                      </m:r>
+                                    </m:sup>
+                                  </m:sSup>
+                                  <m:r>
+                                    <a:rPr lang="en-US" sz="1800" b="0" i="1" smtClean="0">
+                                      <a:latin typeface="Cambria Math" panose="02040503050406030204" pitchFamily="18" charset="0"/>
+                                    </a:rPr>
+                                    <m:t>(1−</m:t>
+                                  </m:r>
+                                  <m:sSup>
+                                    <m:sSupPr>
+                                      <m:ctrlPr>
+                                        <a:rPr lang="ru-RU" sz="1800" i="1">
+                                          <a:latin typeface="Cambria Math" panose="02040503050406030204" pitchFamily="18" charset="0"/>
+                                        </a:rPr>
+                                      </m:ctrlPr>
+                                    </m:sSupPr>
+                                    <m:e>
+                                      <m:r>
+                                        <a:rPr lang="en-US" sz="1800" i="1">
+                                          <a:latin typeface="Cambria Math" panose="02040503050406030204" pitchFamily="18" charset="0"/>
+                                        </a:rPr>
+                                        <m:t>𝑝</m:t>
+                                      </m:r>
+                                    </m:e>
+                                    <m:sup>
+                                      <m:r>
+                                        <a:rPr lang="en-US" sz="1800" i="1">
+                                          <a:latin typeface="Cambria Math" panose="02040503050406030204" pitchFamily="18" charset="0"/>
+                                        </a:rPr>
+                                        <m:t>∗</m:t>
+                                      </m:r>
+                                    </m:sup>
+                                  </m:sSup>
+                                  <m:r>
+                                    <a:rPr lang="en-US" sz="1800" b="0" i="1" smtClean="0">
+                                      <a:latin typeface="Cambria Math" panose="02040503050406030204" pitchFamily="18" charset="0"/>
+                                    </a:rPr>
+                                    <m:t>)</m:t>
+                                  </m:r>
+                                </m:num>
+                                <m:den>
+                                  <m:r>
+                                    <a:rPr lang="en-US" sz="1800" b="0" i="1" smtClean="0">
+                                      <a:latin typeface="Cambria Math" panose="02040503050406030204" pitchFamily="18" charset="0"/>
+                                      <a:ea typeface="Cambria Math" panose="02040503050406030204" pitchFamily="18" charset="0"/>
+                                    </a:rPr>
+                                    <m:t>𝑛</m:t>
+                                  </m:r>
+                                </m:den>
+                              </m:f>
+                              <m:r>
+                                <a:rPr lang="en-US" sz="1800" b="0" i="1" smtClean="0">
+                                  <a:latin typeface="Cambria Math" panose="02040503050406030204" pitchFamily="18" charset="0"/>
+                                  <a:ea typeface="Cambria Math" panose="02040503050406030204" pitchFamily="18" charset="0"/>
+                                </a:rPr>
+                                <m:t>+</m:t>
+                              </m:r>
+                              <m:f>
+                                <m:fPr>
+                                  <m:ctrlPr>
+                                    <a:rPr lang="en-US" sz="1800" i="1">
+                                      <a:latin typeface="Cambria Math" panose="02040503050406030204" pitchFamily="18" charset="0"/>
+                                    </a:rPr>
+                                  </m:ctrlPr>
+                                </m:fPr>
+                                <m:num>
+                                  <m:r>
+                                    <a:rPr lang="en-US" sz="1800" i="1">
+                                      <a:latin typeface="Cambria Math" panose="02040503050406030204" pitchFamily="18" charset="0"/>
+                                    </a:rPr>
+                                    <m:t>1</m:t>
+                                  </m:r>
+                                </m:num>
+                                <m:den>
+                                  <m:r>
+                                    <a:rPr lang="en-US" sz="1800" b="0" i="1" smtClean="0">
+                                      <a:latin typeface="Cambria Math" panose="02040503050406030204" pitchFamily="18" charset="0"/>
+                                    </a:rPr>
+                                    <m:t>4</m:t>
+                                  </m:r>
+                                </m:den>
+                              </m:f>
+                              <m:f>
+                                <m:fPr>
+                                  <m:ctrlPr>
+                                    <a:rPr lang="en-US" sz="1800" i="1">
+                                      <a:latin typeface="Cambria Math" panose="02040503050406030204" pitchFamily="18" charset="0"/>
+                                    </a:rPr>
+                                  </m:ctrlPr>
+                                </m:fPr>
+                                <m:num>
+                                  <m:sSubSup>
+                                    <m:sSubSupPr>
+                                      <m:ctrlPr>
+                                        <a:rPr lang="en-US" sz="1800" i="1">
+                                          <a:latin typeface="Cambria Math" panose="02040503050406030204" pitchFamily="18" charset="0"/>
+                                        </a:rPr>
+                                      </m:ctrlPr>
+                                    </m:sSubSupPr>
+                                    <m:e>
+                                      <m:r>
+                                        <a:rPr lang="en-US" sz="1800" i="1">
+                                          <a:latin typeface="Cambria Math" panose="02040503050406030204" pitchFamily="18" charset="0"/>
+                                        </a:rPr>
+                                        <m:t>𝑡</m:t>
+                                      </m:r>
+                                    </m:e>
+                                    <m:sub>
+                                      <m:r>
+                                        <a:rPr lang="en-US" sz="1800" i="1">
+                                          <a:latin typeface="Cambria Math" panose="02040503050406030204" pitchFamily="18" charset="0"/>
+                                          <a:ea typeface="Cambria Math" panose="02040503050406030204" pitchFamily="18" charset="0"/>
+                                        </a:rPr>
+                                        <m:t>𝛽</m:t>
+                                      </m:r>
+                                    </m:sub>
+                                    <m:sup>
+                                      <m:r>
+                                        <a:rPr lang="en-US" sz="1800" i="1">
+                                          <a:latin typeface="Cambria Math" panose="02040503050406030204" pitchFamily="18" charset="0"/>
+                                        </a:rPr>
+                                        <m:t>2</m:t>
+                                      </m:r>
+                                    </m:sup>
+                                  </m:sSubSup>
+                                </m:num>
+                                <m:den>
+                                  <m:sSup>
+                                    <m:sSupPr>
+                                      <m:ctrlPr>
+                                        <a:rPr lang="en-US" sz="1800" i="1" smtClean="0">
+                                          <a:latin typeface="Cambria Math" panose="02040503050406030204" pitchFamily="18" charset="0"/>
+                                        </a:rPr>
+                                      </m:ctrlPr>
+                                    </m:sSupPr>
+                                    <m:e>
+                                      <m:r>
+                                        <a:rPr lang="en-US" sz="1800" b="0" i="1" smtClean="0">
+                                          <a:latin typeface="Cambria Math" panose="02040503050406030204" pitchFamily="18" charset="0"/>
+                                        </a:rPr>
+                                        <m:t>𝑛</m:t>
+                                      </m:r>
+                                    </m:e>
+                                    <m:sup>
+                                      <m:r>
+                                        <a:rPr lang="en-US" sz="1800" b="0" i="1" smtClean="0">
+                                          <a:latin typeface="Cambria Math" panose="02040503050406030204" pitchFamily="18" charset="0"/>
+                                        </a:rPr>
+                                        <m:t>2</m:t>
+                                      </m:r>
+                                    </m:sup>
+                                  </m:sSup>
+                                </m:den>
+                              </m:f>
+                            </m:e>
+                          </m:rad>
+                        </m:num>
+                        <m:den>
+                          <m:r>
+                            <a:rPr lang="en-US" sz="1800" b="0" i="1" smtClean="0">
+                              <a:latin typeface="Cambria Math" panose="02040503050406030204" pitchFamily="18" charset="0"/>
+                            </a:rPr>
+                            <m:t>1+</m:t>
+                          </m:r>
+                          <m:f>
+                            <m:fPr>
+                              <m:ctrlPr>
+                                <a:rPr lang="en-US" sz="1800" i="1">
+                                  <a:latin typeface="Cambria Math" panose="02040503050406030204" pitchFamily="18" charset="0"/>
+                                </a:rPr>
+                              </m:ctrlPr>
+                            </m:fPr>
+                            <m:num>
+                              <m:sSubSup>
+                                <m:sSubSupPr>
+                                  <m:ctrlPr>
+                                    <a:rPr lang="en-US" sz="1800" i="1">
+                                      <a:latin typeface="Cambria Math" panose="02040503050406030204" pitchFamily="18" charset="0"/>
+                                    </a:rPr>
+                                  </m:ctrlPr>
+                                </m:sSubSupPr>
+                                <m:e>
+                                  <m:r>
+                                    <a:rPr lang="en-US" sz="1800" i="1">
+                                      <a:latin typeface="Cambria Math" panose="02040503050406030204" pitchFamily="18" charset="0"/>
+                                    </a:rPr>
+                                    <m:t>𝑡</m:t>
+                                  </m:r>
+                                </m:e>
+                                <m:sub>
+                                  <m:r>
+                                    <a:rPr lang="en-US" sz="1800" i="1">
+                                      <a:latin typeface="Cambria Math" panose="02040503050406030204" pitchFamily="18" charset="0"/>
+                                      <a:ea typeface="Cambria Math" panose="02040503050406030204" pitchFamily="18" charset="0"/>
+                                    </a:rPr>
+                                    <m:t>𝛽</m:t>
+                                  </m:r>
+                                </m:sub>
+                                <m:sup>
+                                  <m:r>
+                                    <a:rPr lang="en-US" sz="1800" i="1">
+                                      <a:latin typeface="Cambria Math" panose="02040503050406030204" pitchFamily="18" charset="0"/>
+                                    </a:rPr>
+                                    <m:t>2</m:t>
+                                  </m:r>
+                                </m:sup>
+                              </m:sSubSup>
+                            </m:num>
+                            <m:den>
+                              <m:r>
+                                <a:rPr lang="en-US" sz="1800" i="1">
+                                  <a:latin typeface="Cambria Math" panose="02040503050406030204" pitchFamily="18" charset="0"/>
+                                </a:rPr>
+                                <m:t>𝑛</m:t>
+                              </m:r>
+                            </m:den>
+                          </m:f>
+                        </m:den>
+                      </m:f>
+                    </m:oMath>
+                  </m:oMathPara>
+                </a14:m>
+                <a:endParaRPr lang="en-US" sz="1800" dirty="0"/>
+              </a:p>
+              <a:p>
+                <a:pPr marL="0" indent="0" algn="ctr">
+                  <a:lnSpc>
+                    <a:spcPct val="125000"/>
+                  </a:lnSpc>
+                  <a:spcBef>
+                    <a:spcPts val="0"/>
+                  </a:spcBef>
+                  <a:buNone/>
+                </a:pPr>
+                <a14:m>
+                  <m:oMathPara xmlns:m="http://schemas.openxmlformats.org/officeDocument/2006/math">
+                    <m:oMathParaPr>
+                      <m:jc m:val="left"/>
+                    </m:oMathParaPr>
+                    <m:oMath xmlns:m="http://schemas.openxmlformats.org/officeDocument/2006/math">
+                      <m:sSub>
+                        <m:sSubPr>
+                          <m:ctrlPr>
+                            <a:rPr lang="ru-RU" sz="1800" i="1" smtClean="0">
+                              <a:latin typeface="Cambria Math" panose="02040503050406030204" pitchFamily="18" charset="0"/>
+                            </a:rPr>
+                          </m:ctrlPr>
+                        </m:sSubPr>
+                        <m:e>
+                          <m:r>
+                            <a:rPr lang="en-US" sz="1800" b="0" i="1" smtClean="0">
+                              <a:latin typeface="Cambria Math" panose="02040503050406030204" pitchFamily="18" charset="0"/>
+                            </a:rPr>
+                            <m:t>𝑝</m:t>
+                          </m:r>
+                        </m:e>
+                        <m:sub>
+                          <m:r>
+                            <a:rPr lang="en-US" sz="1800" b="0" i="1" smtClean="0">
+                              <a:latin typeface="Cambria Math" panose="02040503050406030204" pitchFamily="18" charset="0"/>
+                            </a:rPr>
+                            <m:t>2</m:t>
+                          </m:r>
+                        </m:sub>
+                      </m:sSub>
+                      <m:r>
+                        <a:rPr lang="en-US" sz="1800" b="0" i="1" smtClean="0">
+                          <a:latin typeface="Cambria Math" panose="02040503050406030204" pitchFamily="18" charset="0"/>
+                        </a:rPr>
+                        <m:t>=</m:t>
+                      </m:r>
+                      <m:f>
+                        <m:fPr>
+                          <m:ctrlPr>
+                            <a:rPr lang="en-US" sz="1800" b="0" i="1" smtClean="0">
+                              <a:latin typeface="Cambria Math" panose="02040503050406030204" pitchFamily="18" charset="0"/>
+                            </a:rPr>
+                          </m:ctrlPr>
+                        </m:fPr>
+                        <m:num>
+                          <m:sSup>
+                            <m:sSupPr>
+                              <m:ctrlPr>
+                                <a:rPr lang="ru-RU" sz="1800" i="1">
+                                  <a:latin typeface="Cambria Math" panose="02040503050406030204" pitchFamily="18" charset="0"/>
+                                </a:rPr>
+                              </m:ctrlPr>
+                            </m:sSupPr>
+                            <m:e>
+                              <m:r>
+                                <a:rPr lang="en-US" sz="1800" i="1">
+                                  <a:latin typeface="Cambria Math" panose="02040503050406030204" pitchFamily="18" charset="0"/>
+                                </a:rPr>
+                                <m:t>𝑝</m:t>
+                              </m:r>
+                            </m:e>
+                            <m:sup>
+                              <m:r>
+                                <a:rPr lang="en-US" sz="1800" i="1">
+                                  <a:latin typeface="Cambria Math" panose="02040503050406030204" pitchFamily="18" charset="0"/>
+                                </a:rPr>
+                                <m:t>∗</m:t>
+                              </m:r>
+                            </m:sup>
+                          </m:sSup>
+                          <m:r>
+                            <a:rPr lang="en-US" sz="1800" b="0" i="1" smtClean="0">
+                              <a:latin typeface="Cambria Math" panose="02040503050406030204" pitchFamily="18" charset="0"/>
+                            </a:rPr>
+                            <m:t>+</m:t>
+                          </m:r>
+                          <m:f>
+                            <m:fPr>
+                              <m:ctrlPr>
+                                <a:rPr lang="en-US" sz="1800" b="0" i="1" smtClean="0">
+                                  <a:latin typeface="Cambria Math" panose="02040503050406030204" pitchFamily="18" charset="0"/>
+                                </a:rPr>
+                              </m:ctrlPr>
+                            </m:fPr>
+                            <m:num>
+                              <m:r>
+                                <a:rPr lang="en-US" sz="1800" b="0" i="1" smtClean="0">
+                                  <a:latin typeface="Cambria Math" panose="02040503050406030204" pitchFamily="18" charset="0"/>
+                                </a:rPr>
+                                <m:t>1</m:t>
+                              </m:r>
+                            </m:num>
+                            <m:den>
+                              <m:r>
+                                <a:rPr lang="en-US" sz="1800" b="0" i="1" smtClean="0">
+                                  <a:latin typeface="Cambria Math" panose="02040503050406030204" pitchFamily="18" charset="0"/>
+                                </a:rPr>
+                                <m:t>2</m:t>
+                              </m:r>
+                            </m:den>
+                          </m:f>
+                          <m:f>
+                            <m:fPr>
+                              <m:ctrlPr>
+                                <a:rPr lang="en-US" sz="1800" b="0" i="1" smtClean="0">
+                                  <a:latin typeface="Cambria Math" panose="02040503050406030204" pitchFamily="18" charset="0"/>
+                                </a:rPr>
+                              </m:ctrlPr>
+                            </m:fPr>
+                            <m:num>
+                              <m:sSubSup>
+                                <m:sSubSupPr>
+                                  <m:ctrlPr>
+                                    <a:rPr lang="en-US" sz="1800" i="1">
+                                      <a:latin typeface="Cambria Math" panose="02040503050406030204" pitchFamily="18" charset="0"/>
+                                    </a:rPr>
+                                  </m:ctrlPr>
+                                </m:sSubSupPr>
+                                <m:e>
+                                  <m:r>
+                                    <a:rPr lang="en-US" sz="1800" i="1">
+                                      <a:latin typeface="Cambria Math" panose="02040503050406030204" pitchFamily="18" charset="0"/>
+                                    </a:rPr>
+                                    <m:t>𝑡</m:t>
+                                  </m:r>
+                                </m:e>
+                                <m:sub>
+                                  <m:r>
+                                    <a:rPr lang="en-US" sz="1800" i="1">
+                                      <a:latin typeface="Cambria Math" panose="02040503050406030204" pitchFamily="18" charset="0"/>
+                                      <a:ea typeface="Cambria Math" panose="02040503050406030204" pitchFamily="18" charset="0"/>
+                                    </a:rPr>
+                                    <m:t>𝛽</m:t>
+                                  </m:r>
+                                </m:sub>
+                                <m:sup>
+                                  <m:r>
+                                    <a:rPr lang="en-US" sz="1800" i="1">
+                                      <a:latin typeface="Cambria Math" panose="02040503050406030204" pitchFamily="18" charset="0"/>
+                                    </a:rPr>
+                                    <m:t>2</m:t>
+                                  </m:r>
+                                </m:sup>
+                              </m:sSubSup>
+                            </m:num>
+                            <m:den>
+                              <m:r>
+                                <a:rPr lang="en-US" sz="1800" b="0" i="1" smtClean="0">
+                                  <a:latin typeface="Cambria Math" panose="02040503050406030204" pitchFamily="18" charset="0"/>
+                                </a:rPr>
+                                <m:t>𝑛</m:t>
+                              </m:r>
+                            </m:den>
+                          </m:f>
+                          <m:r>
+                            <a:rPr lang="en-US" sz="1800" b="0" i="1" smtClean="0">
+                              <a:latin typeface="Cambria Math" panose="02040503050406030204" pitchFamily="18" charset="0"/>
+                            </a:rPr>
+                            <m:t>+</m:t>
+                          </m:r>
+                          <m:sSub>
+                            <m:sSubPr>
+                              <m:ctrlPr>
+                                <a:rPr lang="en-US" sz="1800" i="1">
+                                  <a:latin typeface="Cambria Math" panose="02040503050406030204" pitchFamily="18" charset="0"/>
+                                  <a:ea typeface="Cambria Math" panose="02040503050406030204" pitchFamily="18" charset="0"/>
+                                </a:rPr>
+                              </m:ctrlPr>
+                            </m:sSubPr>
+                            <m:e>
+                              <m:r>
+                                <a:rPr lang="en-US" sz="1800" i="1">
+                                  <a:latin typeface="Cambria Math" panose="02040503050406030204" pitchFamily="18" charset="0"/>
+                                  <a:ea typeface="Cambria Math" panose="02040503050406030204" pitchFamily="18" charset="0"/>
+                                </a:rPr>
+                                <m:t>𝑡</m:t>
+                              </m:r>
+                            </m:e>
+                            <m:sub>
+                              <m:r>
+                                <a:rPr lang="en-US" sz="1800" i="1">
+                                  <a:latin typeface="Cambria Math" panose="02040503050406030204" pitchFamily="18" charset="0"/>
+                                  <a:ea typeface="Cambria Math" panose="02040503050406030204" pitchFamily="18" charset="0"/>
+                                </a:rPr>
+                                <m:t>𝛽</m:t>
+                              </m:r>
+                            </m:sub>
+                          </m:sSub>
+                          <m:rad>
+                            <m:radPr>
+                              <m:degHide m:val="on"/>
+                              <m:ctrlPr>
+                                <a:rPr lang="en-US" sz="1800" i="1" smtClean="0">
+                                  <a:latin typeface="Cambria Math" panose="02040503050406030204" pitchFamily="18" charset="0"/>
+                                  <a:ea typeface="Cambria Math" panose="02040503050406030204" pitchFamily="18" charset="0"/>
+                                </a:rPr>
+                              </m:ctrlPr>
+                            </m:radPr>
+                            <m:deg/>
+                            <m:e>
+                              <m:f>
+                                <m:fPr>
+                                  <m:ctrlPr>
+                                    <a:rPr lang="en-US" sz="1800" i="1" smtClean="0">
+                                      <a:latin typeface="Cambria Math" panose="02040503050406030204" pitchFamily="18" charset="0"/>
+                                      <a:ea typeface="Cambria Math" panose="02040503050406030204" pitchFamily="18" charset="0"/>
+                                    </a:rPr>
+                                  </m:ctrlPr>
+                                </m:fPr>
+                                <m:num>
+                                  <m:sSup>
+                                    <m:sSupPr>
+                                      <m:ctrlPr>
+                                        <a:rPr lang="ru-RU" sz="1800" i="1">
+                                          <a:latin typeface="Cambria Math" panose="02040503050406030204" pitchFamily="18" charset="0"/>
+                                        </a:rPr>
+                                      </m:ctrlPr>
+                                    </m:sSupPr>
+                                    <m:e>
+                                      <m:r>
+                                        <a:rPr lang="en-US" sz="1800" i="1">
+                                          <a:latin typeface="Cambria Math" panose="02040503050406030204" pitchFamily="18" charset="0"/>
+                                        </a:rPr>
+                                        <m:t>𝑝</m:t>
+                                      </m:r>
+                                    </m:e>
+                                    <m:sup>
+                                      <m:r>
+                                        <a:rPr lang="en-US" sz="1800" i="1">
+                                          <a:latin typeface="Cambria Math" panose="02040503050406030204" pitchFamily="18" charset="0"/>
+                                        </a:rPr>
+                                        <m:t>∗</m:t>
+                                      </m:r>
+                                    </m:sup>
+                                  </m:sSup>
+                                  <m:r>
+                                    <a:rPr lang="en-US" sz="1800" b="0" i="1" smtClean="0">
+                                      <a:latin typeface="Cambria Math" panose="02040503050406030204" pitchFamily="18" charset="0"/>
+                                    </a:rPr>
+                                    <m:t>(1−</m:t>
+                                  </m:r>
+                                  <m:sSup>
+                                    <m:sSupPr>
+                                      <m:ctrlPr>
+                                        <a:rPr lang="ru-RU" sz="1800" i="1">
+                                          <a:latin typeface="Cambria Math" panose="02040503050406030204" pitchFamily="18" charset="0"/>
+                                        </a:rPr>
+                                      </m:ctrlPr>
+                                    </m:sSupPr>
+                                    <m:e>
+                                      <m:r>
+                                        <a:rPr lang="en-US" sz="1800" i="1">
+                                          <a:latin typeface="Cambria Math" panose="02040503050406030204" pitchFamily="18" charset="0"/>
+                                        </a:rPr>
+                                        <m:t>𝑝</m:t>
+                                      </m:r>
+                                    </m:e>
+                                    <m:sup>
+                                      <m:r>
+                                        <a:rPr lang="en-US" sz="1800" i="1">
+                                          <a:latin typeface="Cambria Math" panose="02040503050406030204" pitchFamily="18" charset="0"/>
+                                        </a:rPr>
+                                        <m:t>∗</m:t>
+                                      </m:r>
+                                    </m:sup>
+                                  </m:sSup>
+                                  <m:r>
+                                    <a:rPr lang="en-US" sz="1800" b="0" i="1" smtClean="0">
+                                      <a:latin typeface="Cambria Math" panose="02040503050406030204" pitchFamily="18" charset="0"/>
+                                    </a:rPr>
+                                    <m:t>)</m:t>
+                                  </m:r>
+                                </m:num>
+                                <m:den>
+                                  <m:r>
+                                    <a:rPr lang="en-US" sz="1800" b="0" i="1" smtClean="0">
+                                      <a:latin typeface="Cambria Math" panose="02040503050406030204" pitchFamily="18" charset="0"/>
+                                      <a:ea typeface="Cambria Math" panose="02040503050406030204" pitchFamily="18" charset="0"/>
+                                    </a:rPr>
+                                    <m:t>𝑛</m:t>
+                                  </m:r>
+                                </m:den>
+                              </m:f>
+                              <m:r>
+                                <a:rPr lang="en-US" sz="1800" b="0" i="1" smtClean="0">
+                                  <a:latin typeface="Cambria Math" panose="02040503050406030204" pitchFamily="18" charset="0"/>
+                                  <a:ea typeface="Cambria Math" panose="02040503050406030204" pitchFamily="18" charset="0"/>
+                                </a:rPr>
+                                <m:t>+</m:t>
+                              </m:r>
+                              <m:f>
+                                <m:fPr>
+                                  <m:ctrlPr>
+                                    <a:rPr lang="en-US" sz="1800" i="1">
+                                      <a:latin typeface="Cambria Math" panose="02040503050406030204" pitchFamily="18" charset="0"/>
+                                    </a:rPr>
+                                  </m:ctrlPr>
+                                </m:fPr>
+                                <m:num>
+                                  <m:r>
+                                    <a:rPr lang="en-US" sz="1800" i="1">
+                                      <a:latin typeface="Cambria Math" panose="02040503050406030204" pitchFamily="18" charset="0"/>
+                                    </a:rPr>
+                                    <m:t>1</m:t>
+                                  </m:r>
+                                </m:num>
+                                <m:den>
+                                  <m:r>
+                                    <a:rPr lang="en-US" sz="1800" b="0" i="1" smtClean="0">
+                                      <a:latin typeface="Cambria Math" panose="02040503050406030204" pitchFamily="18" charset="0"/>
+                                    </a:rPr>
+                                    <m:t>4</m:t>
+                                  </m:r>
+                                </m:den>
+                              </m:f>
+                              <m:f>
+                                <m:fPr>
+                                  <m:ctrlPr>
+                                    <a:rPr lang="en-US" sz="1800" i="1">
+                                      <a:latin typeface="Cambria Math" panose="02040503050406030204" pitchFamily="18" charset="0"/>
+                                    </a:rPr>
+                                  </m:ctrlPr>
+                                </m:fPr>
+                                <m:num>
+                                  <m:sSubSup>
+                                    <m:sSubSupPr>
+                                      <m:ctrlPr>
+                                        <a:rPr lang="en-US" sz="1800" i="1">
+                                          <a:latin typeface="Cambria Math" panose="02040503050406030204" pitchFamily="18" charset="0"/>
+                                        </a:rPr>
+                                      </m:ctrlPr>
+                                    </m:sSubSupPr>
+                                    <m:e>
+                                      <m:r>
+                                        <a:rPr lang="en-US" sz="1800" i="1">
+                                          <a:latin typeface="Cambria Math" panose="02040503050406030204" pitchFamily="18" charset="0"/>
+                                        </a:rPr>
+                                        <m:t>𝑡</m:t>
+                                      </m:r>
+                                    </m:e>
+                                    <m:sub>
+                                      <m:r>
+                                        <a:rPr lang="en-US" sz="1800" i="1">
+                                          <a:latin typeface="Cambria Math" panose="02040503050406030204" pitchFamily="18" charset="0"/>
+                                          <a:ea typeface="Cambria Math" panose="02040503050406030204" pitchFamily="18" charset="0"/>
+                                        </a:rPr>
+                                        <m:t>𝛽</m:t>
+                                      </m:r>
+                                    </m:sub>
+                                    <m:sup>
+                                      <m:r>
+                                        <a:rPr lang="en-US" sz="1800" i="1">
+                                          <a:latin typeface="Cambria Math" panose="02040503050406030204" pitchFamily="18" charset="0"/>
+                                        </a:rPr>
+                                        <m:t>2</m:t>
+                                      </m:r>
+                                    </m:sup>
+                                  </m:sSubSup>
+                                </m:num>
+                                <m:den>
+                                  <m:sSup>
+                                    <m:sSupPr>
+                                      <m:ctrlPr>
+                                        <a:rPr lang="en-US" sz="1800" i="1" smtClean="0">
+                                          <a:latin typeface="Cambria Math" panose="02040503050406030204" pitchFamily="18" charset="0"/>
+                                        </a:rPr>
+                                      </m:ctrlPr>
+                                    </m:sSupPr>
+                                    <m:e>
+                                      <m:r>
+                                        <a:rPr lang="en-US" sz="1800" b="0" i="1" smtClean="0">
+                                          <a:latin typeface="Cambria Math" panose="02040503050406030204" pitchFamily="18" charset="0"/>
+                                        </a:rPr>
+                                        <m:t>𝑛</m:t>
+                                      </m:r>
+                                    </m:e>
+                                    <m:sup>
+                                      <m:r>
+                                        <a:rPr lang="en-US" sz="1800" b="0" i="1" smtClean="0">
+                                          <a:latin typeface="Cambria Math" panose="02040503050406030204" pitchFamily="18" charset="0"/>
+                                        </a:rPr>
+                                        <m:t>2</m:t>
+                                      </m:r>
+                                    </m:sup>
+                                  </m:sSup>
+                                </m:den>
+                              </m:f>
+                            </m:e>
+                          </m:rad>
+                        </m:num>
+                        <m:den>
+                          <m:r>
+                            <a:rPr lang="en-US" sz="1800" b="0" i="1" smtClean="0">
+                              <a:latin typeface="Cambria Math" panose="02040503050406030204" pitchFamily="18" charset="0"/>
+                            </a:rPr>
+                            <m:t>1+</m:t>
+                          </m:r>
+                          <m:f>
+                            <m:fPr>
+                              <m:ctrlPr>
+                                <a:rPr lang="en-US" sz="1800" i="1">
+                                  <a:latin typeface="Cambria Math" panose="02040503050406030204" pitchFamily="18" charset="0"/>
+                                </a:rPr>
+                              </m:ctrlPr>
+                            </m:fPr>
+                            <m:num>
+                              <m:sSubSup>
+                                <m:sSubSupPr>
+                                  <m:ctrlPr>
+                                    <a:rPr lang="en-US" sz="1800" i="1">
+                                      <a:latin typeface="Cambria Math" panose="02040503050406030204" pitchFamily="18" charset="0"/>
+                                    </a:rPr>
+                                  </m:ctrlPr>
+                                </m:sSubSupPr>
+                                <m:e>
+                                  <m:r>
+                                    <a:rPr lang="en-US" sz="1800" i="1">
+                                      <a:latin typeface="Cambria Math" panose="02040503050406030204" pitchFamily="18" charset="0"/>
+                                    </a:rPr>
+                                    <m:t>𝑡</m:t>
+                                  </m:r>
+                                </m:e>
+                                <m:sub>
+                                  <m:r>
+                                    <a:rPr lang="en-US" sz="1800" i="1">
+                                      <a:latin typeface="Cambria Math" panose="02040503050406030204" pitchFamily="18" charset="0"/>
+                                      <a:ea typeface="Cambria Math" panose="02040503050406030204" pitchFamily="18" charset="0"/>
+                                    </a:rPr>
+                                    <m:t>𝛽</m:t>
+                                  </m:r>
+                                </m:sub>
+                                <m:sup>
+                                  <m:r>
+                                    <a:rPr lang="en-US" sz="1800" i="1">
+                                      <a:latin typeface="Cambria Math" panose="02040503050406030204" pitchFamily="18" charset="0"/>
+                                    </a:rPr>
+                                    <m:t>2</m:t>
+                                  </m:r>
+                                </m:sup>
+                              </m:sSubSup>
+                            </m:num>
+                            <m:den>
+                              <m:r>
+                                <a:rPr lang="en-US" sz="1800" i="1">
+                                  <a:latin typeface="Cambria Math" panose="02040503050406030204" pitchFamily="18" charset="0"/>
+                                </a:rPr>
+                                <m:t>𝑛</m:t>
+                              </m:r>
+                            </m:den>
+                          </m:f>
+                        </m:den>
+                      </m:f>
+                    </m:oMath>
+                  </m:oMathPara>
+                </a14:m>
+                <a:endParaRPr lang="en-US" sz="2400" dirty="0"/>
+              </a:p>
+              <a:p>
+                <a:pPr marL="0" indent="0" algn="ctr">
+                  <a:lnSpc>
+                    <a:spcPct val="125000"/>
+                  </a:lnSpc>
+                  <a:spcBef>
+                    <a:spcPts val="0"/>
+                  </a:spcBef>
+                  <a:buNone/>
+                </a:pPr>
+                <a14:m>
+                  <m:oMathPara xmlns:m="http://schemas.openxmlformats.org/officeDocument/2006/math">
+                    <m:oMathParaPr>
+                      <m:jc m:val="left"/>
+                    </m:oMathParaPr>
+                    <m:oMath xmlns:m="http://schemas.openxmlformats.org/officeDocument/2006/math">
+                      <m:sSub>
+                        <m:sSubPr>
+                          <m:ctrlPr>
+                            <a:rPr lang="en-US" sz="1800" b="0" i="1" smtClean="0">
+                              <a:latin typeface="Cambria Math" panose="02040503050406030204" pitchFamily="18" charset="0"/>
+                            </a:rPr>
+                          </m:ctrlPr>
+                        </m:sSubPr>
+                        <m:e>
+                          <m:r>
+                            <a:rPr lang="en-US" sz="1800" b="0" i="1" smtClean="0">
+                              <a:latin typeface="Cambria Math" panose="02040503050406030204" pitchFamily="18" charset="0"/>
+                            </a:rPr>
+                            <m:t>𝐼</m:t>
+                          </m:r>
+                        </m:e>
+                        <m:sub>
+                          <m:r>
+                            <a:rPr lang="en-US" sz="1800" b="0" i="1" smtClean="0">
+                              <a:latin typeface="Cambria Math" panose="02040503050406030204" pitchFamily="18" charset="0"/>
+                              <a:ea typeface="Cambria Math" panose="02040503050406030204" pitchFamily="18" charset="0"/>
+                            </a:rPr>
+                            <m:t>𝛽</m:t>
+                          </m:r>
+                        </m:sub>
+                      </m:sSub>
+                      <m:r>
+                        <a:rPr lang="en-US" sz="1800" b="0" i="1" smtClean="0">
+                          <a:latin typeface="Cambria Math" panose="02040503050406030204" pitchFamily="18" charset="0"/>
+                        </a:rPr>
+                        <m:t>=(</m:t>
+                      </m:r>
+                      <m:sSub>
+                        <m:sSubPr>
+                          <m:ctrlPr>
+                            <a:rPr lang="ru-RU" sz="1800" i="1">
+                              <a:latin typeface="Cambria Math" panose="02040503050406030204" pitchFamily="18" charset="0"/>
+                            </a:rPr>
+                          </m:ctrlPr>
+                        </m:sSubPr>
+                        <m:e>
+                          <m:r>
+                            <a:rPr lang="en-US" sz="1800" i="1">
+                              <a:latin typeface="Cambria Math" panose="02040503050406030204" pitchFamily="18" charset="0"/>
+                            </a:rPr>
+                            <m:t>𝑝</m:t>
+                          </m:r>
+                        </m:e>
+                        <m:sub>
+                          <m:r>
+                            <a:rPr lang="en-US" sz="1800" i="1">
+                              <a:latin typeface="Cambria Math" panose="02040503050406030204" pitchFamily="18" charset="0"/>
+                            </a:rPr>
+                            <m:t>1</m:t>
+                          </m:r>
+                        </m:sub>
+                      </m:sSub>
+                      <m:r>
+                        <a:rPr lang="en-US" sz="1800" b="0" i="1" smtClean="0">
+                          <a:latin typeface="Cambria Math" panose="02040503050406030204" pitchFamily="18" charset="0"/>
+                        </a:rPr>
+                        <m:t>,</m:t>
+                      </m:r>
+                      <m:sSub>
+                        <m:sSubPr>
+                          <m:ctrlPr>
+                            <a:rPr lang="ru-RU" sz="1800" i="1">
+                              <a:latin typeface="Cambria Math" panose="02040503050406030204" pitchFamily="18" charset="0"/>
+                            </a:rPr>
+                          </m:ctrlPr>
+                        </m:sSubPr>
+                        <m:e>
+                          <m:r>
+                            <a:rPr lang="en-US" sz="1800" i="1">
+                              <a:latin typeface="Cambria Math" panose="02040503050406030204" pitchFamily="18" charset="0"/>
+                            </a:rPr>
+                            <m:t>𝑝</m:t>
+                          </m:r>
+                        </m:e>
+                        <m:sub>
+                          <m:r>
+                            <a:rPr lang="en-US" sz="1800" b="0" i="1" smtClean="0">
+                              <a:latin typeface="Cambria Math" panose="02040503050406030204" pitchFamily="18" charset="0"/>
+                            </a:rPr>
+                            <m:t>2</m:t>
+                          </m:r>
+                        </m:sub>
+                      </m:sSub>
+                      <m:r>
+                        <a:rPr lang="en-US" sz="1800" b="0" i="1" smtClean="0">
+                          <a:latin typeface="Cambria Math" panose="02040503050406030204" pitchFamily="18" charset="0"/>
+                        </a:rPr>
+                        <m:t>)</m:t>
+                      </m:r>
+                    </m:oMath>
+                  </m:oMathPara>
+                </a14:m>
+                <a:endParaRPr lang="ru-RU" sz="2400" dirty="0"/>
+              </a:p>
+            </p:txBody>
+          </p:sp>
+        </mc:Choice>
+        <mc:Fallback xmlns="">
+          <p:sp>
+            <p:nvSpPr>
+              <p:cNvPr id="3" name="Текст 2">
+                <a:extLst>
+                  <a:ext uri="{FF2B5EF4-FFF2-40B4-BE49-F238E27FC236}">
+                    <a16:creationId xmlns:a16="http://schemas.microsoft.com/office/drawing/2014/main" id="{D61E6EE7-612C-6C4D-91E9-7670621CB992}"/>
+                  </a:ext>
+                </a:extLst>
+              </p:cNvPr>
+              <p:cNvSpPr>
+                <a:spLocks noGrp="1" noRot="1" noChangeAspect="1" noMove="1" noResize="1" noEditPoints="1" noAdjustHandles="1" noChangeArrowheads="1" noChangeShapeType="1" noTextEdit="1"/>
+              </p:cNvSpPr>
+              <p:nvPr>
+                <p:ph type="body" idx="1"/>
+              </p:nvPr>
+            </p:nvSpPr>
+            <p:spPr>
+              <a:xfrm>
+                <a:off x="457200" y="1600200"/>
+                <a:ext cx="5635256" cy="4967600"/>
+              </a:xfrm>
+              <a:blipFill>
+                <a:blip r:embed="rId2"/>
+                <a:stretch>
+                  <a:fillRect l="-901" b="-2046"/>
+                </a:stretch>
+              </a:blipFill>
+            </p:spPr>
+            <p:txBody>
+              <a:bodyPr/>
+              <a:lstStyle/>
+              <a:p>
+                <a:r>
+                  <a:rPr lang="ru-RU">
+                    <a:noFill/>
+                  </a:rPr>
+                  <a:t> </a:t>
+                </a:r>
+              </a:p>
+            </p:txBody>
+          </p:sp>
+        </mc:Fallback>
+      </mc:AlternateContent>
+      <p:pic>
+        <p:nvPicPr>
+          <p:cNvPr id="6" name="Picture 2">
+            <a:extLst>
+              <a:ext uri="{FF2B5EF4-FFF2-40B4-BE49-F238E27FC236}">
+                <a16:creationId xmlns:a16="http://schemas.microsoft.com/office/drawing/2014/main" id="{E8C5D1B5-ABD5-6C46-B510-CEF9CA30CA88}"/>
+              </a:ext>
+            </a:extLst>
+          </p:cNvPr>
+          <p:cNvPicPr>
+            <a:picLocks noChangeAspect="1" noChangeArrowheads="1"/>
+          </p:cNvPicPr>
+          <p:nvPr/>
+        </p:nvPicPr>
+        <p:blipFill>
+          <a:blip r:embed="rId3">
+            <a:extLst>
+              <a:ext uri="{28A0092B-C50C-407E-A947-70E740481C1C}">
+                <a14:useLocalDpi xmlns:a14="http://schemas.microsoft.com/office/drawing/2010/main" val="0"/>
+              </a:ext>
+            </a:extLst>
+          </a:blip>
+          <a:srcRect/>
+          <a:stretch>
+            <a:fillRect/>
+          </a:stretch>
+        </p:blipFill>
+        <p:spPr bwMode="auto">
+          <a:xfrm>
+            <a:off x="4416322" y="3087877"/>
+            <a:ext cx="4727678" cy="3662286"/>
+          </a:xfrm>
+          <a:prstGeom prst="rect">
+            <a:avLst/>
+          </a:prstGeom>
+          <a:noFill/>
+          <a:extLst>
+            <a:ext uri="{909E8E84-426E-40DD-AFC4-6F175D3DCCD1}">
+              <a14:hiddenFill xmlns:a14="http://schemas.microsoft.com/office/drawing/2010/main">
+                <a:solidFill>
+                  <a:srgbClr val="FFFFFF"/>
+                </a:solidFill>
+              </a14:hiddenFill>
+            </a:ext>
+          </a:extLst>
+        </p:spPr>
+      </p:pic>
+    </p:spTree>
+    <p:extLst>
+      <p:ext uri="{BB962C8B-B14F-4D97-AF65-F5344CB8AC3E}">
+        <p14:creationId xmlns:p14="http://schemas.microsoft.com/office/powerpoint/2010/main" val="3183742717"/>
+      </p:ext>
+    </p:extLst>
+  </p:cSld>
+  <p:clrMapOvr>
+    <a:masterClrMapping/>
+  </p:clrMapOvr>
+</p:sld>
+</file>
+
+<file path=ppt/slides/slide26.xml><?xml version="1.0" encoding="utf-8"?>
+<p:sld xmlns:a="http://schemas.openxmlformats.org/drawingml/2006/main" xmlns:r="http://schemas.openxmlformats.org/officeDocument/2006/relationships" xmlns:p="http://schemas.openxmlformats.org/presentationml/2006/main">
+  <p:cSld>
+    <p:spTree>
+      <p:nvGrpSpPr>
+        <p:cNvPr id="1" name=""/>
+        <p:cNvGrpSpPr/>
+        <p:nvPr/>
+      </p:nvGrpSpPr>
+      <p:grpSpPr>
+        <a:xfrm>
+          <a:off x="0" y="0"/>
+          <a:ext cx="0" cy="0"/>
+          <a:chOff x="0" y="0"/>
+          <a:chExt cx="0" cy="0"/>
+        </a:xfrm>
+      </p:grpSpPr>
+      <p:sp>
+        <p:nvSpPr>
+          <p:cNvPr id="2" name="Заголовок 1">
+            <a:extLst>
+              <a:ext uri="{FF2B5EF4-FFF2-40B4-BE49-F238E27FC236}">
+                <a16:creationId xmlns:a16="http://schemas.microsoft.com/office/drawing/2014/main" id="{45610443-D7A8-6B4B-A106-7860B84E6E57}"/>
+              </a:ext>
+            </a:extLst>
+          </p:cNvPr>
+          <p:cNvSpPr>
+            <a:spLocks noGrp="1"/>
+          </p:cNvSpPr>
+          <p:nvPr>
+            <p:ph type="title"/>
+          </p:nvPr>
+        </p:nvSpPr>
+        <p:spPr/>
+        <p:txBody>
+          <a:bodyPr/>
+          <a:lstStyle/>
+          <a:p>
+            <a:r>
+              <a:rPr lang="ru-RU" dirty="0"/>
+              <a:t>Пример расчета </a:t>
+            </a:r>
+            <a:r>
+              <a:rPr lang="ru-RU" dirty="0" err="1"/>
+              <a:t>дов.интервала</a:t>
+            </a:r>
+            <a:r>
+              <a:rPr lang="ru-RU" dirty="0"/>
+              <a:t> для вероятности</a:t>
+            </a:r>
+          </a:p>
+        </p:txBody>
+      </p:sp>
+      <p:sp>
+        <p:nvSpPr>
+          <p:cNvPr id="3" name="Текст 2">
+            <a:extLst>
+              <a:ext uri="{FF2B5EF4-FFF2-40B4-BE49-F238E27FC236}">
+                <a16:creationId xmlns:a16="http://schemas.microsoft.com/office/drawing/2014/main" id="{76DE488E-8668-E548-AE4C-1DE29D3682E1}"/>
+              </a:ext>
+            </a:extLst>
+          </p:cNvPr>
+          <p:cNvSpPr>
+            <a:spLocks noGrp="1"/>
+          </p:cNvSpPr>
+          <p:nvPr>
+            <p:ph type="body" idx="1"/>
+          </p:nvPr>
+        </p:nvSpPr>
+        <p:spPr/>
+        <p:txBody>
+          <a:bodyPr/>
+          <a:lstStyle/>
+          <a:p>
+            <a:pPr marL="38100" indent="0">
+              <a:buNone/>
+            </a:pPr>
+            <a:r>
+              <a:rPr lang="en" dirty="0">
+                <a:hlinkClick r:id="rId2"/>
+              </a:rPr>
+              <a:t>https://colab.research.google.com/drive/1ORHrjbGAdMKI5WVmlzgcvfBxwUI65ah-</a:t>
+            </a:r>
+            <a:endParaRPr lang="en" dirty="0"/>
+          </a:p>
+          <a:p>
+            <a:pPr marL="38100" indent="0">
+              <a:buNone/>
+            </a:pPr>
+            <a:endParaRPr lang="ru-RU" dirty="0"/>
+          </a:p>
+        </p:txBody>
+      </p:sp>
+    </p:spTree>
+    <p:extLst>
+      <p:ext uri="{BB962C8B-B14F-4D97-AF65-F5344CB8AC3E}">
+        <p14:creationId xmlns:p14="http://schemas.microsoft.com/office/powerpoint/2010/main" val="2021294198"/>
+      </p:ext>
+    </p:extLst>
+  </p:cSld>
+  <p:clrMapOvr>
+    <a:masterClrMapping/>
+  </p:clrMapOvr>
+</p:sld>
+</file>
+
+<file path=ppt/slides/slide27.xml><?xml version="1.0" encoding="utf-8"?>
+<p:sld xmlns:a="http://schemas.openxmlformats.org/drawingml/2006/main" xmlns:r="http://schemas.openxmlformats.org/officeDocument/2006/relationships" xmlns:p="http://schemas.openxmlformats.org/presentationml/2006/main">
+  <p:cSld>
+    <p:spTree>
+      <p:nvGrpSpPr>
+        <p:cNvPr id="1" name=""/>
+        <p:cNvGrpSpPr/>
+        <p:nvPr/>
+      </p:nvGrpSpPr>
+      <p:grpSpPr>
+        <a:xfrm>
+          <a:off x="0" y="0"/>
+          <a:ext cx="0" cy="0"/>
+          <a:chOff x="0" y="0"/>
+          <a:chExt cx="0" cy="0"/>
+        </a:xfrm>
+      </p:grpSpPr>
+      <p:sp>
+        <p:nvSpPr>
+          <p:cNvPr id="2" name="Заголовок 1">
+            <a:extLst>
+              <a:ext uri="{FF2B5EF4-FFF2-40B4-BE49-F238E27FC236}">
+                <a16:creationId xmlns:a16="http://schemas.microsoft.com/office/drawing/2014/main" id="{A4A03171-CE3D-F040-A6E4-D0532717317A}"/>
+              </a:ext>
+            </a:extLst>
+          </p:cNvPr>
+          <p:cNvSpPr>
+            <a:spLocks noGrp="1"/>
+          </p:cNvSpPr>
+          <p:nvPr>
+            <p:ph type="title"/>
+          </p:nvPr>
+        </p:nvSpPr>
+        <p:spPr/>
+        <p:txBody>
+          <a:bodyPr/>
+          <a:lstStyle/>
+          <a:p>
+            <a:r>
+              <a:rPr lang="ru-RU" dirty="0"/>
+              <a:t>Доверительный интервал </a:t>
+            </a:r>
+            <a:r>
+              <a:rPr lang="en-US" i="1" dirty="0"/>
+              <a:t>p</a:t>
+            </a:r>
+            <a:r>
+              <a:rPr lang="en-US" dirty="0"/>
+              <a:t> </a:t>
+            </a:r>
+            <a:r>
+              <a:rPr lang="ru-RU" dirty="0"/>
+              <a:t>для малого числа опытов</a:t>
+            </a:r>
+          </a:p>
+        </p:txBody>
+      </p:sp>
+      <mc:AlternateContent xmlns:mc="http://schemas.openxmlformats.org/markup-compatibility/2006" xmlns:a14="http://schemas.microsoft.com/office/drawing/2010/main">
+        <mc:Choice Requires="a14">
+          <p:sp>
+            <p:nvSpPr>
+              <p:cNvPr id="3" name="Текст 2">
+                <a:extLst>
+                  <a:ext uri="{FF2B5EF4-FFF2-40B4-BE49-F238E27FC236}">
+                    <a16:creationId xmlns:a16="http://schemas.microsoft.com/office/drawing/2014/main" id="{E802127F-4ECD-794B-938E-C584A08AFC8A}"/>
+                  </a:ext>
+                </a:extLst>
+              </p:cNvPr>
+              <p:cNvSpPr>
+                <a:spLocks noGrp="1"/>
+              </p:cNvSpPr>
+              <p:nvPr>
+                <p:ph type="body" idx="1"/>
+              </p:nvPr>
+            </p:nvSpPr>
+            <p:spPr/>
+            <p:txBody>
+              <a:bodyPr/>
+              <a:lstStyle/>
+              <a:p>
+                <a:pPr marL="38100" indent="0">
+                  <a:buNone/>
+                </a:pPr>
+                <a:r>
+                  <a:rPr lang="ru-RU" dirty="0"/>
+                  <a:t>Число наблюдений события (</a:t>
+                </a:r>
+                <a:r>
+                  <a:rPr lang="en-US" i="1" dirty="0">
+                    <a:latin typeface="Cambria Math" panose="02040503050406030204" pitchFamily="18" charset="0"/>
+                    <a:ea typeface="Cambria Math" panose="02040503050406030204" pitchFamily="18" charset="0"/>
+                  </a:rPr>
+                  <a:t>m</a:t>
+                </a:r>
+                <a:r>
+                  <a:rPr lang="ru-RU" dirty="0"/>
+                  <a:t>) в </a:t>
+                </a:r>
+                <a:r>
+                  <a:rPr lang="en-US" i="1" dirty="0">
+                    <a:latin typeface="Cambria Math" panose="02040503050406030204" pitchFamily="18" charset="0"/>
+                    <a:ea typeface="Cambria Math" panose="02040503050406030204" pitchFamily="18" charset="0"/>
+                  </a:rPr>
+                  <a:t>n</a:t>
+                </a:r>
+                <a:r>
+                  <a:rPr lang="en-US" dirty="0"/>
+                  <a:t> </a:t>
+                </a:r>
+                <a:r>
+                  <a:rPr lang="ru-RU" dirty="0"/>
+                  <a:t>опытах распределено по биномиальному закону:</a:t>
+                </a:r>
+                <a:endParaRPr lang="en-US" dirty="0"/>
+              </a:p>
+              <a:p>
+                <a:pPr marL="38100" indent="0">
+                  <a:buNone/>
+                </a:pPr>
+                <a14:m>
+                  <m:oMathPara xmlns:m="http://schemas.openxmlformats.org/officeDocument/2006/math">
+                    <m:oMathParaPr>
+                      <m:jc m:val="centerGroup"/>
+                    </m:oMathParaPr>
+                    <m:oMath xmlns:m="http://schemas.openxmlformats.org/officeDocument/2006/math">
+                      <m:sSub>
+                        <m:sSubPr>
+                          <m:ctrlPr>
+                            <a:rPr lang="ru-RU" i="1" smtClean="0">
+                              <a:latin typeface="Cambria Math" panose="02040503050406030204" pitchFamily="18" charset="0"/>
+                            </a:rPr>
+                          </m:ctrlPr>
+                        </m:sSubPr>
+                        <m:e>
+                          <m:r>
+                            <a:rPr lang="en-US" b="0" i="1" smtClean="0">
+                              <a:latin typeface="Cambria Math" panose="02040503050406030204" pitchFamily="18" charset="0"/>
+                            </a:rPr>
+                            <m:t>𝑃</m:t>
+                          </m:r>
+                        </m:e>
+                        <m:sub>
+                          <m:r>
+                            <a:rPr lang="en-US" b="0" i="1" smtClean="0">
+                              <a:latin typeface="Cambria Math" panose="02040503050406030204" pitchFamily="18" charset="0"/>
+                            </a:rPr>
+                            <m:t>𝑚</m:t>
+                          </m:r>
+                          <m:r>
+                            <a:rPr lang="en-US" b="0" i="1" smtClean="0">
+                              <a:latin typeface="Cambria Math" panose="02040503050406030204" pitchFamily="18" charset="0"/>
+                            </a:rPr>
+                            <m:t>,</m:t>
+                          </m:r>
+                          <m:r>
+                            <a:rPr lang="en-US" b="0" i="1" smtClean="0">
+                              <a:latin typeface="Cambria Math" panose="02040503050406030204" pitchFamily="18" charset="0"/>
+                            </a:rPr>
+                            <m:t>𝑛</m:t>
+                          </m:r>
+                        </m:sub>
+                      </m:sSub>
+                      <m:r>
+                        <a:rPr lang="en-US" b="0" i="1" smtClean="0">
+                          <a:latin typeface="Cambria Math" panose="02040503050406030204" pitchFamily="18" charset="0"/>
+                        </a:rPr>
+                        <m:t>=</m:t>
+                      </m:r>
+                      <m:sSubSup>
+                        <m:sSubSupPr>
+                          <m:ctrlPr>
+                            <a:rPr lang="en-US" b="0" i="1" smtClean="0">
+                              <a:latin typeface="Cambria Math" panose="02040503050406030204" pitchFamily="18" charset="0"/>
+                            </a:rPr>
+                          </m:ctrlPr>
+                        </m:sSubSupPr>
+                        <m:e>
+                          <m:r>
+                            <a:rPr lang="en-US" b="0" i="1" smtClean="0">
+                              <a:latin typeface="Cambria Math" panose="02040503050406030204" pitchFamily="18" charset="0"/>
+                            </a:rPr>
+                            <m:t>𝐶</m:t>
+                          </m:r>
+                        </m:e>
+                        <m:sub>
+                          <m:r>
+                            <a:rPr lang="en-US" b="0" i="1" smtClean="0">
+                              <a:latin typeface="Cambria Math" panose="02040503050406030204" pitchFamily="18" charset="0"/>
+                            </a:rPr>
+                            <m:t>𝑛</m:t>
+                          </m:r>
+                        </m:sub>
+                        <m:sup>
+                          <m:r>
+                            <a:rPr lang="en-US" b="0" i="1" smtClean="0">
+                              <a:latin typeface="Cambria Math" panose="02040503050406030204" pitchFamily="18" charset="0"/>
+                            </a:rPr>
+                            <m:t>𝑚</m:t>
+                          </m:r>
+                        </m:sup>
+                      </m:sSubSup>
+                      <m:sSup>
+                        <m:sSupPr>
+                          <m:ctrlPr>
+                            <a:rPr lang="en-US" b="0" i="1" smtClean="0">
+                              <a:latin typeface="Cambria Math" panose="02040503050406030204" pitchFamily="18" charset="0"/>
+                            </a:rPr>
+                          </m:ctrlPr>
+                        </m:sSupPr>
+                        <m:e>
+                          <m:r>
+                            <a:rPr lang="en-US" b="0" i="1" smtClean="0">
+                              <a:latin typeface="Cambria Math" panose="02040503050406030204" pitchFamily="18" charset="0"/>
+                            </a:rPr>
+                            <m:t>𝑝</m:t>
+                          </m:r>
+                        </m:e>
+                        <m:sup>
+                          <m:r>
+                            <a:rPr lang="en-US" b="0" i="1" smtClean="0">
+                              <a:latin typeface="Cambria Math" panose="02040503050406030204" pitchFamily="18" charset="0"/>
+                            </a:rPr>
+                            <m:t>𝑚</m:t>
+                          </m:r>
+                        </m:sup>
+                      </m:sSup>
+                      <m:sSup>
+                        <m:sSupPr>
+                          <m:ctrlPr>
+                            <a:rPr lang="en-US" b="0" i="1" smtClean="0">
+                              <a:latin typeface="Cambria Math" panose="02040503050406030204" pitchFamily="18" charset="0"/>
+                            </a:rPr>
+                          </m:ctrlPr>
+                        </m:sSupPr>
+                        <m:e>
+                          <m:r>
+                            <a:rPr lang="en-US" b="0" i="1" smtClean="0">
+                              <a:latin typeface="Cambria Math" panose="02040503050406030204" pitchFamily="18" charset="0"/>
+                            </a:rPr>
+                            <m:t>𝑞</m:t>
+                          </m:r>
+                        </m:e>
+                        <m:sup>
+                          <m:r>
+                            <a:rPr lang="en-US" b="0" i="1" smtClean="0">
+                              <a:latin typeface="Cambria Math" panose="02040503050406030204" pitchFamily="18" charset="0"/>
+                            </a:rPr>
+                            <m:t>𝑛</m:t>
+                          </m:r>
+                          <m:r>
+                            <a:rPr lang="en-US" b="0" i="1" smtClean="0">
+                              <a:latin typeface="Cambria Math" panose="02040503050406030204" pitchFamily="18" charset="0"/>
+                            </a:rPr>
+                            <m:t>−</m:t>
+                          </m:r>
+                          <m:r>
+                            <a:rPr lang="en-US" b="0" i="1" smtClean="0">
+                              <a:latin typeface="Cambria Math" panose="02040503050406030204" pitchFamily="18" charset="0"/>
+                            </a:rPr>
+                            <m:t>𝑚</m:t>
+                          </m:r>
+                        </m:sup>
+                      </m:sSup>
+                    </m:oMath>
+                  </m:oMathPara>
+                </a14:m>
+                <a:endParaRPr lang="ru-RU" b="0" dirty="0"/>
+              </a:p>
+              <a:p>
+                <a:pPr marL="38100" indent="0">
+                  <a:buNone/>
+                </a:pPr>
+                <a:r>
+                  <a:rPr lang="ru-RU" dirty="0"/>
+                  <a:t>Распределение не симметрично. </a:t>
+                </a:r>
+              </a:p>
+              <a:p>
+                <a:pPr marL="38100" indent="0">
+                  <a:buNone/>
+                </a:pPr>
+                <a:r>
+                  <a:rPr lang="ru-RU" dirty="0"/>
+                  <a:t>Так как </a:t>
+                </a:r>
+                <a14:m>
+                  <m:oMath xmlns:m="http://schemas.openxmlformats.org/officeDocument/2006/math">
+                    <m:sSub>
+                      <m:sSubPr>
+                        <m:ctrlPr>
+                          <a:rPr lang="ru-RU" i="1" smtClean="0">
+                            <a:latin typeface="Cambria Math" panose="02040503050406030204" pitchFamily="18" charset="0"/>
+                          </a:rPr>
+                        </m:ctrlPr>
+                      </m:sSubPr>
+                      <m:e>
+                        <m:r>
+                          <a:rPr lang="en-US" b="0" i="1" smtClean="0">
+                            <a:latin typeface="Cambria Math" panose="02040503050406030204" pitchFamily="18" charset="0"/>
+                          </a:rPr>
+                          <m:t>𝑃</m:t>
+                        </m:r>
+                      </m:e>
+                      <m:sub>
+                        <m:r>
+                          <a:rPr lang="en-US" b="0" i="1" smtClean="0">
+                            <a:latin typeface="Cambria Math" panose="02040503050406030204" pitchFamily="18" charset="0"/>
+                          </a:rPr>
+                          <m:t>𝑚</m:t>
+                        </m:r>
+                        <m:r>
+                          <a:rPr lang="en-US" b="0" i="1" smtClean="0">
+                            <a:latin typeface="Cambria Math" panose="02040503050406030204" pitchFamily="18" charset="0"/>
+                          </a:rPr>
+                          <m:t>,</m:t>
+                        </m:r>
+                        <m:r>
+                          <a:rPr lang="en-US" b="0" i="1" smtClean="0">
+                            <a:latin typeface="Cambria Math" panose="02040503050406030204" pitchFamily="18" charset="0"/>
+                          </a:rPr>
+                          <m:t>𝑛</m:t>
+                        </m:r>
+                      </m:sub>
+                    </m:sSub>
+                  </m:oMath>
+                </a14:m>
+                <a:r>
+                  <a:rPr lang="ru-RU" dirty="0"/>
+                  <a:t> прерывистая, то интервала в точности соответствующего доверительной вероятности </a:t>
+                </a:r>
+                <a14:m>
+                  <m:oMath xmlns:m="http://schemas.openxmlformats.org/officeDocument/2006/math">
+                    <m:r>
+                      <a:rPr lang="ru-RU" i="1" smtClean="0">
+                        <a:latin typeface="Cambria Math" panose="02040503050406030204" pitchFamily="18" charset="0"/>
+                        <a:ea typeface="Cambria Math" panose="02040503050406030204" pitchFamily="18" charset="0"/>
+                      </a:rPr>
+                      <m:t>𝛽</m:t>
+                    </m:r>
+                  </m:oMath>
+                </a14:m>
+                <a:r>
+                  <a:rPr lang="ru-RU" dirty="0"/>
+                  <a:t> может не существовать. </a:t>
+                </a:r>
+              </a:p>
+              <a:p>
+                <a:pPr marL="38100" indent="0">
+                  <a:buNone/>
+                </a:pPr>
+                <a:r>
+                  <a:rPr lang="ru-RU" dirty="0"/>
+                  <a:t>В качестве </a:t>
+                </a:r>
+                <a14:m>
+                  <m:oMath xmlns:m="http://schemas.openxmlformats.org/officeDocument/2006/math">
+                    <m:sSub>
+                      <m:sSubPr>
+                        <m:ctrlPr>
+                          <a:rPr lang="ru-RU" sz="2800" i="1" smtClean="0">
+                            <a:latin typeface="Cambria Math" panose="02040503050406030204" pitchFamily="18" charset="0"/>
+                          </a:rPr>
+                        </m:ctrlPr>
+                      </m:sSubPr>
+                      <m:e>
+                        <m:r>
+                          <a:rPr lang="en-US" sz="2800" i="1">
+                            <a:latin typeface="Cambria Math" panose="02040503050406030204" pitchFamily="18" charset="0"/>
+                          </a:rPr>
+                          <m:t>𝑝</m:t>
+                        </m:r>
+                      </m:e>
+                      <m:sub>
+                        <m:r>
+                          <a:rPr lang="en-US" sz="2800" i="1">
+                            <a:latin typeface="Cambria Math" panose="02040503050406030204" pitchFamily="18" charset="0"/>
+                          </a:rPr>
+                          <m:t>1</m:t>
+                        </m:r>
+                      </m:sub>
+                    </m:sSub>
+                    <m:r>
+                      <a:rPr lang="en-US" sz="2800" b="0" i="1" smtClean="0">
+                        <a:latin typeface="Cambria Math" panose="02040503050406030204" pitchFamily="18" charset="0"/>
+                      </a:rPr>
+                      <m:t>,</m:t>
+                    </m:r>
+                    <m:sSub>
+                      <m:sSubPr>
+                        <m:ctrlPr>
+                          <a:rPr lang="ru-RU" sz="2800" i="1">
+                            <a:latin typeface="Cambria Math" panose="02040503050406030204" pitchFamily="18" charset="0"/>
+                          </a:rPr>
+                        </m:ctrlPr>
+                      </m:sSubPr>
+                      <m:e>
+                        <m:r>
+                          <a:rPr lang="en-US" sz="2800" i="1">
+                            <a:latin typeface="Cambria Math" panose="02040503050406030204" pitchFamily="18" charset="0"/>
+                          </a:rPr>
+                          <m:t>𝑝</m:t>
+                        </m:r>
+                      </m:e>
+                      <m:sub>
+                        <m:r>
+                          <a:rPr lang="en-US" sz="2800" b="0" i="1" smtClean="0">
+                            <a:latin typeface="Cambria Math" panose="02040503050406030204" pitchFamily="18" charset="0"/>
+                          </a:rPr>
+                          <m:t>2</m:t>
+                        </m:r>
+                      </m:sub>
+                    </m:sSub>
+                  </m:oMath>
+                </a14:m>
+                <a:r>
+                  <a:rPr lang="ru-RU" dirty="0"/>
+                  <a:t> возьмем наименьший интервал, вероятность попасть левее или правее которого будет больше </a:t>
+                </a:r>
+                <a14:m>
+                  <m:oMath xmlns:m="http://schemas.openxmlformats.org/officeDocument/2006/math">
+                    <m:f>
+                      <m:fPr>
+                        <m:type m:val="skw"/>
+                        <m:ctrlPr>
+                          <a:rPr lang="ru-RU" i="1" smtClean="0">
+                            <a:latin typeface="Cambria Math" panose="02040503050406030204" pitchFamily="18" charset="0"/>
+                          </a:rPr>
+                        </m:ctrlPr>
+                      </m:fPr>
+                      <m:num>
+                        <m:r>
+                          <a:rPr lang="ru-RU" i="1" smtClean="0">
+                            <a:latin typeface="Cambria Math" panose="02040503050406030204" pitchFamily="18" charset="0"/>
+                            <a:ea typeface="Cambria Math" panose="02040503050406030204" pitchFamily="18" charset="0"/>
+                          </a:rPr>
+                          <m:t>𝛼</m:t>
+                        </m:r>
+                      </m:num>
+                      <m:den>
+                        <m:r>
+                          <a:rPr lang="ru-RU" b="0" i="1" smtClean="0">
+                            <a:latin typeface="Cambria Math" panose="02040503050406030204" pitchFamily="18" charset="0"/>
+                          </a:rPr>
+                          <m:t>2</m:t>
+                        </m:r>
+                      </m:den>
+                    </m:f>
+                  </m:oMath>
+                </a14:m>
+                <a:r>
+                  <a:rPr lang="ru-RU" dirty="0"/>
+                  <a:t>. </a:t>
+                </a:r>
+                <a14:m>
+                  <m:oMath xmlns:m="http://schemas.openxmlformats.org/officeDocument/2006/math">
+                    <m:r>
+                      <a:rPr lang="ru-RU" i="1">
+                        <a:latin typeface="Cambria Math" panose="02040503050406030204" pitchFamily="18" charset="0"/>
+                        <a:ea typeface="Cambria Math" panose="02040503050406030204" pitchFamily="18" charset="0"/>
+                      </a:rPr>
+                      <m:t>𝛼</m:t>
+                    </m:r>
+                    <m:r>
+                      <a:rPr lang="ru-RU" b="0" i="1" smtClean="0">
+                        <a:latin typeface="Cambria Math" panose="02040503050406030204" pitchFamily="18" charset="0"/>
+                        <a:ea typeface="Cambria Math" panose="02040503050406030204" pitchFamily="18" charset="0"/>
+                      </a:rPr>
+                      <m:t>=1−</m:t>
+                    </m:r>
+                    <m:r>
+                      <a:rPr lang="ru-RU" b="0" i="1" smtClean="0">
+                        <a:latin typeface="Cambria Math" panose="02040503050406030204" pitchFamily="18" charset="0"/>
+                        <a:ea typeface="Cambria Math" panose="02040503050406030204" pitchFamily="18" charset="0"/>
+                      </a:rPr>
+                      <m:t>𝛽</m:t>
+                    </m:r>
+                  </m:oMath>
+                </a14:m>
+                <a:r>
+                  <a:rPr lang="ru-RU" dirty="0"/>
+                  <a:t>.</a:t>
+                </a:r>
+              </a:p>
+            </p:txBody>
+          </p:sp>
+        </mc:Choice>
+        <mc:Fallback xmlns="">
+          <p:sp>
+            <p:nvSpPr>
+              <p:cNvPr id="3" name="Текст 2">
+                <a:extLst>
+                  <a:ext uri="{FF2B5EF4-FFF2-40B4-BE49-F238E27FC236}">
+                    <a16:creationId xmlns:a16="http://schemas.microsoft.com/office/drawing/2014/main" id="{E802127F-4ECD-794B-938E-C584A08AFC8A}"/>
+                  </a:ext>
+                </a:extLst>
+              </p:cNvPr>
+              <p:cNvSpPr>
+                <a:spLocks noGrp="1" noRot="1" noChangeAspect="1" noMove="1" noResize="1" noEditPoints="1" noAdjustHandles="1" noChangeArrowheads="1" noChangeShapeType="1" noTextEdit="1"/>
+              </p:cNvSpPr>
+              <p:nvPr>
+                <p:ph type="body" idx="1"/>
+              </p:nvPr>
+            </p:nvSpPr>
+            <p:spPr>
+              <a:blipFill>
+                <a:blip r:embed="rId2"/>
+                <a:stretch>
+                  <a:fillRect l="-1235" b="-8184"/>
+                </a:stretch>
+              </a:blipFill>
+            </p:spPr>
+            <p:txBody>
+              <a:bodyPr/>
+              <a:lstStyle/>
+              <a:p>
+                <a:r>
+                  <a:rPr lang="ru-RU">
+                    <a:noFill/>
+                  </a:rPr>
+                  <a:t> </a:t>
+                </a:r>
+              </a:p>
+            </p:txBody>
+          </p:sp>
+        </mc:Fallback>
+      </mc:AlternateContent>
+    </p:spTree>
+    <p:extLst>
+      <p:ext uri="{BB962C8B-B14F-4D97-AF65-F5344CB8AC3E}">
+        <p14:creationId xmlns:p14="http://schemas.microsoft.com/office/powerpoint/2010/main" val="3012161407"/>
+      </p:ext>
+    </p:extLst>
+  </p:cSld>
+  <p:clrMapOvr>
+    <a:masterClrMapping/>
+  </p:clrMapOvr>
+</p:sld>
+</file>
+
+<file path=ppt/slides/slide28.xml><?xml version="1.0" encoding="utf-8"?>
+<p:sld xmlns:a="http://schemas.openxmlformats.org/drawingml/2006/main" xmlns:r="http://schemas.openxmlformats.org/officeDocument/2006/relationships" xmlns:p="http://schemas.openxmlformats.org/presentationml/2006/main">
+  <p:cSld>
+    <p:spTree>
+      <p:nvGrpSpPr>
+        <p:cNvPr id="1" name=""/>
+        <p:cNvGrpSpPr/>
+        <p:nvPr/>
+      </p:nvGrpSpPr>
+      <p:grpSpPr>
+        <a:xfrm>
+          <a:off x="0" y="0"/>
+          <a:ext cx="0" cy="0"/>
+          <a:chOff x="0" y="0"/>
+          <a:chExt cx="0" cy="0"/>
+        </a:xfrm>
+      </p:grpSpPr>
+      <p:sp>
+        <p:nvSpPr>
+          <p:cNvPr id="2" name="Заголовок 1">
+            <a:extLst>
+              <a:ext uri="{FF2B5EF4-FFF2-40B4-BE49-F238E27FC236}">
+                <a16:creationId xmlns:a16="http://schemas.microsoft.com/office/drawing/2014/main" id="{0169F3F5-F0FA-6440-A35E-A0F2702B8D73}"/>
+              </a:ext>
+            </a:extLst>
+          </p:cNvPr>
+          <p:cNvSpPr>
+            <a:spLocks noGrp="1"/>
+          </p:cNvSpPr>
+          <p:nvPr>
+            <p:ph type="title"/>
+          </p:nvPr>
+        </p:nvSpPr>
+        <p:spPr/>
+        <p:txBody>
+          <a:bodyPr/>
+          <a:lstStyle/>
+          <a:p>
+            <a:r>
+              <a:rPr lang="ru-RU" dirty="0"/>
+              <a:t>Доверительный интервал </a:t>
+            </a:r>
+            <a:r>
+              <a:rPr lang="en-US" i="1" dirty="0"/>
+              <a:t>p</a:t>
+            </a:r>
+            <a:r>
+              <a:rPr lang="en-US" dirty="0"/>
+              <a:t> </a:t>
+            </a:r>
+            <a:r>
+              <a:rPr lang="ru-RU" dirty="0"/>
+              <a:t>для малого числа опытов</a:t>
+            </a:r>
+            <a:r>
+              <a:rPr lang="en-US" dirty="0"/>
+              <a:t> (2)</a:t>
+            </a:r>
+            <a:endParaRPr lang="ru-RU" dirty="0"/>
+          </a:p>
+        </p:txBody>
+      </p:sp>
+      <mc:AlternateContent xmlns:mc="http://schemas.openxmlformats.org/markup-compatibility/2006" xmlns:a14="http://schemas.microsoft.com/office/drawing/2010/main">
+        <mc:Choice Requires="a14">
+          <p:sp>
+            <p:nvSpPr>
+              <p:cNvPr id="3" name="Текст 2">
+                <a:extLst>
+                  <a:ext uri="{FF2B5EF4-FFF2-40B4-BE49-F238E27FC236}">
+                    <a16:creationId xmlns:a16="http://schemas.microsoft.com/office/drawing/2014/main" id="{65C1B586-5A2C-7043-98EF-617E2ADEBB98}"/>
+                  </a:ext>
+                </a:extLst>
+              </p:cNvPr>
+              <p:cNvSpPr>
+                <a:spLocks noGrp="1"/>
+              </p:cNvSpPr>
+              <p:nvPr>
+                <p:ph type="body" idx="1"/>
+              </p:nvPr>
+            </p:nvSpPr>
+            <p:spPr/>
+            <p:txBody>
+              <a:bodyPr/>
+              <a:lstStyle/>
+              <a:p>
+                <a:pPr marL="38100" indent="0">
+                  <a:lnSpc>
+                    <a:spcPct val="125000"/>
+                  </a:lnSpc>
+                  <a:spcBef>
+                    <a:spcPts val="0"/>
+                  </a:spcBef>
+                  <a:buNone/>
+                </a:pPr>
+                <a14:m>
+                  <m:oMathPara xmlns:m="http://schemas.openxmlformats.org/officeDocument/2006/math">
+                    <m:oMathParaPr>
+                      <m:jc m:val="centerGroup"/>
+                    </m:oMathParaPr>
+                    <m:oMath xmlns:m="http://schemas.openxmlformats.org/officeDocument/2006/math">
+                      <m:nary>
+                        <m:naryPr>
+                          <m:chr m:val="∑"/>
+                          <m:ctrlPr>
+                            <a:rPr lang="en-US" b="0" i="1" smtClean="0">
+                              <a:latin typeface="Cambria Math" panose="02040503050406030204" pitchFamily="18" charset="0"/>
+                            </a:rPr>
+                          </m:ctrlPr>
+                        </m:naryPr>
+                        <m:sub>
+                          <m:r>
+                            <m:rPr>
+                              <m:brk m:alnAt="23"/>
+                            </m:rPr>
+                            <a:rPr lang="en-US" b="0" i="1" smtClean="0">
+                              <a:latin typeface="Cambria Math" panose="02040503050406030204" pitchFamily="18" charset="0"/>
+                            </a:rPr>
+                            <m:t>𝑚</m:t>
+                          </m:r>
+                          <m:r>
+                            <a:rPr lang="en-US" b="0" i="1" smtClean="0">
+                              <a:latin typeface="Cambria Math" panose="02040503050406030204" pitchFamily="18" charset="0"/>
+                            </a:rPr>
+                            <m:t>=</m:t>
+                          </m:r>
+                          <m:r>
+                            <a:rPr lang="en-US" b="0" i="1" smtClean="0">
+                              <a:latin typeface="Cambria Math" panose="02040503050406030204" pitchFamily="18" charset="0"/>
+                            </a:rPr>
+                            <m:t>𝑘</m:t>
+                          </m:r>
+                        </m:sub>
+                        <m:sup>
+                          <m:r>
+                            <a:rPr lang="en-US" b="0" i="1" smtClean="0">
+                              <a:latin typeface="Cambria Math" panose="02040503050406030204" pitchFamily="18" charset="0"/>
+                            </a:rPr>
+                            <m:t>𝑛</m:t>
+                          </m:r>
+                        </m:sup>
+                        <m:e>
+                          <m:sSubSup>
+                            <m:sSubSupPr>
+                              <m:ctrlPr>
+                                <a:rPr lang="en-US" i="1">
+                                  <a:latin typeface="Cambria Math" panose="02040503050406030204" pitchFamily="18" charset="0"/>
+                                </a:rPr>
+                              </m:ctrlPr>
+                            </m:sSubSupPr>
+                            <m:e>
+                              <m:r>
+                                <a:rPr lang="en-US" i="1">
+                                  <a:latin typeface="Cambria Math" panose="02040503050406030204" pitchFamily="18" charset="0"/>
+                                </a:rPr>
+                                <m:t>𝐶</m:t>
+                              </m:r>
+                            </m:e>
+                            <m:sub>
+                              <m:r>
+                                <a:rPr lang="en-US" i="1">
+                                  <a:latin typeface="Cambria Math" panose="02040503050406030204" pitchFamily="18" charset="0"/>
+                                </a:rPr>
+                                <m:t>𝑛</m:t>
+                              </m:r>
+                            </m:sub>
+                            <m:sup>
+                              <m:r>
+                                <a:rPr lang="en-US" i="1">
+                                  <a:latin typeface="Cambria Math" panose="02040503050406030204" pitchFamily="18" charset="0"/>
+                                </a:rPr>
+                                <m:t>𝑚</m:t>
+                              </m:r>
+                            </m:sup>
+                          </m:sSubSup>
+                          <m:sSup>
+                            <m:sSupPr>
+                              <m:ctrlPr>
+                                <a:rPr lang="en-US" i="1">
+                                  <a:latin typeface="Cambria Math" panose="02040503050406030204" pitchFamily="18" charset="0"/>
+                                </a:rPr>
+                              </m:ctrlPr>
+                            </m:sSupPr>
+                            <m:e>
+                              <m:r>
+                                <a:rPr lang="en-US" i="1">
+                                  <a:latin typeface="Cambria Math" panose="02040503050406030204" pitchFamily="18" charset="0"/>
+                                </a:rPr>
+                                <m:t>𝑝</m:t>
+                              </m:r>
+                            </m:e>
+                            <m:sup>
+                              <m:r>
+                                <a:rPr lang="en-US" i="1">
+                                  <a:latin typeface="Cambria Math" panose="02040503050406030204" pitchFamily="18" charset="0"/>
+                                </a:rPr>
+                                <m:t>𝑚</m:t>
+                              </m:r>
+                            </m:sup>
+                          </m:sSup>
+                          <m:sSup>
+                            <m:sSupPr>
+                              <m:ctrlPr>
+                                <a:rPr lang="en-US" i="1">
+                                  <a:latin typeface="Cambria Math" panose="02040503050406030204" pitchFamily="18" charset="0"/>
+                                </a:rPr>
+                              </m:ctrlPr>
+                            </m:sSupPr>
+                            <m:e>
+                              <m:r>
+                                <a:rPr lang="en-US" b="0" i="1" smtClean="0">
+                                  <a:latin typeface="Cambria Math" panose="02040503050406030204" pitchFamily="18" charset="0"/>
+                                </a:rPr>
+                                <m:t>(1−</m:t>
+                              </m:r>
+                              <m:r>
+                                <a:rPr lang="en-US" b="0" i="1" smtClean="0">
+                                  <a:latin typeface="Cambria Math" panose="02040503050406030204" pitchFamily="18" charset="0"/>
+                                </a:rPr>
+                                <m:t>𝑝</m:t>
+                              </m:r>
+                              <m:r>
+                                <a:rPr lang="en-US" b="0" i="1" smtClean="0">
+                                  <a:latin typeface="Cambria Math" panose="02040503050406030204" pitchFamily="18" charset="0"/>
+                                </a:rPr>
+                                <m:t>)</m:t>
+                              </m:r>
+                            </m:e>
+                            <m:sup>
+                              <m:r>
+                                <a:rPr lang="en-US" i="1">
+                                  <a:latin typeface="Cambria Math" panose="02040503050406030204" pitchFamily="18" charset="0"/>
+                                </a:rPr>
+                                <m:t>𝑛</m:t>
+                              </m:r>
+                              <m:r>
+                                <a:rPr lang="en-US" i="1">
+                                  <a:latin typeface="Cambria Math" panose="02040503050406030204" pitchFamily="18" charset="0"/>
+                                </a:rPr>
+                                <m:t>−</m:t>
+                              </m:r>
+                              <m:r>
+                                <a:rPr lang="en-US" i="1">
+                                  <a:latin typeface="Cambria Math" panose="02040503050406030204" pitchFamily="18" charset="0"/>
+                                </a:rPr>
+                                <m:t>𝑚</m:t>
+                              </m:r>
+                            </m:sup>
+                          </m:sSup>
+                        </m:e>
+                      </m:nary>
+                      <m:r>
+                        <a:rPr lang="en-US" b="0" i="1" smtClean="0">
+                          <a:latin typeface="Cambria Math" panose="02040503050406030204" pitchFamily="18" charset="0"/>
+                        </a:rPr>
+                        <m:t>=</m:t>
+                      </m:r>
+                      <m:f>
+                        <m:fPr>
+                          <m:ctrlPr>
+                            <a:rPr lang="en-US" b="0" i="1" smtClean="0">
+                              <a:latin typeface="Cambria Math" panose="02040503050406030204" pitchFamily="18" charset="0"/>
+                            </a:rPr>
+                          </m:ctrlPr>
+                        </m:fPr>
+                        <m:num>
+                          <m:r>
+                            <a:rPr lang="en-US" b="0" i="1" smtClean="0">
+                              <a:latin typeface="Cambria Math" panose="02040503050406030204" pitchFamily="18" charset="0"/>
+                              <a:ea typeface="Cambria Math" panose="02040503050406030204" pitchFamily="18" charset="0"/>
+                            </a:rPr>
+                            <m:t>𝛼</m:t>
+                          </m:r>
+                        </m:num>
+                        <m:den>
+                          <m:r>
+                            <a:rPr lang="en-US" b="0" i="1" smtClean="0">
+                              <a:latin typeface="Cambria Math" panose="02040503050406030204" pitchFamily="18" charset="0"/>
+                            </a:rPr>
+                            <m:t>2</m:t>
+                          </m:r>
+                        </m:den>
+                      </m:f>
+                    </m:oMath>
+                  </m:oMathPara>
+                </a14:m>
+                <a:endParaRPr lang="en-US" dirty="0"/>
+              </a:p>
+              <a:p>
+                <a:pPr marL="38100" indent="0">
+                  <a:lnSpc>
+                    <a:spcPct val="125000"/>
+                  </a:lnSpc>
+                  <a:spcBef>
+                    <a:spcPts val="0"/>
+                  </a:spcBef>
+                  <a:buNone/>
+                </a:pPr>
+                <a14:m>
+                  <m:oMathPara xmlns:m="http://schemas.openxmlformats.org/officeDocument/2006/math">
+                    <m:oMathParaPr>
+                      <m:jc m:val="centerGroup"/>
+                    </m:oMathParaPr>
+                    <m:oMath xmlns:m="http://schemas.openxmlformats.org/officeDocument/2006/math">
+                      <m:nary>
+                        <m:naryPr>
+                          <m:chr m:val="∑"/>
+                          <m:ctrlPr>
+                            <a:rPr lang="en-US" b="0" i="1" smtClean="0">
+                              <a:latin typeface="Cambria Math" panose="02040503050406030204" pitchFamily="18" charset="0"/>
+                            </a:rPr>
+                          </m:ctrlPr>
+                        </m:naryPr>
+                        <m:sub>
+                          <m:r>
+                            <m:rPr>
+                              <m:brk m:alnAt="23"/>
+                            </m:rPr>
+                            <a:rPr lang="en-US" b="0" i="1" smtClean="0">
+                              <a:latin typeface="Cambria Math" panose="02040503050406030204" pitchFamily="18" charset="0"/>
+                            </a:rPr>
+                            <m:t>𝑚</m:t>
+                          </m:r>
+                          <m:r>
+                            <a:rPr lang="en-US" b="0" i="1" smtClean="0">
+                              <a:latin typeface="Cambria Math" panose="02040503050406030204" pitchFamily="18" charset="0"/>
+                            </a:rPr>
+                            <m:t>=0</m:t>
+                          </m:r>
+                        </m:sub>
+                        <m:sup>
+                          <m:r>
+                            <a:rPr lang="en-US" b="0" i="1" smtClean="0">
+                              <a:latin typeface="Cambria Math" panose="02040503050406030204" pitchFamily="18" charset="0"/>
+                            </a:rPr>
+                            <m:t>𝑘</m:t>
+                          </m:r>
+                        </m:sup>
+                        <m:e>
+                          <m:sSubSup>
+                            <m:sSubSupPr>
+                              <m:ctrlPr>
+                                <a:rPr lang="en-US" i="1">
+                                  <a:latin typeface="Cambria Math" panose="02040503050406030204" pitchFamily="18" charset="0"/>
+                                </a:rPr>
+                              </m:ctrlPr>
+                            </m:sSubSupPr>
+                            <m:e>
+                              <m:r>
+                                <a:rPr lang="en-US" i="1">
+                                  <a:latin typeface="Cambria Math" panose="02040503050406030204" pitchFamily="18" charset="0"/>
+                                </a:rPr>
+                                <m:t>𝐶</m:t>
+                              </m:r>
+                            </m:e>
+                            <m:sub>
+                              <m:r>
+                                <a:rPr lang="en-US" i="1">
+                                  <a:latin typeface="Cambria Math" panose="02040503050406030204" pitchFamily="18" charset="0"/>
+                                </a:rPr>
+                                <m:t>𝑛</m:t>
+                              </m:r>
+                            </m:sub>
+                            <m:sup>
+                              <m:r>
+                                <a:rPr lang="en-US" i="1">
+                                  <a:latin typeface="Cambria Math" panose="02040503050406030204" pitchFamily="18" charset="0"/>
+                                </a:rPr>
+                                <m:t>𝑚</m:t>
+                              </m:r>
+                            </m:sup>
+                          </m:sSubSup>
+                          <m:sSup>
+                            <m:sSupPr>
+                              <m:ctrlPr>
+                                <a:rPr lang="en-US" i="1">
+                                  <a:latin typeface="Cambria Math" panose="02040503050406030204" pitchFamily="18" charset="0"/>
+                                </a:rPr>
+                              </m:ctrlPr>
+                            </m:sSupPr>
+                            <m:e>
+                              <m:r>
+                                <a:rPr lang="en-US" i="1">
+                                  <a:latin typeface="Cambria Math" panose="02040503050406030204" pitchFamily="18" charset="0"/>
+                                </a:rPr>
+                                <m:t>𝑝</m:t>
+                              </m:r>
+                            </m:e>
+                            <m:sup>
+                              <m:r>
+                                <a:rPr lang="en-US" i="1">
+                                  <a:latin typeface="Cambria Math" panose="02040503050406030204" pitchFamily="18" charset="0"/>
+                                </a:rPr>
+                                <m:t>𝑚</m:t>
+                              </m:r>
+                            </m:sup>
+                          </m:sSup>
+                          <m:sSup>
+                            <m:sSupPr>
+                              <m:ctrlPr>
+                                <a:rPr lang="en-US" i="1">
+                                  <a:latin typeface="Cambria Math" panose="02040503050406030204" pitchFamily="18" charset="0"/>
+                                </a:rPr>
+                              </m:ctrlPr>
+                            </m:sSupPr>
+                            <m:e>
+                              <m:r>
+                                <a:rPr lang="en-US" b="0" i="1" smtClean="0">
+                                  <a:latin typeface="Cambria Math" panose="02040503050406030204" pitchFamily="18" charset="0"/>
+                                </a:rPr>
+                                <m:t>(1−</m:t>
+                              </m:r>
+                              <m:r>
+                                <a:rPr lang="en-US" b="0" i="1" smtClean="0">
+                                  <a:latin typeface="Cambria Math" panose="02040503050406030204" pitchFamily="18" charset="0"/>
+                                </a:rPr>
+                                <m:t>𝑝</m:t>
+                              </m:r>
+                              <m:r>
+                                <a:rPr lang="en-US" b="0" i="1" smtClean="0">
+                                  <a:latin typeface="Cambria Math" panose="02040503050406030204" pitchFamily="18" charset="0"/>
+                                </a:rPr>
+                                <m:t>)</m:t>
+                              </m:r>
+                            </m:e>
+                            <m:sup>
+                              <m:r>
+                                <a:rPr lang="en-US" i="1">
+                                  <a:latin typeface="Cambria Math" panose="02040503050406030204" pitchFamily="18" charset="0"/>
+                                </a:rPr>
+                                <m:t>𝑛</m:t>
+                              </m:r>
+                              <m:r>
+                                <a:rPr lang="en-US" i="1">
+                                  <a:latin typeface="Cambria Math" panose="02040503050406030204" pitchFamily="18" charset="0"/>
+                                </a:rPr>
+                                <m:t>−</m:t>
+                              </m:r>
+                              <m:r>
+                                <a:rPr lang="en-US" i="1">
+                                  <a:latin typeface="Cambria Math" panose="02040503050406030204" pitchFamily="18" charset="0"/>
+                                </a:rPr>
+                                <m:t>𝑚</m:t>
+                              </m:r>
+                            </m:sup>
+                          </m:sSup>
+                        </m:e>
+                      </m:nary>
+                      <m:r>
+                        <a:rPr lang="en-US" b="0" i="1" smtClean="0">
+                          <a:latin typeface="Cambria Math" panose="02040503050406030204" pitchFamily="18" charset="0"/>
+                        </a:rPr>
+                        <m:t>=</m:t>
+                      </m:r>
+                      <m:f>
+                        <m:fPr>
+                          <m:ctrlPr>
+                            <a:rPr lang="en-US" b="0" i="1" smtClean="0">
+                              <a:latin typeface="Cambria Math" panose="02040503050406030204" pitchFamily="18" charset="0"/>
+                            </a:rPr>
+                          </m:ctrlPr>
+                        </m:fPr>
+                        <m:num>
+                          <m:r>
+                            <a:rPr lang="en-US" b="0" i="1" smtClean="0">
+                              <a:latin typeface="Cambria Math" panose="02040503050406030204" pitchFamily="18" charset="0"/>
+                              <a:ea typeface="Cambria Math" panose="02040503050406030204" pitchFamily="18" charset="0"/>
+                            </a:rPr>
+                            <m:t>𝛼</m:t>
+                          </m:r>
+                        </m:num>
+                        <m:den>
+                          <m:r>
+                            <a:rPr lang="en-US" b="0" i="1" smtClean="0">
+                              <a:latin typeface="Cambria Math" panose="02040503050406030204" pitchFamily="18" charset="0"/>
+                            </a:rPr>
+                            <m:t>2</m:t>
+                          </m:r>
+                        </m:den>
+                      </m:f>
+                    </m:oMath>
+                  </m:oMathPara>
+                </a14:m>
+                <a:endParaRPr lang="en-US" dirty="0"/>
+              </a:p>
+              <a:p>
+                <a:pPr marL="38100" indent="0">
+                  <a:lnSpc>
+                    <a:spcPct val="125000"/>
+                  </a:lnSpc>
+                  <a:spcBef>
+                    <a:spcPts val="0"/>
+                  </a:spcBef>
+                  <a:buNone/>
+                </a:pPr>
+                <a14:m>
+                  <m:oMathPara xmlns:m="http://schemas.openxmlformats.org/officeDocument/2006/math">
+                    <m:oMathParaPr>
+                      <m:jc m:val="centerGroup"/>
+                    </m:oMathParaPr>
+                    <m:oMath xmlns:m="http://schemas.openxmlformats.org/officeDocument/2006/math">
+                      <m:r>
+                        <a:rPr lang="en-US" b="0" i="1" smtClean="0">
+                          <a:latin typeface="Cambria Math" panose="02040503050406030204" pitchFamily="18" charset="0"/>
+                        </a:rPr>
+                        <m:t>𝑘</m:t>
+                      </m:r>
+                      <m:r>
+                        <a:rPr lang="en-US" b="0" i="1" smtClean="0">
+                          <a:latin typeface="Cambria Math" panose="02040503050406030204" pitchFamily="18" charset="0"/>
+                        </a:rPr>
+                        <m:t>=</m:t>
+                      </m:r>
+                      <m:r>
+                        <a:rPr lang="en-US" b="0" i="1" smtClean="0">
+                          <a:latin typeface="Cambria Math" panose="02040503050406030204" pitchFamily="18" charset="0"/>
+                        </a:rPr>
+                        <m:t>𝑛</m:t>
+                      </m:r>
+                      <m:sSup>
+                        <m:sSupPr>
+                          <m:ctrlPr>
+                            <a:rPr lang="ru-RU" i="1">
+                              <a:latin typeface="Cambria Math" panose="02040503050406030204" pitchFamily="18" charset="0"/>
+                            </a:rPr>
+                          </m:ctrlPr>
+                        </m:sSupPr>
+                        <m:e>
+                          <m:r>
+                            <a:rPr lang="en-US" i="1">
+                              <a:latin typeface="Cambria Math" panose="02040503050406030204" pitchFamily="18" charset="0"/>
+                            </a:rPr>
+                            <m:t>𝑝</m:t>
+                          </m:r>
+                        </m:e>
+                        <m:sup>
+                          <m:r>
+                            <a:rPr lang="en-US" i="1">
+                              <a:latin typeface="Cambria Math" panose="02040503050406030204" pitchFamily="18" charset="0"/>
+                            </a:rPr>
+                            <m:t>∗</m:t>
+                          </m:r>
+                        </m:sup>
+                      </m:sSup>
+                    </m:oMath>
+                  </m:oMathPara>
+                </a14:m>
+                <a:endParaRPr lang="en-US" dirty="0"/>
+              </a:p>
+              <a:p>
+                <a:pPr marL="38100" indent="0">
+                  <a:lnSpc>
+                    <a:spcPct val="125000"/>
+                  </a:lnSpc>
+                  <a:spcBef>
+                    <a:spcPts val="0"/>
+                  </a:spcBef>
+                  <a:buNone/>
+                </a:pPr>
+                <a:endParaRPr lang="ru-RU" dirty="0"/>
+              </a:p>
+            </p:txBody>
+          </p:sp>
+        </mc:Choice>
+        <mc:Fallback xmlns="">
+          <p:sp>
+            <p:nvSpPr>
+              <p:cNvPr id="3" name="Текст 2">
+                <a:extLst>
+                  <a:ext uri="{FF2B5EF4-FFF2-40B4-BE49-F238E27FC236}">
+                    <a16:creationId xmlns:a16="http://schemas.microsoft.com/office/drawing/2014/main" id="{65C1B586-5A2C-7043-98EF-617E2ADEBB98}"/>
+                  </a:ext>
+                </a:extLst>
+              </p:cNvPr>
+              <p:cNvSpPr>
+                <a:spLocks noGrp="1" noRot="1" noChangeAspect="1" noMove="1" noResize="1" noEditPoints="1" noAdjustHandles="1" noChangeArrowheads="1" noChangeShapeType="1" noTextEdit="1"/>
+              </p:cNvSpPr>
+              <p:nvPr>
+                <p:ph type="body" idx="1"/>
+              </p:nvPr>
+            </p:nvSpPr>
+            <p:spPr>
+              <a:blipFill>
+                <a:blip r:embed="rId2"/>
+                <a:stretch>
+                  <a:fillRect t="-20716" b="-4859"/>
+                </a:stretch>
+              </a:blipFill>
+            </p:spPr>
+            <p:txBody>
+              <a:bodyPr/>
+              <a:lstStyle/>
+              <a:p>
+                <a:r>
+                  <a:rPr lang="ru-RU">
+                    <a:noFill/>
+                  </a:rPr>
+                  <a:t> </a:t>
+                </a:r>
+              </a:p>
+            </p:txBody>
+          </p:sp>
+        </mc:Fallback>
+      </mc:AlternateContent>
+    </p:spTree>
+    <p:extLst>
+      <p:ext uri="{BB962C8B-B14F-4D97-AF65-F5344CB8AC3E}">
+        <p14:creationId xmlns:p14="http://schemas.microsoft.com/office/powerpoint/2010/main" val="3542161014"/>
+      </p:ext>
+    </p:extLst>
+  </p:cSld>
+  <p:clrMapOvr>
+    <a:masterClrMapping/>
+  </p:clrMapOvr>
+</p:sld>
+</file>
+
+<file path=ppt/slides/slide29.xml><?xml version="1.0" encoding="utf-8"?>
+<p:sld xmlns:a="http://schemas.openxmlformats.org/drawingml/2006/main" xmlns:r="http://schemas.openxmlformats.org/officeDocument/2006/relationships" xmlns:p="http://schemas.openxmlformats.org/presentationml/2006/main">
+  <p:cSld>
+    <p:spTree>
+      <p:nvGrpSpPr>
+        <p:cNvPr id="1" name=""/>
+        <p:cNvGrpSpPr/>
+        <p:nvPr/>
+      </p:nvGrpSpPr>
+      <p:grpSpPr>
+        <a:xfrm>
+          <a:off x="0" y="0"/>
+          <a:ext cx="0" cy="0"/>
+          <a:chOff x="0" y="0"/>
+          <a:chExt cx="0" cy="0"/>
+        </a:xfrm>
+      </p:grpSpPr>
+      <p:sp>
+        <p:nvSpPr>
+          <p:cNvPr id="2" name="Заголовок 1">
+            <a:extLst>
+              <a:ext uri="{FF2B5EF4-FFF2-40B4-BE49-F238E27FC236}">
+                <a16:creationId xmlns:a16="http://schemas.microsoft.com/office/drawing/2014/main" id="{F7B12AF6-7BCB-3542-B4BC-4E45BCAC80EE}"/>
+              </a:ext>
+            </a:extLst>
+          </p:cNvPr>
+          <p:cNvSpPr>
+            <a:spLocks noGrp="1"/>
+          </p:cNvSpPr>
+          <p:nvPr>
+            <p:ph type="title"/>
+          </p:nvPr>
+        </p:nvSpPr>
+        <p:spPr/>
+        <p:txBody>
+          <a:bodyPr/>
+          <a:lstStyle/>
+          <a:p>
+            <a:r>
+              <a:rPr lang="ru-RU" dirty="0"/>
+              <a:t>Пример расчета </a:t>
+            </a:r>
+            <a:r>
+              <a:rPr lang="ru-RU" dirty="0" err="1"/>
+              <a:t>дов.интервала</a:t>
+            </a:r>
+            <a:r>
+              <a:rPr lang="ru-RU" dirty="0"/>
+              <a:t> для </a:t>
+            </a:r>
+            <a:r>
+              <a:rPr lang="en-US" i="1" dirty="0">
+                <a:latin typeface="Cambria Math" panose="02040503050406030204" pitchFamily="18" charset="0"/>
+                <a:ea typeface="Cambria Math" panose="02040503050406030204" pitchFamily="18" charset="0"/>
+              </a:rPr>
+              <a:t>p</a:t>
+            </a:r>
+            <a:r>
+              <a:rPr lang="en-US" dirty="0"/>
+              <a:t> </a:t>
+            </a:r>
+            <a:r>
+              <a:rPr lang="ru-RU" dirty="0"/>
+              <a:t>для малого числа опытов</a:t>
+            </a:r>
+          </a:p>
+        </p:txBody>
+      </p:sp>
+      <p:sp>
+        <p:nvSpPr>
+          <p:cNvPr id="3" name="Текст 2">
+            <a:extLst>
+              <a:ext uri="{FF2B5EF4-FFF2-40B4-BE49-F238E27FC236}">
+                <a16:creationId xmlns:a16="http://schemas.microsoft.com/office/drawing/2014/main" id="{BE201E9A-3231-854D-868E-3196800C2C2A}"/>
+              </a:ext>
+            </a:extLst>
+          </p:cNvPr>
+          <p:cNvSpPr>
+            <a:spLocks noGrp="1"/>
+          </p:cNvSpPr>
+          <p:nvPr>
+            <p:ph type="body" idx="1"/>
+          </p:nvPr>
+        </p:nvSpPr>
+        <p:spPr/>
+        <p:txBody>
+          <a:bodyPr/>
+          <a:lstStyle/>
+          <a:p>
+            <a:pPr marL="38100" indent="0">
+              <a:buNone/>
+            </a:pPr>
+            <a:r>
+              <a:rPr lang="en" dirty="0">
+                <a:hlinkClick r:id="rId2"/>
+              </a:rPr>
+              <a:t>https://colab.research.google.com/drive/1ORHrjbGAdMKI5WVmlzgcvfBxwUI65ah-</a:t>
+            </a:r>
+            <a:endParaRPr lang="en" dirty="0"/>
+          </a:p>
+          <a:p>
+            <a:pPr marL="38100" indent="0">
+              <a:buNone/>
+            </a:pPr>
+            <a:endParaRPr lang="ru-RU" dirty="0"/>
+          </a:p>
+        </p:txBody>
+      </p:sp>
+    </p:spTree>
+    <p:extLst>
+      <p:ext uri="{BB962C8B-B14F-4D97-AF65-F5344CB8AC3E}">
+        <p14:creationId xmlns:p14="http://schemas.microsoft.com/office/powerpoint/2010/main" val="2508667801"/>
       </p:ext>
     </p:extLst>
   </p:cSld>
@@ -13800,7 +18592,7 @@
                 </a:pPr>
                 <a:r>
                   <a:rPr lang="ru-RU" dirty="0"/>
-                  <a:t>Нужно найти </a:t>
+                  <a:t>Требуется найти </a:t>
                 </a:r>
                 <a14:m>
                   <m:oMath xmlns:m="http://schemas.openxmlformats.org/officeDocument/2006/math">
@@ -13826,13 +18618,8 @@
                 </a14:m>
                 <a:r>
                   <a:rPr lang="ru-RU" dirty="0"/>
-                  <a:t> удовлетворяющую требованиям на следующем </a:t>
+                  <a:t> удовлетворяющую требованиям на следующем слайде</a:t>
                 </a:r>
-                <a:r>
-                  <a:rPr lang="ru-RU" dirty="0" err="1"/>
-                  <a:t>слайте</a:t>
-                </a:r>
-                <a:endParaRPr lang="ru-RU" dirty="0"/>
               </a:p>
             </p:txBody>
           </p:sp>
@@ -13881,6 +18668,1806 @@
     <p:extLst>
       <p:ext uri="{BB962C8B-B14F-4D97-AF65-F5344CB8AC3E}">
         <p14:creationId xmlns:p14="http://schemas.microsoft.com/office/powerpoint/2010/main" val="816724715"/>
+      </p:ext>
+    </p:extLst>
+  </p:cSld>
+  <p:clrMapOvr>
+    <a:masterClrMapping/>
+  </p:clrMapOvr>
+</p:sld>
+</file>
+
+<file path=ppt/slides/slide30.xml><?xml version="1.0" encoding="utf-8"?>
+<p:sld xmlns:a="http://schemas.openxmlformats.org/drawingml/2006/main" xmlns:r="http://schemas.openxmlformats.org/officeDocument/2006/relationships" xmlns:p="http://schemas.openxmlformats.org/presentationml/2006/main">
+  <p:cSld>
+    <p:spTree>
+      <p:nvGrpSpPr>
+        <p:cNvPr id="1" name=""/>
+        <p:cNvGrpSpPr/>
+        <p:nvPr/>
+      </p:nvGrpSpPr>
+      <p:grpSpPr>
+        <a:xfrm>
+          <a:off x="0" y="0"/>
+          <a:ext cx="0" cy="0"/>
+          <a:chOff x="0" y="0"/>
+          <a:chExt cx="0" cy="0"/>
+        </a:xfrm>
+      </p:grpSpPr>
+      <p:sp>
+        <p:nvSpPr>
+          <p:cNvPr id="2" name="Заголовок 1">
+            <a:extLst>
+              <a:ext uri="{FF2B5EF4-FFF2-40B4-BE49-F238E27FC236}">
+                <a16:creationId xmlns:a16="http://schemas.microsoft.com/office/drawing/2014/main" id="{6C083ADB-40EA-4545-8DB0-5F36C613114C}"/>
+              </a:ext>
+            </a:extLst>
+          </p:cNvPr>
+          <p:cNvSpPr>
+            <a:spLocks noGrp="1"/>
+          </p:cNvSpPr>
+          <p:nvPr>
+            <p:ph type="title"/>
+          </p:nvPr>
+        </p:nvSpPr>
+        <p:spPr/>
+        <p:txBody>
+          <a:bodyPr/>
+          <a:lstStyle/>
+          <a:p>
+            <a:r>
+              <a:rPr lang="ru-RU" dirty="0"/>
+              <a:t>Расчет необходимого числа опытов</a:t>
+            </a:r>
+          </a:p>
+        </p:txBody>
+      </p:sp>
+      <p:pic>
+        <p:nvPicPr>
+          <p:cNvPr id="2052" name="Picture 4">
+            <a:extLst>
+              <a:ext uri="{FF2B5EF4-FFF2-40B4-BE49-F238E27FC236}">
+                <a16:creationId xmlns:a16="http://schemas.microsoft.com/office/drawing/2014/main" id="{8B2377C9-54DD-7B4F-8572-2F49139190BB}"/>
+              </a:ext>
+            </a:extLst>
+          </p:cNvPr>
+          <p:cNvPicPr>
+            <a:picLocks noChangeAspect="1" noChangeArrowheads="1"/>
+          </p:cNvPicPr>
+          <p:nvPr/>
+        </p:nvPicPr>
+        <p:blipFill>
+          <a:blip r:embed="rId2">
+            <a:extLst>
+              <a:ext uri="{28A0092B-C50C-407E-A947-70E740481C1C}">
+                <a14:useLocalDpi xmlns:a14="http://schemas.microsoft.com/office/drawing/2010/main" val="0"/>
+              </a:ext>
+            </a:extLst>
+          </a:blip>
+          <a:srcRect/>
+          <a:stretch>
+            <a:fillRect/>
+          </a:stretch>
+        </p:blipFill>
+        <p:spPr bwMode="auto">
+          <a:xfrm>
+            <a:off x="2424223" y="2539684"/>
+            <a:ext cx="5677786" cy="4318316"/>
+          </a:xfrm>
+          <a:prstGeom prst="rect">
+            <a:avLst/>
+          </a:prstGeom>
+          <a:noFill/>
+          <a:extLst>
+            <a:ext uri="{909E8E84-426E-40DD-AFC4-6F175D3DCCD1}">
+              <a14:hiddenFill xmlns:a14="http://schemas.microsoft.com/office/drawing/2010/main">
+                <a:solidFill>
+                  <a:srgbClr val="FFFFFF"/>
+                </a:solidFill>
+              </a14:hiddenFill>
+            </a:ext>
+          </a:extLst>
+        </p:spPr>
+      </p:pic>
+      <p:sp>
+        <p:nvSpPr>
+          <p:cNvPr id="7" name="TextBox 6">
+            <a:extLst>
+              <a:ext uri="{FF2B5EF4-FFF2-40B4-BE49-F238E27FC236}">
+                <a16:creationId xmlns:a16="http://schemas.microsoft.com/office/drawing/2014/main" id="{13802B74-2619-8340-BB5E-6D49F875B56C}"/>
+              </a:ext>
+            </a:extLst>
+          </p:cNvPr>
+          <p:cNvSpPr txBox="1"/>
+          <p:nvPr/>
+        </p:nvSpPr>
+        <p:spPr>
+          <a:xfrm>
+            <a:off x="457200" y="1663743"/>
+            <a:ext cx="8314660" cy="830997"/>
+          </a:xfrm>
+          <a:prstGeom prst="rect">
+            <a:avLst/>
+          </a:prstGeom>
+          <a:noFill/>
+        </p:spPr>
+        <p:txBody>
+          <a:bodyPr wrap="square">
+            <a:spAutoFit/>
+          </a:bodyPr>
+          <a:lstStyle/>
+          <a:p>
+            <a:r>
+              <a:rPr lang="ru-RU" sz="1600" b="0" i="0" u="none" strike="noStrike" dirty="0">
+                <a:solidFill>
+                  <a:srgbClr val="212121"/>
+                </a:solidFill>
+                <a:effectLst/>
+                <a:latin typeface="Roboto" panose="020F0502020204030204" pitchFamily="34" charset="0"/>
+              </a:rPr>
+              <a:t>Проведено 25 опытов, в которых событие А произошло 12 раз. Найти ориентировочно число опытов </a:t>
+            </a:r>
+            <a:r>
+              <a:rPr lang="en" sz="1600" b="0" i="0" u="none" strike="noStrike" dirty="0">
+                <a:solidFill>
+                  <a:srgbClr val="212121"/>
+                </a:solidFill>
+                <a:effectLst/>
+                <a:latin typeface="Roboto" panose="020F0502020204030204" pitchFamily="34" charset="0"/>
+              </a:rPr>
+              <a:t>n, </a:t>
+            </a:r>
+            <a:r>
+              <a:rPr lang="ru-RU" sz="1600" b="0" i="0" u="none" strike="noStrike" dirty="0">
+                <a:solidFill>
+                  <a:srgbClr val="212121"/>
+                </a:solidFill>
+                <a:effectLst/>
+                <a:latin typeface="Roboto" panose="020F0502020204030204" pitchFamily="34" charset="0"/>
+              </a:rPr>
+              <a:t>которое понадобится для того, чтобы с вероятностью = 0.9 ошибка от замены вероятности частотой не превзошла 20%.</a:t>
+            </a:r>
+            <a:endParaRPr lang="ru-RU" sz="1600" dirty="0"/>
+          </a:p>
+        </p:txBody>
+      </p:sp>
+      <p:sp>
+        <p:nvSpPr>
+          <p:cNvPr id="9" name="TextBox 8">
+            <a:extLst>
+              <a:ext uri="{FF2B5EF4-FFF2-40B4-BE49-F238E27FC236}">
+                <a16:creationId xmlns:a16="http://schemas.microsoft.com/office/drawing/2014/main" id="{B4476F89-4902-C94F-8C17-54F351C61E29}"/>
+              </a:ext>
+            </a:extLst>
+          </p:cNvPr>
+          <p:cNvSpPr txBox="1"/>
+          <p:nvPr/>
+        </p:nvSpPr>
+        <p:spPr>
+          <a:xfrm>
+            <a:off x="90377" y="5657671"/>
+            <a:ext cx="2700670" cy="1200329"/>
+          </a:xfrm>
+          <a:prstGeom prst="rect">
+            <a:avLst/>
+          </a:prstGeom>
+          <a:noFill/>
+        </p:spPr>
+        <p:txBody>
+          <a:bodyPr wrap="square">
+            <a:spAutoFit/>
+          </a:bodyPr>
+          <a:lstStyle/>
+          <a:p>
+            <a:pPr marL="38100" indent="0">
+              <a:buNone/>
+            </a:pPr>
+            <a:r>
+              <a:rPr lang="en" dirty="0">
+                <a:hlinkClick r:id="rId3"/>
+              </a:rPr>
+              <a:t>https://colab.research.google.com/drive/1ORHrjbGAdMKI5WVmlzgcvfBxwUI65ah-</a:t>
+            </a:r>
+            <a:endParaRPr lang="en" dirty="0"/>
+          </a:p>
+        </p:txBody>
+      </p:sp>
+    </p:spTree>
+    <p:extLst>
+      <p:ext uri="{BB962C8B-B14F-4D97-AF65-F5344CB8AC3E}">
+        <p14:creationId xmlns:p14="http://schemas.microsoft.com/office/powerpoint/2010/main" val="3938055453"/>
+      </p:ext>
+    </p:extLst>
+  </p:cSld>
+  <p:clrMapOvr>
+    <a:masterClrMapping/>
+  </p:clrMapOvr>
+</p:sld>
+</file>
+
+<file path=ppt/slides/slide31.xml><?xml version="1.0" encoding="utf-8"?>
+<p:sld xmlns:a="http://schemas.openxmlformats.org/drawingml/2006/main" xmlns:r="http://schemas.openxmlformats.org/officeDocument/2006/relationships" xmlns:p="http://schemas.openxmlformats.org/presentationml/2006/main">
+  <p:cSld>
+    <p:spTree>
+      <p:nvGrpSpPr>
+        <p:cNvPr id="1" name=""/>
+        <p:cNvGrpSpPr/>
+        <p:nvPr/>
+      </p:nvGrpSpPr>
+      <p:grpSpPr>
+        <a:xfrm>
+          <a:off x="0" y="0"/>
+          <a:ext cx="0" cy="0"/>
+          <a:chOff x="0" y="0"/>
+          <a:chExt cx="0" cy="0"/>
+        </a:xfrm>
+      </p:grpSpPr>
+      <p:sp>
+        <p:nvSpPr>
+          <p:cNvPr id="2" name="Заголовок 1">
+            <a:extLst>
+              <a:ext uri="{FF2B5EF4-FFF2-40B4-BE49-F238E27FC236}">
+                <a16:creationId xmlns:a16="http://schemas.microsoft.com/office/drawing/2014/main" id="{953421D8-99BA-DA4B-AAA5-A0FA5603AA66}"/>
+              </a:ext>
+            </a:extLst>
+          </p:cNvPr>
+          <p:cNvSpPr>
+            <a:spLocks noGrp="1"/>
+          </p:cNvSpPr>
+          <p:nvPr>
+            <p:ph type="title"/>
+          </p:nvPr>
+        </p:nvSpPr>
+        <p:spPr/>
+        <p:txBody>
+          <a:bodyPr/>
+          <a:lstStyle/>
+          <a:p>
+            <a:r>
+              <a:rPr lang="ru-RU" dirty="0"/>
+              <a:t>Расчет необходимого числа опытов (2)</a:t>
+            </a:r>
+          </a:p>
+        </p:txBody>
+      </p:sp>
+      <p:sp>
+        <p:nvSpPr>
+          <p:cNvPr id="3" name="Текст 2">
+            <a:extLst>
+              <a:ext uri="{FF2B5EF4-FFF2-40B4-BE49-F238E27FC236}">
+                <a16:creationId xmlns:a16="http://schemas.microsoft.com/office/drawing/2014/main" id="{DFA68E7E-4A84-154A-AE00-F3FD5D7CF0F8}"/>
+              </a:ext>
+            </a:extLst>
+          </p:cNvPr>
+          <p:cNvSpPr>
+            <a:spLocks noGrp="1"/>
+          </p:cNvSpPr>
+          <p:nvPr>
+            <p:ph type="body" idx="1"/>
+          </p:nvPr>
+        </p:nvSpPr>
+        <p:spPr/>
+        <p:txBody>
+          <a:bodyPr/>
+          <a:lstStyle/>
+          <a:p>
+            <a:r>
+              <a:rPr lang="ru-RU" sz="1800" dirty="0">
+                <a:latin typeface="LucidaSansUnicode"/>
+              </a:rPr>
+              <a:t>П</a:t>
+            </a:r>
+            <a:r>
+              <a:rPr lang="ru-RU" sz="1800" dirty="0">
+                <a:effectLst/>
+                <a:latin typeface="LucidaSansUnicode"/>
+              </a:rPr>
+              <a:t>осле выполнения потребного числа опытов может понадобиться новая проверка точности определения вероятности по частоте, так как будет получено в общем случае уже другое значение частоты р*, отличное от наблюденного в ранее проведенных опытах. </a:t>
+            </a:r>
+          </a:p>
+          <a:p>
+            <a:r>
+              <a:rPr lang="ru-RU" sz="1800" dirty="0">
+                <a:effectLst/>
+                <a:latin typeface="LucidaSansUnicode"/>
+              </a:rPr>
+              <a:t>Может оказаться, что число опытов все еще недостаточно для обеспечения необходимой точности, и его придется несколько увеличить. </a:t>
+            </a:r>
+          </a:p>
+          <a:p>
+            <a:r>
+              <a:rPr lang="ru-RU" sz="1800" dirty="0">
+                <a:effectLst/>
+                <a:latin typeface="LucidaSansUnicode"/>
+              </a:rPr>
+              <a:t>Однако первое приближение, полученное описанным выше методом, может служить для ориентировочного предварительного пла­нирования серии опытов с точки зрения требуемого на них времени, денежных затрат и т.д.</a:t>
+            </a:r>
+            <a:endParaRPr lang="ru-RU" dirty="0"/>
+          </a:p>
+        </p:txBody>
+      </p:sp>
+    </p:spTree>
+    <p:extLst>
+      <p:ext uri="{BB962C8B-B14F-4D97-AF65-F5344CB8AC3E}">
+        <p14:creationId xmlns:p14="http://schemas.microsoft.com/office/powerpoint/2010/main" val="942817494"/>
+      </p:ext>
+    </p:extLst>
+  </p:cSld>
+  <p:clrMapOvr>
+    <a:masterClrMapping/>
+  </p:clrMapOvr>
+</p:sld>
+</file>
+
+<file path=ppt/slides/slide32.xml><?xml version="1.0" encoding="utf-8"?>
+<p:sld xmlns:a="http://schemas.openxmlformats.org/drawingml/2006/main" xmlns:r="http://schemas.openxmlformats.org/officeDocument/2006/relationships" xmlns:p="http://schemas.openxmlformats.org/presentationml/2006/main">
+  <p:cSld>
+    <p:spTree>
+      <p:nvGrpSpPr>
+        <p:cNvPr id="1" name=""/>
+        <p:cNvGrpSpPr/>
+        <p:nvPr/>
+      </p:nvGrpSpPr>
+      <p:grpSpPr>
+        <a:xfrm>
+          <a:off x="0" y="0"/>
+          <a:ext cx="0" cy="0"/>
+          <a:chOff x="0" y="0"/>
+          <a:chExt cx="0" cy="0"/>
+        </a:xfrm>
+      </p:grpSpPr>
+      <p:sp>
+        <p:nvSpPr>
+          <p:cNvPr id="2" name="Заголовок 1">
+            <a:extLst>
+              <a:ext uri="{FF2B5EF4-FFF2-40B4-BE49-F238E27FC236}">
+                <a16:creationId xmlns:a16="http://schemas.microsoft.com/office/drawing/2014/main" id="{7AACEF80-D386-A341-BF86-1098BACF5D22}"/>
+              </a:ext>
+            </a:extLst>
+          </p:cNvPr>
+          <p:cNvSpPr>
+            <a:spLocks noGrp="1"/>
+          </p:cNvSpPr>
+          <p:nvPr>
+            <p:ph type="title"/>
+          </p:nvPr>
+        </p:nvSpPr>
+        <p:spPr/>
+        <p:txBody>
+          <a:bodyPr/>
+          <a:lstStyle/>
+          <a:p>
+            <a:r>
+              <a:rPr lang="ru-RU" dirty="0"/>
+              <a:t>Пример расчета числа опытов для малой вероятности </a:t>
+            </a:r>
+          </a:p>
+        </p:txBody>
+      </p:sp>
+      <mc:AlternateContent xmlns:mc="http://schemas.openxmlformats.org/markup-compatibility/2006" xmlns:a14="http://schemas.microsoft.com/office/drawing/2010/main">
+        <mc:Choice Requires="a14">
+          <p:sp>
+            <p:nvSpPr>
+              <p:cNvPr id="3" name="Текст 2">
+                <a:extLst>
+                  <a:ext uri="{FF2B5EF4-FFF2-40B4-BE49-F238E27FC236}">
+                    <a16:creationId xmlns:a16="http://schemas.microsoft.com/office/drawing/2014/main" id="{1D8E9FF9-C2EE-A54E-8D9C-0782014A0897}"/>
+                  </a:ext>
+                </a:extLst>
+              </p:cNvPr>
+              <p:cNvSpPr>
+                <a:spLocks noGrp="1"/>
+              </p:cNvSpPr>
+              <p:nvPr>
+                <p:ph type="body" idx="1"/>
+              </p:nvPr>
+            </p:nvSpPr>
+            <p:spPr/>
+            <p:txBody>
+              <a:bodyPr/>
+              <a:lstStyle/>
+              <a:p>
+                <a:pPr marL="38100" indent="0">
+                  <a:lnSpc>
+                    <a:spcPct val="125000"/>
+                  </a:lnSpc>
+                  <a:spcBef>
+                    <a:spcPts val="0"/>
+                  </a:spcBef>
+                  <a:buNone/>
+                </a:pPr>
+                <a:r>
+                  <a:rPr lang="ru-RU" dirty="0"/>
+                  <a:t>Пусть </a:t>
+                </a:r>
+                <a14:m>
+                  <m:oMath xmlns:m="http://schemas.openxmlformats.org/officeDocument/2006/math">
+                    <m:sSup>
+                      <m:sSupPr>
+                        <m:ctrlPr>
+                          <a:rPr lang="ru-RU" i="1" smtClean="0">
+                            <a:latin typeface="Cambria Math" panose="02040503050406030204" pitchFamily="18" charset="0"/>
+                          </a:rPr>
+                        </m:ctrlPr>
+                      </m:sSupPr>
+                      <m:e>
+                        <m:r>
+                          <a:rPr lang="en-US" i="1">
+                            <a:latin typeface="Cambria Math" panose="02040503050406030204" pitchFamily="18" charset="0"/>
+                          </a:rPr>
+                          <m:t>𝑝</m:t>
+                        </m:r>
+                      </m:e>
+                      <m:sup>
+                        <m:r>
+                          <a:rPr lang="en-US" i="1">
+                            <a:latin typeface="Cambria Math" panose="02040503050406030204" pitchFamily="18" charset="0"/>
+                          </a:rPr>
+                          <m:t>∗</m:t>
+                        </m:r>
+                      </m:sup>
+                    </m:sSup>
+                    <m:r>
+                      <a:rPr lang="ru-RU" b="0" i="0" smtClean="0">
+                        <a:latin typeface="Cambria Math" panose="02040503050406030204" pitchFamily="18" charset="0"/>
+                      </a:rPr>
+                      <m:t>=0</m:t>
+                    </m:r>
+                  </m:oMath>
+                </a14:m>
+                <a:r>
+                  <a:rPr lang="ru-RU" dirty="0"/>
+                  <a:t>.</a:t>
+                </a:r>
+              </a:p>
+              <a:p>
+                <a:pPr marL="38100" indent="0">
+                  <a:lnSpc>
+                    <a:spcPct val="125000"/>
+                  </a:lnSpc>
+                  <a:spcBef>
+                    <a:spcPts val="0"/>
+                  </a:spcBef>
+                  <a:buNone/>
+                </a:pPr>
+                <a14:m>
+                  <m:oMathPara xmlns:m="http://schemas.openxmlformats.org/officeDocument/2006/math">
+                    <m:oMathParaPr>
+                      <m:jc m:val="centerGroup"/>
+                    </m:oMathParaPr>
+                    <m:oMath xmlns:m="http://schemas.openxmlformats.org/officeDocument/2006/math">
+                      <m:sSub>
+                        <m:sSubPr>
+                          <m:ctrlPr>
+                            <a:rPr lang="en-US" i="1">
+                              <a:latin typeface="Cambria Math" panose="02040503050406030204" pitchFamily="18" charset="0"/>
+                            </a:rPr>
+                          </m:ctrlPr>
+                        </m:sSubPr>
+                        <m:e>
+                          <m:r>
+                            <a:rPr lang="en-US" i="1">
+                              <a:latin typeface="Cambria Math" panose="02040503050406030204" pitchFamily="18" charset="0"/>
+                            </a:rPr>
+                            <m:t>𝑝</m:t>
+                          </m:r>
+                        </m:e>
+                        <m:sub>
+                          <m:r>
+                            <a:rPr lang="en-US" b="0" i="1" smtClean="0">
+                              <a:latin typeface="Cambria Math" panose="02040503050406030204" pitchFamily="18" charset="0"/>
+                            </a:rPr>
+                            <m:t>1</m:t>
+                          </m:r>
+                        </m:sub>
+                      </m:sSub>
+                      <m:r>
+                        <a:rPr lang="en-US" b="0" i="1" smtClean="0">
+                          <a:latin typeface="Cambria Math" panose="02040503050406030204" pitchFamily="18" charset="0"/>
+                        </a:rPr>
+                        <m:t>=? </m:t>
+                      </m:r>
+                      <m:sSub>
+                        <m:sSubPr>
+                          <m:ctrlPr>
+                            <a:rPr lang="en-US" i="1" smtClean="0">
+                              <a:latin typeface="Cambria Math" panose="02040503050406030204" pitchFamily="18" charset="0"/>
+                            </a:rPr>
+                          </m:ctrlPr>
+                        </m:sSubPr>
+                        <m:e>
+                          <m:r>
+                            <a:rPr lang="en-US" b="0" i="1" smtClean="0">
+                              <a:latin typeface="Cambria Math" panose="02040503050406030204" pitchFamily="18" charset="0"/>
+                            </a:rPr>
+                            <m:t>𝑝</m:t>
+                          </m:r>
+                        </m:e>
+                        <m:sub>
+                          <m:r>
+                            <a:rPr lang="en-US" b="0" i="1" smtClean="0">
+                              <a:latin typeface="Cambria Math" panose="02040503050406030204" pitchFamily="18" charset="0"/>
+                            </a:rPr>
+                            <m:t>2</m:t>
+                          </m:r>
+                        </m:sub>
+                      </m:sSub>
+                      <m:r>
+                        <a:rPr lang="en-US" b="0" i="1" smtClean="0">
+                          <a:latin typeface="Cambria Math" panose="02040503050406030204" pitchFamily="18" charset="0"/>
+                        </a:rPr>
+                        <m:t>=?</m:t>
+                      </m:r>
+                    </m:oMath>
+                  </m:oMathPara>
+                </a14:m>
+                <a:endParaRPr lang="en-US" dirty="0"/>
+              </a:p>
+              <a:p>
+                <a:pPr marL="38100" indent="0">
+                  <a:lnSpc>
+                    <a:spcPct val="125000"/>
+                  </a:lnSpc>
+                  <a:spcBef>
+                    <a:spcPts val="0"/>
+                  </a:spcBef>
+                  <a:buNone/>
+                </a:pPr>
+                <a:r>
+                  <a:rPr lang="ru-RU" dirty="0"/>
+                  <a:t>Дано событие </a:t>
+                </a:r>
+                <a:r>
+                  <a:rPr lang="ru-RU" i="1" dirty="0">
+                    <a:latin typeface="Cambria Math" panose="02040503050406030204" pitchFamily="18" charset="0"/>
+                    <a:ea typeface="Cambria Math" panose="02040503050406030204" pitchFamily="18" charset="0"/>
+                  </a:rPr>
+                  <a:t>А</a:t>
+                </a:r>
+                <a:r>
+                  <a:rPr lang="ru-RU" dirty="0"/>
+                  <a:t>, его вероятность </a:t>
+                </a:r>
+                <a:r>
+                  <a:rPr lang="en-US" i="1" dirty="0">
+                    <a:latin typeface="Cambria Math" panose="02040503050406030204" pitchFamily="18" charset="0"/>
+                    <a:ea typeface="Cambria Math" panose="02040503050406030204" pitchFamily="18" charset="0"/>
+                  </a:rPr>
+                  <a:t>p</a:t>
+                </a:r>
+                <a:r>
+                  <a:rPr lang="ru-RU" dirty="0"/>
+                  <a:t>, Обозначим </a:t>
+                </a:r>
+                <a:r>
+                  <a:rPr lang="en-US" i="1" dirty="0">
+                    <a:latin typeface="Cambria Math" panose="02040503050406030204" pitchFamily="18" charset="0"/>
+                    <a:ea typeface="Cambria Math" panose="02040503050406030204" pitchFamily="18" charset="0"/>
+                  </a:rPr>
+                  <a:t>B</a:t>
+                </a:r>
+                <a:r>
+                  <a:rPr lang="en-US" dirty="0"/>
+                  <a:t> – </a:t>
+                </a:r>
+                <a:r>
+                  <a:rPr lang="ru-RU" dirty="0"/>
+                  <a:t>событие </a:t>
+                </a:r>
+                <a:r>
+                  <a:rPr lang="ru-RU" i="1" dirty="0">
+                    <a:latin typeface="Cambria Math" panose="02040503050406030204" pitchFamily="18" charset="0"/>
+                    <a:ea typeface="Cambria Math" panose="02040503050406030204" pitchFamily="18" charset="0"/>
+                  </a:rPr>
+                  <a:t>А</a:t>
+                </a:r>
+                <a:r>
+                  <a:rPr lang="ru-RU" dirty="0"/>
+                  <a:t> не появилось ни разу в серии </a:t>
+                </a:r>
+                <a:r>
+                  <a:rPr lang="en-US" i="1" dirty="0">
+                    <a:latin typeface="Cambria Math" panose="02040503050406030204" pitchFamily="18" charset="0"/>
+                    <a:ea typeface="Cambria Math" panose="02040503050406030204" pitchFamily="18" charset="0"/>
+                  </a:rPr>
+                  <a:t>n</a:t>
+                </a:r>
+                <a:r>
+                  <a:rPr lang="en-US" dirty="0"/>
+                  <a:t> </a:t>
+                </a:r>
+                <a:r>
+                  <a:rPr lang="ru-RU" dirty="0"/>
+                  <a:t>опытов. </a:t>
+                </a:r>
+              </a:p>
+              <a:p>
+                <a:pPr marL="38100" indent="0">
+                  <a:lnSpc>
+                    <a:spcPct val="125000"/>
+                  </a:lnSpc>
+                  <a:spcBef>
+                    <a:spcPts val="0"/>
+                  </a:spcBef>
+                  <a:buNone/>
+                </a:pPr>
+                <a14:m>
+                  <m:oMathPara xmlns:m="http://schemas.openxmlformats.org/officeDocument/2006/math">
+                    <m:oMathParaPr>
+                      <m:jc m:val="centerGroup"/>
+                    </m:oMathParaPr>
+                    <m:oMath xmlns:m="http://schemas.openxmlformats.org/officeDocument/2006/math">
+                      <m:r>
+                        <a:rPr lang="en-US" b="0" i="1" smtClean="0">
+                          <a:latin typeface="Cambria Math" panose="02040503050406030204" pitchFamily="18" charset="0"/>
+                        </a:rPr>
+                        <m:t>𝑃</m:t>
+                      </m:r>
+                      <m:d>
+                        <m:dPr>
+                          <m:ctrlPr>
+                            <a:rPr lang="en-US" b="0" i="1" smtClean="0">
+                              <a:latin typeface="Cambria Math" panose="02040503050406030204" pitchFamily="18" charset="0"/>
+                            </a:rPr>
+                          </m:ctrlPr>
+                        </m:dPr>
+                        <m:e>
+                          <m:r>
+                            <a:rPr lang="en-US" b="0" i="1" smtClean="0">
+                              <a:latin typeface="Cambria Math" panose="02040503050406030204" pitchFamily="18" charset="0"/>
+                            </a:rPr>
+                            <m:t>𝐵</m:t>
+                          </m:r>
+                        </m:e>
+                      </m:d>
+                      <m:r>
+                        <a:rPr lang="en-US" b="0" i="1" smtClean="0">
+                          <a:latin typeface="Cambria Math" panose="02040503050406030204" pitchFamily="18" charset="0"/>
+                        </a:rPr>
+                        <m:t>=</m:t>
+                      </m:r>
+                      <m:sSup>
+                        <m:sSupPr>
+                          <m:ctrlPr>
+                            <a:rPr lang="en-US" b="0" i="1" smtClean="0">
+                              <a:latin typeface="Cambria Math" panose="02040503050406030204" pitchFamily="18" charset="0"/>
+                            </a:rPr>
+                          </m:ctrlPr>
+                        </m:sSupPr>
+                        <m:e>
+                          <m:d>
+                            <m:dPr>
+                              <m:ctrlPr>
+                                <a:rPr lang="en-US" b="0" i="1" smtClean="0">
+                                  <a:latin typeface="Cambria Math" panose="02040503050406030204" pitchFamily="18" charset="0"/>
+                                </a:rPr>
+                              </m:ctrlPr>
+                            </m:dPr>
+                            <m:e>
+                              <m:r>
+                                <a:rPr lang="en-US" b="0" i="1" smtClean="0">
+                                  <a:latin typeface="Cambria Math" panose="02040503050406030204" pitchFamily="18" charset="0"/>
+                                </a:rPr>
+                                <m:t>1−</m:t>
+                              </m:r>
+                              <m:r>
+                                <a:rPr lang="en-US" b="0" i="1" smtClean="0">
+                                  <a:latin typeface="Cambria Math" panose="02040503050406030204" pitchFamily="18" charset="0"/>
+                                </a:rPr>
+                                <m:t>𝑝</m:t>
+                              </m:r>
+                            </m:e>
+                          </m:d>
+                        </m:e>
+                        <m:sup>
+                          <m:r>
+                            <a:rPr lang="en-US" b="0" i="1" smtClean="0">
+                              <a:latin typeface="Cambria Math" panose="02040503050406030204" pitchFamily="18" charset="0"/>
+                            </a:rPr>
+                            <m:t>𝑛</m:t>
+                          </m:r>
+                        </m:sup>
+                      </m:sSup>
+                    </m:oMath>
+                  </m:oMathPara>
+                </a14:m>
+                <a:endParaRPr lang="en-US" dirty="0"/>
+              </a:p>
+              <a:p>
+                <a:pPr marL="38100" indent="0">
+                  <a:lnSpc>
+                    <a:spcPct val="125000"/>
+                  </a:lnSpc>
+                  <a:spcBef>
+                    <a:spcPts val="0"/>
+                  </a:spcBef>
+                  <a:buNone/>
+                </a:pPr>
+                <a14:m>
+                  <m:oMathPara xmlns:m="http://schemas.openxmlformats.org/officeDocument/2006/math">
+                    <m:oMathParaPr>
+                      <m:jc m:val="centerGroup"/>
+                    </m:oMathParaPr>
+                    <m:oMath xmlns:m="http://schemas.openxmlformats.org/officeDocument/2006/math">
+                      <m:r>
+                        <a:rPr lang="en-US" i="1">
+                          <a:latin typeface="Cambria Math" panose="02040503050406030204" pitchFamily="18" charset="0"/>
+                        </a:rPr>
+                        <m:t>𝑃</m:t>
+                      </m:r>
+                      <m:d>
+                        <m:dPr>
+                          <m:ctrlPr>
+                            <a:rPr lang="en-US" i="1">
+                              <a:latin typeface="Cambria Math" panose="02040503050406030204" pitchFamily="18" charset="0"/>
+                            </a:rPr>
+                          </m:ctrlPr>
+                        </m:dPr>
+                        <m:e>
+                          <m:r>
+                            <a:rPr lang="en-US" i="1">
+                              <a:latin typeface="Cambria Math" panose="02040503050406030204" pitchFamily="18" charset="0"/>
+                            </a:rPr>
+                            <m:t>𝐵</m:t>
+                          </m:r>
+                        </m:e>
+                      </m:d>
+                      <m:r>
+                        <a:rPr lang="en-US" i="1">
+                          <a:latin typeface="Cambria Math" panose="02040503050406030204" pitchFamily="18" charset="0"/>
+                        </a:rPr>
+                        <m:t>=</m:t>
+                      </m:r>
+                      <m:r>
+                        <a:rPr lang="en-US" i="1">
+                          <a:latin typeface="Cambria Math" panose="02040503050406030204" pitchFamily="18" charset="0"/>
+                          <a:ea typeface="Cambria Math" panose="02040503050406030204" pitchFamily="18" charset="0"/>
+                        </a:rPr>
+                        <m:t>𝛼</m:t>
+                      </m:r>
+                      <m:r>
+                        <a:rPr lang="en-US" i="1">
+                          <a:latin typeface="Cambria Math" panose="02040503050406030204" pitchFamily="18" charset="0"/>
+                          <a:ea typeface="Cambria Math" panose="02040503050406030204" pitchFamily="18" charset="0"/>
+                        </a:rPr>
+                        <m:t>      </m:t>
+                      </m:r>
+                      <m:r>
+                        <a:rPr lang="en-US" b="0" i="1" smtClean="0">
+                          <a:latin typeface="Cambria Math" panose="02040503050406030204" pitchFamily="18" charset="0"/>
+                          <a:ea typeface="Cambria Math" panose="02040503050406030204" pitchFamily="18" charset="0"/>
+                        </a:rPr>
+                        <m:t>𝛼</m:t>
+                      </m:r>
+                      <m:r>
+                        <a:rPr lang="en-US" b="0" i="1" smtClean="0">
+                          <a:latin typeface="Cambria Math" panose="02040503050406030204" pitchFamily="18" charset="0"/>
+                          <a:ea typeface="Cambria Math" panose="02040503050406030204" pitchFamily="18" charset="0"/>
+                        </a:rPr>
+                        <m:t>=1−</m:t>
+                      </m:r>
+                      <m:r>
+                        <a:rPr lang="en-US" b="0" i="1" smtClean="0">
+                          <a:latin typeface="Cambria Math" panose="02040503050406030204" pitchFamily="18" charset="0"/>
+                          <a:ea typeface="Cambria Math" panose="02040503050406030204" pitchFamily="18" charset="0"/>
+                        </a:rPr>
+                        <m:t>𝛽</m:t>
+                      </m:r>
+                    </m:oMath>
+                  </m:oMathPara>
+                </a14:m>
+                <a:endParaRPr lang="ru-RU" dirty="0"/>
+              </a:p>
+              <a:p>
+                <a:pPr marL="38100" indent="0">
+                  <a:lnSpc>
+                    <a:spcPct val="125000"/>
+                  </a:lnSpc>
+                  <a:spcBef>
+                    <a:spcPts val="0"/>
+                  </a:spcBef>
+                  <a:buNone/>
+                </a:pPr>
+                <a14:m>
+                  <m:oMathPara xmlns:m="http://schemas.openxmlformats.org/officeDocument/2006/math">
+                    <m:oMathParaPr>
+                      <m:jc m:val="centerGroup"/>
+                    </m:oMathParaPr>
+                    <m:oMath xmlns:m="http://schemas.openxmlformats.org/officeDocument/2006/math">
+                      <m:sSup>
+                        <m:sSupPr>
+                          <m:ctrlPr>
+                            <a:rPr lang="en-US" b="0" i="1" smtClean="0">
+                              <a:latin typeface="Cambria Math" panose="02040503050406030204" pitchFamily="18" charset="0"/>
+                            </a:rPr>
+                          </m:ctrlPr>
+                        </m:sSupPr>
+                        <m:e>
+                          <m:d>
+                            <m:dPr>
+                              <m:ctrlPr>
+                                <a:rPr lang="en-US" b="0" i="1" smtClean="0">
+                                  <a:latin typeface="Cambria Math" panose="02040503050406030204" pitchFamily="18" charset="0"/>
+                                </a:rPr>
+                              </m:ctrlPr>
+                            </m:dPr>
+                            <m:e>
+                              <m:r>
+                                <a:rPr lang="en-US" b="0" i="1" smtClean="0">
+                                  <a:latin typeface="Cambria Math" panose="02040503050406030204" pitchFamily="18" charset="0"/>
+                                </a:rPr>
+                                <m:t>1−</m:t>
+                              </m:r>
+                              <m:sSub>
+                                <m:sSubPr>
+                                  <m:ctrlPr>
+                                    <a:rPr lang="en-US" i="1">
+                                      <a:latin typeface="Cambria Math" panose="02040503050406030204" pitchFamily="18" charset="0"/>
+                                    </a:rPr>
+                                  </m:ctrlPr>
+                                </m:sSubPr>
+                                <m:e>
+                                  <m:r>
+                                    <a:rPr lang="en-US" i="1">
+                                      <a:latin typeface="Cambria Math" panose="02040503050406030204" pitchFamily="18" charset="0"/>
+                                    </a:rPr>
+                                    <m:t>𝑝</m:t>
+                                  </m:r>
+                                </m:e>
+                                <m:sub>
+                                  <m:r>
+                                    <a:rPr lang="en-US" i="1">
+                                      <a:latin typeface="Cambria Math" panose="02040503050406030204" pitchFamily="18" charset="0"/>
+                                    </a:rPr>
+                                    <m:t>2</m:t>
+                                  </m:r>
+                                </m:sub>
+                              </m:sSub>
+                            </m:e>
+                          </m:d>
+                        </m:e>
+                        <m:sup>
+                          <m:r>
+                            <a:rPr lang="en-US" b="0" i="1" smtClean="0">
+                              <a:latin typeface="Cambria Math" panose="02040503050406030204" pitchFamily="18" charset="0"/>
+                            </a:rPr>
+                            <m:t>𝑛</m:t>
+                          </m:r>
+                        </m:sup>
+                      </m:sSup>
+                      <m:r>
+                        <a:rPr lang="en-US" b="0" i="1" smtClean="0">
+                          <a:latin typeface="Cambria Math" panose="02040503050406030204" pitchFamily="18" charset="0"/>
+                        </a:rPr>
+                        <m:t>=</m:t>
+                      </m:r>
+                      <m:r>
+                        <a:rPr lang="en-US" i="1">
+                          <a:latin typeface="Cambria Math" panose="02040503050406030204" pitchFamily="18" charset="0"/>
+                          <a:ea typeface="Cambria Math" panose="02040503050406030204" pitchFamily="18" charset="0"/>
+                        </a:rPr>
+                        <m:t>1−</m:t>
+                      </m:r>
+                      <m:r>
+                        <a:rPr lang="en-US" i="1">
+                          <a:latin typeface="Cambria Math" panose="02040503050406030204" pitchFamily="18" charset="0"/>
+                          <a:ea typeface="Cambria Math" panose="02040503050406030204" pitchFamily="18" charset="0"/>
+                        </a:rPr>
+                        <m:t>𝛽</m:t>
+                      </m:r>
+                    </m:oMath>
+                  </m:oMathPara>
+                </a14:m>
+                <a:endParaRPr lang="en-US" dirty="0"/>
+              </a:p>
+              <a:p>
+                <a:pPr marL="38100" indent="0">
+                  <a:lnSpc>
+                    <a:spcPct val="125000"/>
+                  </a:lnSpc>
+                  <a:spcBef>
+                    <a:spcPts val="0"/>
+                  </a:spcBef>
+                  <a:buNone/>
+                </a:pPr>
+                <a14:m>
+                  <m:oMathPara xmlns:m="http://schemas.openxmlformats.org/officeDocument/2006/math">
+                    <m:oMathParaPr>
+                      <m:jc m:val="centerGroup"/>
+                    </m:oMathParaPr>
+                    <m:oMath xmlns:m="http://schemas.openxmlformats.org/officeDocument/2006/math">
+                      <m:sSub>
+                        <m:sSubPr>
+                          <m:ctrlPr>
+                            <a:rPr lang="en-US" i="1" smtClean="0">
+                              <a:latin typeface="Cambria Math" panose="02040503050406030204" pitchFamily="18" charset="0"/>
+                            </a:rPr>
+                          </m:ctrlPr>
+                        </m:sSubPr>
+                        <m:e>
+                          <m:r>
+                            <a:rPr lang="en-US" i="1">
+                              <a:latin typeface="Cambria Math" panose="02040503050406030204" pitchFamily="18" charset="0"/>
+                            </a:rPr>
+                            <m:t>𝑝</m:t>
+                          </m:r>
+                        </m:e>
+                        <m:sub>
+                          <m:r>
+                            <a:rPr lang="en-US" i="1">
+                              <a:latin typeface="Cambria Math" panose="02040503050406030204" pitchFamily="18" charset="0"/>
+                            </a:rPr>
+                            <m:t>2</m:t>
+                          </m:r>
+                        </m:sub>
+                      </m:sSub>
+                      <m:r>
+                        <a:rPr lang="en-US" b="0" i="1" smtClean="0">
+                          <a:latin typeface="Cambria Math" panose="02040503050406030204" pitchFamily="18" charset="0"/>
+                        </a:rPr>
+                        <m:t>=1−</m:t>
+                      </m:r>
+                      <m:rad>
+                        <m:radPr>
+                          <m:ctrlPr>
+                            <a:rPr lang="en-US" b="0" i="1" smtClean="0">
+                              <a:latin typeface="Cambria Math" panose="02040503050406030204" pitchFamily="18" charset="0"/>
+                            </a:rPr>
+                          </m:ctrlPr>
+                        </m:radPr>
+                        <m:deg>
+                          <m:r>
+                            <m:rPr>
+                              <m:brk m:alnAt="7"/>
+                            </m:rPr>
+                            <a:rPr lang="en-US" b="0" i="1" smtClean="0">
+                              <a:latin typeface="Cambria Math" panose="02040503050406030204" pitchFamily="18" charset="0"/>
+                            </a:rPr>
+                            <m:t>𝑛</m:t>
+                          </m:r>
+                        </m:deg>
+                        <m:e>
+                          <m:r>
+                            <a:rPr lang="en-US" b="0" i="1" smtClean="0">
+                              <a:latin typeface="Cambria Math" panose="02040503050406030204" pitchFamily="18" charset="0"/>
+                            </a:rPr>
+                            <m:t>1−</m:t>
+                          </m:r>
+                          <m:r>
+                            <a:rPr lang="en-US" b="0" i="1" smtClean="0">
+                              <a:latin typeface="Cambria Math" panose="02040503050406030204" pitchFamily="18" charset="0"/>
+                              <a:ea typeface="Cambria Math" panose="02040503050406030204" pitchFamily="18" charset="0"/>
+                            </a:rPr>
+                            <m:t>𝛽</m:t>
+                          </m:r>
+                        </m:e>
+                      </m:rad>
+                    </m:oMath>
+                  </m:oMathPara>
+                </a14:m>
+                <a:endParaRPr lang="ru-RU" dirty="0"/>
+              </a:p>
+              <a:p>
+                <a:pPr marL="38100" indent="0">
+                  <a:lnSpc>
+                    <a:spcPct val="125000"/>
+                  </a:lnSpc>
+                  <a:spcBef>
+                    <a:spcPts val="0"/>
+                  </a:spcBef>
+                  <a:buNone/>
+                </a:pPr>
+                <a:r>
+                  <a:rPr lang="en" sz="1800" dirty="0">
+                    <a:hlinkClick r:id="rId2"/>
+                  </a:rPr>
+                  <a:t>https://colab.research.google.com/drive/1ORHrjbGAdMKI5WVmlzgcvfBxwUI65ah-</a:t>
+                </a:r>
+                <a:endParaRPr lang="en" sz="1800" dirty="0"/>
+              </a:p>
+              <a:p>
+                <a:pPr marL="38100" indent="0">
+                  <a:lnSpc>
+                    <a:spcPct val="125000"/>
+                  </a:lnSpc>
+                  <a:spcBef>
+                    <a:spcPts val="0"/>
+                  </a:spcBef>
+                  <a:buNone/>
+                </a:pPr>
+                <a:endParaRPr lang="ru-RU" dirty="0"/>
+              </a:p>
+            </p:txBody>
+          </p:sp>
+        </mc:Choice>
+        <mc:Fallback xmlns="">
+          <p:sp>
+            <p:nvSpPr>
+              <p:cNvPr id="3" name="Текст 2">
+                <a:extLst>
+                  <a:ext uri="{FF2B5EF4-FFF2-40B4-BE49-F238E27FC236}">
+                    <a16:creationId xmlns:a16="http://schemas.microsoft.com/office/drawing/2014/main" id="{1D8E9FF9-C2EE-A54E-8D9C-0782014A0897}"/>
+                  </a:ext>
+                </a:extLst>
+              </p:cNvPr>
+              <p:cNvSpPr>
+                <a:spLocks noGrp="1" noRot="1" noChangeAspect="1" noMove="1" noResize="1" noEditPoints="1" noAdjustHandles="1" noChangeArrowheads="1" noChangeShapeType="1" noTextEdit="1"/>
+              </p:cNvSpPr>
+              <p:nvPr>
+                <p:ph type="body" idx="1"/>
+              </p:nvPr>
+            </p:nvSpPr>
+            <p:spPr>
+              <a:blipFill>
+                <a:blip r:embed="rId3"/>
+                <a:stretch>
+                  <a:fillRect l="-1235"/>
+                </a:stretch>
+              </a:blipFill>
+            </p:spPr>
+            <p:txBody>
+              <a:bodyPr/>
+              <a:lstStyle/>
+              <a:p>
+                <a:r>
+                  <a:rPr lang="ru-RU">
+                    <a:noFill/>
+                  </a:rPr>
+                  <a:t> </a:t>
+                </a:r>
+              </a:p>
+            </p:txBody>
+          </p:sp>
+        </mc:Fallback>
+      </mc:AlternateContent>
+    </p:spTree>
+    <p:extLst>
+      <p:ext uri="{BB962C8B-B14F-4D97-AF65-F5344CB8AC3E}">
+        <p14:creationId xmlns:p14="http://schemas.microsoft.com/office/powerpoint/2010/main" val="788038696"/>
+      </p:ext>
+    </p:extLst>
+  </p:cSld>
+  <p:clrMapOvr>
+    <a:masterClrMapping/>
+  </p:clrMapOvr>
+</p:sld>
+</file>
+
+<file path=ppt/slides/slide33.xml><?xml version="1.0" encoding="utf-8"?>
+<p:sld xmlns:a="http://schemas.openxmlformats.org/drawingml/2006/main" xmlns:r="http://schemas.openxmlformats.org/officeDocument/2006/relationships" xmlns:p="http://schemas.openxmlformats.org/presentationml/2006/main">
+  <p:cSld>
+    <p:spTree>
+      <p:nvGrpSpPr>
+        <p:cNvPr id="1" name=""/>
+        <p:cNvGrpSpPr/>
+        <p:nvPr/>
+      </p:nvGrpSpPr>
+      <p:grpSpPr>
+        <a:xfrm>
+          <a:off x="0" y="0"/>
+          <a:ext cx="0" cy="0"/>
+          <a:chOff x="0" y="0"/>
+          <a:chExt cx="0" cy="0"/>
+        </a:xfrm>
+      </p:grpSpPr>
+      <p:sp>
+        <p:nvSpPr>
+          <p:cNvPr id="2" name="Заголовок 1">
+            <a:extLst>
+              <a:ext uri="{FF2B5EF4-FFF2-40B4-BE49-F238E27FC236}">
+                <a16:creationId xmlns:a16="http://schemas.microsoft.com/office/drawing/2014/main" id="{C7C38BB0-1BD0-7E41-B929-3062B5B94A42}"/>
+              </a:ext>
+            </a:extLst>
+          </p:cNvPr>
+          <p:cNvSpPr>
+            <a:spLocks noGrp="1"/>
+          </p:cNvSpPr>
+          <p:nvPr>
+            <p:ph type="title"/>
+          </p:nvPr>
+        </p:nvSpPr>
+        <p:spPr/>
+        <p:txBody>
+          <a:bodyPr/>
+          <a:lstStyle/>
+          <a:p>
+            <a:r>
+              <a:rPr lang="ru-RU" dirty="0"/>
+              <a:t>Расчет числа опытов для нулевой частоты </a:t>
+            </a:r>
+          </a:p>
+        </p:txBody>
+      </p:sp>
+      <mc:AlternateContent xmlns:mc="http://schemas.openxmlformats.org/markup-compatibility/2006" xmlns:a14="http://schemas.microsoft.com/office/drawing/2010/main">
+        <mc:Choice Requires="a14">
+          <p:sp>
+            <p:nvSpPr>
+              <p:cNvPr id="3" name="Текст 2">
+                <a:extLst>
+                  <a:ext uri="{FF2B5EF4-FFF2-40B4-BE49-F238E27FC236}">
+                    <a16:creationId xmlns:a16="http://schemas.microsoft.com/office/drawing/2014/main" id="{33245102-401A-FC4C-BA92-970215B4A44B}"/>
+                  </a:ext>
+                </a:extLst>
+              </p:cNvPr>
+              <p:cNvSpPr>
+                <a:spLocks noGrp="1"/>
+              </p:cNvSpPr>
+              <p:nvPr>
+                <p:ph type="body" idx="1"/>
+              </p:nvPr>
+            </p:nvSpPr>
+            <p:spPr/>
+            <p:txBody>
+              <a:bodyPr/>
+              <a:lstStyle/>
+              <a:p>
+                <a:pPr marL="38100" indent="0">
+                  <a:lnSpc>
+                    <a:spcPct val="150000"/>
+                  </a:lnSpc>
+                  <a:buNone/>
+                </a:pPr>
+                <a14:m>
+                  <m:oMathPara xmlns:m="http://schemas.openxmlformats.org/officeDocument/2006/math">
+                    <m:oMathParaPr>
+                      <m:jc m:val="centerGroup"/>
+                    </m:oMathParaPr>
+                    <m:oMath xmlns:m="http://schemas.openxmlformats.org/officeDocument/2006/math">
+                      <m:sSup>
+                        <m:sSupPr>
+                          <m:ctrlPr>
+                            <a:rPr lang="en-US" b="0" i="1" smtClean="0">
+                              <a:latin typeface="Cambria Math" panose="02040503050406030204" pitchFamily="18" charset="0"/>
+                            </a:rPr>
+                          </m:ctrlPr>
+                        </m:sSupPr>
+                        <m:e>
+                          <m:d>
+                            <m:dPr>
+                              <m:ctrlPr>
+                                <a:rPr lang="en-US" b="0" i="1" smtClean="0">
+                                  <a:latin typeface="Cambria Math" panose="02040503050406030204" pitchFamily="18" charset="0"/>
+                                </a:rPr>
+                              </m:ctrlPr>
+                            </m:dPr>
+                            <m:e>
+                              <m:r>
+                                <a:rPr lang="en-US" b="0" i="1" smtClean="0">
+                                  <a:latin typeface="Cambria Math" panose="02040503050406030204" pitchFamily="18" charset="0"/>
+                                </a:rPr>
+                                <m:t>1−</m:t>
+                              </m:r>
+                              <m:sSub>
+                                <m:sSubPr>
+                                  <m:ctrlPr>
+                                    <a:rPr lang="en-US" i="1">
+                                      <a:latin typeface="Cambria Math" panose="02040503050406030204" pitchFamily="18" charset="0"/>
+                                    </a:rPr>
+                                  </m:ctrlPr>
+                                </m:sSubPr>
+                                <m:e>
+                                  <m:r>
+                                    <a:rPr lang="en-US" i="1">
+                                      <a:latin typeface="Cambria Math" panose="02040503050406030204" pitchFamily="18" charset="0"/>
+                                    </a:rPr>
+                                    <m:t>𝑝</m:t>
+                                  </m:r>
+                                </m:e>
+                                <m:sub>
+                                  <m:r>
+                                    <a:rPr lang="en-US" i="1">
+                                      <a:latin typeface="Cambria Math" panose="02040503050406030204" pitchFamily="18" charset="0"/>
+                                    </a:rPr>
+                                    <m:t>2</m:t>
+                                  </m:r>
+                                </m:sub>
+                              </m:sSub>
+                            </m:e>
+                          </m:d>
+                        </m:e>
+                        <m:sup>
+                          <m:r>
+                            <a:rPr lang="en-US" b="0" i="1" smtClean="0">
+                              <a:latin typeface="Cambria Math" panose="02040503050406030204" pitchFamily="18" charset="0"/>
+                            </a:rPr>
+                            <m:t>𝑛</m:t>
+                          </m:r>
+                        </m:sup>
+                      </m:sSup>
+                      <m:r>
+                        <a:rPr lang="en-US" b="0" i="1" smtClean="0">
+                          <a:latin typeface="Cambria Math" panose="02040503050406030204" pitchFamily="18" charset="0"/>
+                        </a:rPr>
+                        <m:t>=</m:t>
+                      </m:r>
+                      <m:r>
+                        <a:rPr lang="en-US" i="1">
+                          <a:latin typeface="Cambria Math" panose="02040503050406030204" pitchFamily="18" charset="0"/>
+                          <a:ea typeface="Cambria Math" panose="02040503050406030204" pitchFamily="18" charset="0"/>
+                        </a:rPr>
+                        <m:t>1−</m:t>
+                      </m:r>
+                      <m:r>
+                        <a:rPr lang="en-US" i="1">
+                          <a:latin typeface="Cambria Math" panose="02040503050406030204" pitchFamily="18" charset="0"/>
+                          <a:ea typeface="Cambria Math" panose="02040503050406030204" pitchFamily="18" charset="0"/>
+                        </a:rPr>
+                        <m:t>𝛽</m:t>
+                      </m:r>
+                    </m:oMath>
+                  </m:oMathPara>
+                </a14:m>
+                <a:endParaRPr lang="ru-RU" dirty="0"/>
+              </a:p>
+              <a:p>
+                <a:pPr marL="38100" indent="0">
+                  <a:lnSpc>
+                    <a:spcPct val="150000"/>
+                  </a:lnSpc>
+                  <a:buNone/>
+                </a:pPr>
+                <a14:m>
+                  <m:oMathPara xmlns:m="http://schemas.openxmlformats.org/officeDocument/2006/math">
+                    <m:oMathParaPr>
+                      <m:jc m:val="centerGroup"/>
+                    </m:oMathParaPr>
+                    <m:oMath xmlns:m="http://schemas.openxmlformats.org/officeDocument/2006/math">
+                      <m:func>
+                        <m:funcPr>
+                          <m:ctrlPr>
+                            <a:rPr lang="en-US" b="0" i="1" smtClean="0">
+                              <a:latin typeface="Cambria Math" panose="02040503050406030204" pitchFamily="18" charset="0"/>
+                            </a:rPr>
+                          </m:ctrlPr>
+                        </m:funcPr>
+                        <m:fName>
+                          <m:r>
+                            <m:rPr>
+                              <m:sty m:val="p"/>
+                            </m:rPr>
+                            <a:rPr lang="en-US" b="0" i="0" smtClean="0">
+                              <a:latin typeface="Cambria Math" panose="02040503050406030204" pitchFamily="18" charset="0"/>
+                            </a:rPr>
+                            <m:t>log</m:t>
+                          </m:r>
+                        </m:fName>
+                        <m:e>
+                          <m:sSup>
+                            <m:sSupPr>
+                              <m:ctrlPr>
+                                <a:rPr lang="en-US" i="1">
+                                  <a:latin typeface="Cambria Math" panose="02040503050406030204" pitchFamily="18" charset="0"/>
+                                </a:rPr>
+                              </m:ctrlPr>
+                            </m:sSupPr>
+                            <m:e>
+                              <m:d>
+                                <m:dPr>
+                                  <m:ctrlPr>
+                                    <a:rPr lang="en-US" i="1">
+                                      <a:latin typeface="Cambria Math" panose="02040503050406030204" pitchFamily="18" charset="0"/>
+                                    </a:rPr>
+                                  </m:ctrlPr>
+                                </m:dPr>
+                                <m:e>
+                                  <m:r>
+                                    <a:rPr lang="en-US" i="1">
+                                      <a:latin typeface="Cambria Math" panose="02040503050406030204" pitchFamily="18" charset="0"/>
+                                    </a:rPr>
+                                    <m:t>1−</m:t>
+                                  </m:r>
+                                  <m:sSub>
+                                    <m:sSubPr>
+                                      <m:ctrlPr>
+                                        <a:rPr lang="en-US" i="1">
+                                          <a:latin typeface="Cambria Math" panose="02040503050406030204" pitchFamily="18" charset="0"/>
+                                        </a:rPr>
+                                      </m:ctrlPr>
+                                    </m:sSubPr>
+                                    <m:e>
+                                      <m:r>
+                                        <a:rPr lang="en-US" i="1">
+                                          <a:latin typeface="Cambria Math" panose="02040503050406030204" pitchFamily="18" charset="0"/>
+                                        </a:rPr>
+                                        <m:t>𝑝</m:t>
+                                      </m:r>
+                                    </m:e>
+                                    <m:sub>
+                                      <m:r>
+                                        <a:rPr lang="en-US" i="1">
+                                          <a:latin typeface="Cambria Math" panose="02040503050406030204" pitchFamily="18" charset="0"/>
+                                        </a:rPr>
+                                        <m:t>2</m:t>
+                                      </m:r>
+                                    </m:sub>
+                                  </m:sSub>
+                                </m:e>
+                              </m:d>
+                            </m:e>
+                            <m:sup>
+                              <m:r>
+                                <a:rPr lang="en-US" i="1">
+                                  <a:latin typeface="Cambria Math" panose="02040503050406030204" pitchFamily="18" charset="0"/>
+                                </a:rPr>
+                                <m:t>𝑛</m:t>
+                              </m:r>
+                            </m:sup>
+                          </m:sSup>
+                        </m:e>
+                      </m:func>
+                      <m:r>
+                        <a:rPr lang="en-US" b="0" i="1" smtClean="0">
+                          <a:latin typeface="Cambria Math" panose="02040503050406030204" pitchFamily="18" charset="0"/>
+                        </a:rPr>
+                        <m:t>=</m:t>
+                      </m:r>
+                      <m:func>
+                        <m:funcPr>
+                          <m:ctrlPr>
+                            <a:rPr lang="en-US" b="0" i="1" smtClean="0">
+                              <a:latin typeface="Cambria Math" panose="02040503050406030204" pitchFamily="18" charset="0"/>
+                            </a:rPr>
+                          </m:ctrlPr>
+                        </m:funcPr>
+                        <m:fName>
+                          <m:r>
+                            <m:rPr>
+                              <m:sty m:val="p"/>
+                            </m:rPr>
+                            <a:rPr lang="en-US" b="0" i="0" smtClean="0">
+                              <a:latin typeface="Cambria Math" panose="02040503050406030204" pitchFamily="18" charset="0"/>
+                            </a:rPr>
+                            <m:t>log</m:t>
+                          </m:r>
+                        </m:fName>
+                        <m:e>
+                          <m:r>
+                            <a:rPr lang="ru-RU" b="0" i="1" smtClean="0">
+                              <a:latin typeface="Cambria Math" panose="02040503050406030204" pitchFamily="18" charset="0"/>
+                            </a:rPr>
+                            <m:t>(</m:t>
+                          </m:r>
+                          <m:r>
+                            <a:rPr lang="en-US" i="1">
+                              <a:latin typeface="Cambria Math" panose="02040503050406030204" pitchFamily="18" charset="0"/>
+                              <a:ea typeface="Cambria Math" panose="02040503050406030204" pitchFamily="18" charset="0"/>
+                            </a:rPr>
+                            <m:t>1−</m:t>
+                          </m:r>
+                          <m:r>
+                            <a:rPr lang="en-US" i="1">
+                              <a:latin typeface="Cambria Math" panose="02040503050406030204" pitchFamily="18" charset="0"/>
+                              <a:ea typeface="Cambria Math" panose="02040503050406030204" pitchFamily="18" charset="0"/>
+                            </a:rPr>
+                            <m:t>𝛽</m:t>
+                          </m:r>
+                          <m:r>
+                            <a:rPr lang="ru-RU" b="0" i="1" smtClean="0">
+                              <a:latin typeface="Cambria Math" panose="02040503050406030204" pitchFamily="18" charset="0"/>
+                              <a:ea typeface="Cambria Math" panose="02040503050406030204" pitchFamily="18" charset="0"/>
+                            </a:rPr>
+                            <m:t>)</m:t>
+                          </m:r>
+                        </m:e>
+                      </m:func>
+                    </m:oMath>
+                  </m:oMathPara>
+                </a14:m>
+                <a:endParaRPr lang="ru-RU" b="0" dirty="0"/>
+              </a:p>
+              <a:p>
+                <a:pPr marL="38100" indent="0">
+                  <a:lnSpc>
+                    <a:spcPct val="150000"/>
+                  </a:lnSpc>
+                  <a:buNone/>
+                </a:pPr>
+                <a14:m>
+                  <m:oMathPara xmlns:m="http://schemas.openxmlformats.org/officeDocument/2006/math">
+                    <m:oMathParaPr>
+                      <m:jc m:val="centerGroup"/>
+                    </m:oMathParaPr>
+                    <m:oMath xmlns:m="http://schemas.openxmlformats.org/officeDocument/2006/math">
+                      <m:r>
+                        <a:rPr lang="en-US" b="0" i="1" smtClean="0">
+                          <a:latin typeface="Cambria Math" panose="02040503050406030204" pitchFamily="18" charset="0"/>
+                        </a:rPr>
+                        <m:t>𝑛</m:t>
+                      </m:r>
+                      <m:func>
+                        <m:funcPr>
+                          <m:ctrlPr>
+                            <a:rPr lang="en-US" b="0" i="1" smtClean="0">
+                              <a:latin typeface="Cambria Math" panose="02040503050406030204" pitchFamily="18" charset="0"/>
+                            </a:rPr>
+                          </m:ctrlPr>
+                        </m:funcPr>
+                        <m:fName>
+                          <m:r>
+                            <m:rPr>
+                              <m:sty m:val="p"/>
+                            </m:rPr>
+                            <a:rPr lang="en-US" b="0" i="0" smtClean="0">
+                              <a:latin typeface="Cambria Math" panose="02040503050406030204" pitchFamily="18" charset="0"/>
+                            </a:rPr>
+                            <m:t>log</m:t>
+                          </m:r>
+                        </m:fName>
+                        <m:e>
+                          <m:d>
+                            <m:dPr>
+                              <m:ctrlPr>
+                                <a:rPr lang="en-US" i="1">
+                                  <a:latin typeface="Cambria Math" panose="02040503050406030204" pitchFamily="18" charset="0"/>
+                                </a:rPr>
+                              </m:ctrlPr>
+                            </m:dPr>
+                            <m:e>
+                              <m:r>
+                                <a:rPr lang="en-US" i="1">
+                                  <a:latin typeface="Cambria Math" panose="02040503050406030204" pitchFamily="18" charset="0"/>
+                                </a:rPr>
+                                <m:t>1−</m:t>
+                              </m:r>
+                              <m:sSub>
+                                <m:sSubPr>
+                                  <m:ctrlPr>
+                                    <a:rPr lang="en-US" i="1">
+                                      <a:latin typeface="Cambria Math" panose="02040503050406030204" pitchFamily="18" charset="0"/>
+                                    </a:rPr>
+                                  </m:ctrlPr>
+                                </m:sSubPr>
+                                <m:e>
+                                  <m:r>
+                                    <a:rPr lang="en-US" i="1">
+                                      <a:latin typeface="Cambria Math" panose="02040503050406030204" pitchFamily="18" charset="0"/>
+                                    </a:rPr>
+                                    <m:t>𝑝</m:t>
+                                  </m:r>
+                                </m:e>
+                                <m:sub>
+                                  <m:r>
+                                    <a:rPr lang="en-US" i="1">
+                                      <a:latin typeface="Cambria Math" panose="02040503050406030204" pitchFamily="18" charset="0"/>
+                                    </a:rPr>
+                                    <m:t>2</m:t>
+                                  </m:r>
+                                </m:sub>
+                              </m:sSub>
+                            </m:e>
+                          </m:d>
+                        </m:e>
+                      </m:func>
+                      <m:r>
+                        <a:rPr lang="en-US" b="0" i="1" smtClean="0">
+                          <a:latin typeface="Cambria Math" panose="02040503050406030204" pitchFamily="18" charset="0"/>
+                        </a:rPr>
+                        <m:t>=</m:t>
+                      </m:r>
+                      <m:func>
+                        <m:funcPr>
+                          <m:ctrlPr>
+                            <a:rPr lang="en-US" b="0" i="1" smtClean="0">
+                              <a:latin typeface="Cambria Math" panose="02040503050406030204" pitchFamily="18" charset="0"/>
+                            </a:rPr>
+                          </m:ctrlPr>
+                        </m:funcPr>
+                        <m:fName>
+                          <m:r>
+                            <m:rPr>
+                              <m:sty m:val="p"/>
+                            </m:rPr>
+                            <a:rPr lang="en-US" b="0" i="0" smtClean="0">
+                              <a:latin typeface="Cambria Math" panose="02040503050406030204" pitchFamily="18" charset="0"/>
+                            </a:rPr>
+                            <m:t>log</m:t>
+                          </m:r>
+                        </m:fName>
+                        <m:e>
+                          <m:r>
+                            <a:rPr lang="ru-RU" b="0" i="1" smtClean="0">
+                              <a:latin typeface="Cambria Math" panose="02040503050406030204" pitchFamily="18" charset="0"/>
+                            </a:rPr>
+                            <m:t>(</m:t>
+                          </m:r>
+                          <m:r>
+                            <a:rPr lang="en-US" i="1">
+                              <a:latin typeface="Cambria Math" panose="02040503050406030204" pitchFamily="18" charset="0"/>
+                              <a:ea typeface="Cambria Math" panose="02040503050406030204" pitchFamily="18" charset="0"/>
+                            </a:rPr>
+                            <m:t>1−</m:t>
+                          </m:r>
+                          <m:r>
+                            <a:rPr lang="en-US" i="1">
+                              <a:latin typeface="Cambria Math" panose="02040503050406030204" pitchFamily="18" charset="0"/>
+                              <a:ea typeface="Cambria Math" panose="02040503050406030204" pitchFamily="18" charset="0"/>
+                            </a:rPr>
+                            <m:t>𝛽</m:t>
+                          </m:r>
+                          <m:r>
+                            <a:rPr lang="ru-RU" b="0" i="1" smtClean="0">
+                              <a:latin typeface="Cambria Math" panose="02040503050406030204" pitchFamily="18" charset="0"/>
+                              <a:ea typeface="Cambria Math" panose="02040503050406030204" pitchFamily="18" charset="0"/>
+                            </a:rPr>
+                            <m:t>)</m:t>
+                          </m:r>
+                        </m:e>
+                      </m:func>
+                    </m:oMath>
+                  </m:oMathPara>
+                </a14:m>
+                <a:endParaRPr lang="en-US" b="0" dirty="0"/>
+              </a:p>
+              <a:p>
+                <a:pPr marL="38100" indent="0">
+                  <a:lnSpc>
+                    <a:spcPct val="150000"/>
+                  </a:lnSpc>
+                  <a:buNone/>
+                </a:pPr>
+                <a14:m>
+                  <m:oMathPara xmlns:m="http://schemas.openxmlformats.org/officeDocument/2006/math">
+                    <m:oMathParaPr>
+                      <m:jc m:val="centerGroup"/>
+                    </m:oMathParaPr>
+                    <m:oMath xmlns:m="http://schemas.openxmlformats.org/officeDocument/2006/math">
+                      <m:r>
+                        <a:rPr lang="en-US" b="0" i="1" smtClean="0">
+                          <a:latin typeface="Cambria Math" panose="02040503050406030204" pitchFamily="18" charset="0"/>
+                        </a:rPr>
+                        <m:t>𝑛</m:t>
+                      </m:r>
+                      <m:r>
+                        <a:rPr lang="en-US" b="0" i="1" smtClean="0">
+                          <a:latin typeface="Cambria Math" panose="02040503050406030204" pitchFamily="18" charset="0"/>
+                        </a:rPr>
+                        <m:t>=</m:t>
+                      </m:r>
+                      <m:d>
+                        <m:dPr>
+                          <m:begChr m:val="⌈"/>
+                          <m:endChr m:val="⌉"/>
+                          <m:ctrlPr>
+                            <a:rPr lang="en-US" b="0" i="1" smtClean="0">
+                              <a:latin typeface="Cambria Math" panose="02040503050406030204" pitchFamily="18" charset="0"/>
+                            </a:rPr>
+                          </m:ctrlPr>
+                        </m:dPr>
+                        <m:e>
+                          <m:f>
+                            <m:fPr>
+                              <m:ctrlPr>
+                                <a:rPr lang="en-US" i="1">
+                                  <a:latin typeface="Cambria Math" panose="02040503050406030204" pitchFamily="18" charset="0"/>
+                                </a:rPr>
+                              </m:ctrlPr>
+                            </m:fPr>
+                            <m:num>
+                              <m:func>
+                                <m:funcPr>
+                                  <m:ctrlPr>
+                                    <a:rPr lang="en-US" i="1">
+                                      <a:latin typeface="Cambria Math" panose="02040503050406030204" pitchFamily="18" charset="0"/>
+                                    </a:rPr>
+                                  </m:ctrlPr>
+                                </m:funcPr>
+                                <m:fName>
+                                  <m:r>
+                                    <m:rPr>
+                                      <m:sty m:val="p"/>
+                                    </m:rPr>
+                                    <a:rPr lang="en-US">
+                                      <a:latin typeface="Cambria Math" panose="02040503050406030204" pitchFamily="18" charset="0"/>
+                                    </a:rPr>
+                                    <m:t>log</m:t>
+                                  </m:r>
+                                </m:fName>
+                                <m:e>
+                                  <m:r>
+                                    <a:rPr lang="ru-RU" i="1">
+                                      <a:latin typeface="Cambria Math" panose="02040503050406030204" pitchFamily="18" charset="0"/>
+                                    </a:rPr>
+                                    <m:t>(</m:t>
+                                  </m:r>
+                                  <m:r>
+                                    <a:rPr lang="en-US" i="1">
+                                      <a:latin typeface="Cambria Math" panose="02040503050406030204" pitchFamily="18" charset="0"/>
+                                      <a:ea typeface="Cambria Math" panose="02040503050406030204" pitchFamily="18" charset="0"/>
+                                    </a:rPr>
+                                    <m:t>1−</m:t>
+                                  </m:r>
+                                  <m:r>
+                                    <a:rPr lang="en-US" i="1">
+                                      <a:latin typeface="Cambria Math" panose="02040503050406030204" pitchFamily="18" charset="0"/>
+                                      <a:ea typeface="Cambria Math" panose="02040503050406030204" pitchFamily="18" charset="0"/>
+                                    </a:rPr>
+                                    <m:t>𝛽</m:t>
+                                  </m:r>
+                                  <m:r>
+                                    <a:rPr lang="ru-RU" i="1">
+                                      <a:latin typeface="Cambria Math" panose="02040503050406030204" pitchFamily="18" charset="0"/>
+                                      <a:ea typeface="Cambria Math" panose="02040503050406030204" pitchFamily="18" charset="0"/>
+                                    </a:rPr>
+                                    <m:t>)</m:t>
+                                  </m:r>
+                                </m:e>
+                              </m:func>
+                            </m:num>
+                            <m:den>
+                              <m:func>
+                                <m:funcPr>
+                                  <m:ctrlPr>
+                                    <a:rPr lang="en-US" i="1">
+                                      <a:latin typeface="Cambria Math" panose="02040503050406030204" pitchFamily="18" charset="0"/>
+                                    </a:rPr>
+                                  </m:ctrlPr>
+                                </m:funcPr>
+                                <m:fName>
+                                  <m:r>
+                                    <m:rPr>
+                                      <m:sty m:val="p"/>
+                                    </m:rPr>
+                                    <a:rPr lang="en-US">
+                                      <a:latin typeface="Cambria Math" panose="02040503050406030204" pitchFamily="18" charset="0"/>
+                                    </a:rPr>
+                                    <m:t>log</m:t>
+                                  </m:r>
+                                </m:fName>
+                                <m:e>
+                                  <m:d>
+                                    <m:dPr>
+                                      <m:ctrlPr>
+                                        <a:rPr lang="en-US" i="1">
+                                          <a:latin typeface="Cambria Math" panose="02040503050406030204" pitchFamily="18" charset="0"/>
+                                        </a:rPr>
+                                      </m:ctrlPr>
+                                    </m:dPr>
+                                    <m:e>
+                                      <m:r>
+                                        <a:rPr lang="en-US" i="1">
+                                          <a:latin typeface="Cambria Math" panose="02040503050406030204" pitchFamily="18" charset="0"/>
+                                        </a:rPr>
+                                        <m:t>1−</m:t>
+                                      </m:r>
+                                      <m:sSub>
+                                        <m:sSubPr>
+                                          <m:ctrlPr>
+                                            <a:rPr lang="en-US" i="1">
+                                              <a:latin typeface="Cambria Math" panose="02040503050406030204" pitchFamily="18" charset="0"/>
+                                            </a:rPr>
+                                          </m:ctrlPr>
+                                        </m:sSubPr>
+                                        <m:e>
+                                          <m:r>
+                                            <a:rPr lang="en-US" i="1">
+                                              <a:latin typeface="Cambria Math" panose="02040503050406030204" pitchFamily="18" charset="0"/>
+                                            </a:rPr>
+                                            <m:t>𝑝</m:t>
+                                          </m:r>
+                                        </m:e>
+                                        <m:sub>
+                                          <m:r>
+                                            <a:rPr lang="en-US" i="1">
+                                              <a:latin typeface="Cambria Math" panose="02040503050406030204" pitchFamily="18" charset="0"/>
+                                            </a:rPr>
+                                            <m:t>2</m:t>
+                                          </m:r>
+                                        </m:sub>
+                                      </m:sSub>
+                                    </m:e>
+                                  </m:d>
+                                </m:e>
+                              </m:func>
+                            </m:den>
+                          </m:f>
+                        </m:e>
+                      </m:d>
+                    </m:oMath>
+                  </m:oMathPara>
+                </a14:m>
+                <a:endParaRPr lang="ru-RU" b="0" dirty="0"/>
+              </a:p>
+              <a:p>
+                <a:pPr marL="38100" indent="0">
+                  <a:lnSpc>
+                    <a:spcPct val="150000"/>
+                  </a:lnSpc>
+                  <a:buNone/>
+                </a:pPr>
+                <a:endParaRPr lang="ru-RU" b="0" dirty="0"/>
+              </a:p>
+              <a:p>
+                <a:pPr marL="38100" indent="0">
+                  <a:buNone/>
+                </a:pPr>
+                <a:r>
+                  <a:rPr lang="en" sz="1800" dirty="0">
+                    <a:hlinkClick r:id="rId2"/>
+                  </a:rPr>
+                  <a:t>https://colab.research.google.com/drive/1ORHrjbGAdMKI5WVmlzgcvfBxwUI65ah-</a:t>
+                </a:r>
+                <a:endParaRPr lang="ru-RU" sz="1800" dirty="0"/>
+              </a:p>
+              <a:p>
+                <a:pPr marL="38100" indent="0">
+                  <a:buNone/>
+                </a:pPr>
+                <a:endParaRPr lang="ru-RU" b="0" dirty="0"/>
+              </a:p>
+              <a:p>
+                <a:pPr marL="38100" indent="0">
+                  <a:buNone/>
+                </a:pPr>
+                <a:endParaRPr lang="ru-RU" dirty="0"/>
+              </a:p>
+              <a:p>
+                <a:pPr marL="38100" indent="0">
+                  <a:buNone/>
+                </a:pPr>
+                <a:endParaRPr lang="ru-RU" dirty="0"/>
+              </a:p>
+              <a:p>
+                <a:pPr marL="38100" indent="0">
+                  <a:buNone/>
+                </a:pPr>
+                <a:endParaRPr lang="en-US" dirty="0"/>
+              </a:p>
+              <a:p>
+                <a:pPr marL="38100" indent="0">
+                  <a:buNone/>
+                </a:pPr>
+                <a:endParaRPr lang="en-US" dirty="0"/>
+              </a:p>
+              <a:p>
+                <a:endParaRPr lang="ru-RU" dirty="0"/>
+              </a:p>
+            </p:txBody>
+          </p:sp>
+        </mc:Choice>
+        <mc:Fallback xmlns="">
+          <p:sp>
+            <p:nvSpPr>
+              <p:cNvPr id="3" name="Текст 2">
+                <a:extLst>
+                  <a:ext uri="{FF2B5EF4-FFF2-40B4-BE49-F238E27FC236}">
+                    <a16:creationId xmlns:a16="http://schemas.microsoft.com/office/drawing/2014/main" id="{33245102-401A-FC4C-BA92-970215B4A44B}"/>
+                  </a:ext>
+                </a:extLst>
+              </p:cNvPr>
+              <p:cNvSpPr>
+                <a:spLocks noGrp="1" noRot="1" noChangeAspect="1" noMove="1" noResize="1" noEditPoints="1" noAdjustHandles="1" noChangeArrowheads="1" noChangeShapeType="1" noTextEdit="1"/>
+              </p:cNvSpPr>
+              <p:nvPr>
+                <p:ph type="body" idx="1"/>
+              </p:nvPr>
+            </p:nvSpPr>
+            <p:spPr>
+              <a:blipFill>
+                <a:blip r:embed="rId3"/>
+                <a:stretch>
+                  <a:fillRect l="-154"/>
+                </a:stretch>
+              </a:blipFill>
+            </p:spPr>
+            <p:txBody>
+              <a:bodyPr/>
+              <a:lstStyle/>
+              <a:p>
+                <a:r>
+                  <a:rPr lang="ru-RU">
+                    <a:noFill/>
+                  </a:rPr>
+                  <a:t> </a:t>
+                </a:r>
+              </a:p>
+            </p:txBody>
+          </p:sp>
+        </mc:Fallback>
+      </mc:AlternateContent>
+    </p:spTree>
+    <p:extLst>
+      <p:ext uri="{BB962C8B-B14F-4D97-AF65-F5344CB8AC3E}">
+        <p14:creationId xmlns:p14="http://schemas.microsoft.com/office/powerpoint/2010/main" val="3413664398"/>
       </p:ext>
     </p:extLst>
   </p:cSld>
@@ -16450,24 +23037,31 @@
                           </m:ctrlPr>
                         </m:dPr>
                         <m:e>
-                          <m:acc>
-                            <m:accPr>
-                              <m:chr m:val="̃"/>
+                          <m:sSup>
+                            <m:sSupPr>
                               <m:ctrlPr>
-                                <a:rPr lang="en-US" sz="2000" b="0" i="1" smtClean="0">
+                                <a:rPr lang="en-US" sz="2000" i="1">
                                   <a:latin typeface="Cambria Math" panose="02040503050406030204" pitchFamily="18" charset="0"/>
                                 </a:rPr>
                               </m:ctrlPr>
-                            </m:accPr>
+                            </m:sSupPr>
                             <m:e>
                               <m:r>
-                                <a:rPr lang="en-US" sz="2000" b="0" i="1" smtClean="0">
+                                <a:rPr lang="en-US" sz="2000" i="1">
                                   <a:latin typeface="Cambria Math" panose="02040503050406030204" pitchFamily="18" charset="0"/>
                                 </a:rPr>
                                 <m:t>𝐷</m:t>
                               </m:r>
                             </m:e>
-                          </m:acc>
+                            <m:sup>
+                              <m:r>
+                                <a:rPr lang="en-US" sz="2000" i="1">
+                                  <a:latin typeface="Cambria Math" panose="02040503050406030204" pitchFamily="18" charset="0"/>
+                                </a:rPr>
+                                <m:t>∗</m:t>
+                              </m:r>
+                            </m:sup>
+                          </m:sSup>
                         </m:e>
                       </m:d>
                       <m:r>
@@ -19279,21 +25873,7 @@
                           <a:latin typeface="Cambria Math" panose="02040503050406030204" pitchFamily="18" charset="0"/>
                           <a:ea typeface="Cambria Math" panose="02040503050406030204" pitchFamily="18" charset="0"/>
                         </a:rPr>
-                        <m:t>доверительный</m:t>
-                      </m:r>
-                      <m:r>
-                        <a:rPr lang="ru-RU" b="0" i="0" smtClean="0">
-                          <a:latin typeface="Cambria Math" panose="02040503050406030204" pitchFamily="18" charset="0"/>
-                          <a:ea typeface="Cambria Math" panose="02040503050406030204" pitchFamily="18" charset="0"/>
-                        </a:rPr>
-                        <m:t> </m:t>
-                      </m:r>
-                      <m:r>
-                        <a:rPr lang="ru-RU" b="0" i="0" smtClean="0">
-                          <a:latin typeface="Cambria Math" panose="02040503050406030204" pitchFamily="18" charset="0"/>
-                          <a:ea typeface="Cambria Math" panose="02040503050406030204" pitchFamily="18" charset="0"/>
-                        </a:rPr>
-                        <m:t>интервал</m:t>
+                        <m:t>доверительный интервал</m:t>
                       </m:r>
                     </m:oMath>
                   </m:oMathPara>

--- a/math_ds_03.pptx
+++ b/math_ds_03.pptx
@@ -8495,10 +8495,10 @@
                             </m:accPr>
                             <m:e>
                               <m:r>
-                                <a:rPr lang="en-US" sz="1400" i="1">
-                                  <a:latin typeface="Cambria Math" panose="02040503050406030204" pitchFamily="18" charset="0"/>
-                                </a:rPr>
-                                <m:t>𝑚</m:t>
+                                <a:rPr lang="en-US" sz="1400" b="0" i="1" smtClean="0">
+                                  <a:latin typeface="Cambria Math" panose="02040503050406030204" pitchFamily="18" charset="0"/>
+                                </a:rPr>
+                                <m:t>𝐷</m:t>
                               </m:r>
                             </m:e>
                           </m:acc>
@@ -14070,12 +14070,41 @@
                   <a:rPr lang="ru-RU" sz="1800" dirty="0"/>
                   <a:t> близко нормальному. Достаточно чтобы </a:t>
                 </a:r>
+                <a14:m>
+                  <m:oMath xmlns:m="http://schemas.openxmlformats.org/officeDocument/2006/math">
+                    <m:sSup>
+                      <m:sSupPr>
+                        <m:ctrlPr>
+                          <a:rPr lang="en-US" sz="1800" i="1">
+                            <a:latin typeface="Cambria Math" panose="02040503050406030204" pitchFamily="18" charset="0"/>
+                          </a:rPr>
+                        </m:ctrlPr>
+                      </m:sSupPr>
+                      <m:e>
+                        <m:r>
+                          <a:rPr lang="en-US" sz="1800" i="1">
+                            <a:latin typeface="Cambria Math" panose="02040503050406030204" pitchFamily="18" charset="0"/>
+                          </a:rPr>
+                          <m:t>𝑝</m:t>
+                        </m:r>
+                      </m:e>
+                      <m:sup>
+                        <m:r>
+                          <a:rPr lang="en-US" sz="1800" i="1">
+                            <a:latin typeface="Cambria Math" panose="02040503050406030204" pitchFamily="18" charset="0"/>
+                          </a:rPr>
+                          <m:t>∗</m:t>
+                        </m:r>
+                      </m:sup>
+                    </m:sSup>
+                  </m:oMath>
+                </a14:m>
                 <a:r>
-                  <a:rPr lang="en-US" sz="1800" i="1" dirty="0" err="1">
+                  <a:rPr lang="en-US" sz="1800" i="1" dirty="0">
                     <a:latin typeface="Cambria Math" panose="02040503050406030204" pitchFamily="18" charset="0"/>
                     <a:ea typeface="Cambria Math" panose="02040503050406030204" pitchFamily="18" charset="0"/>
                   </a:rPr>
-                  <a:t>pn</a:t>
+                  <a:t>n</a:t>
                 </a:r>
                 <a:r>
                   <a:rPr lang="en-US" sz="1800" dirty="0"/>
@@ -14083,14 +14112,54 @@
                 </a:r>
                 <a:r>
                   <a:rPr lang="ru-RU" sz="1800" dirty="0"/>
-                  <a:t>и </a:t>
+                  <a:t>и</a:t>
                 </a:r>
                 <a:r>
-                  <a:rPr lang="en-US" sz="1800" i="1" dirty="0" err="1">
+                  <a:rPr lang="en-US" sz="1800" i="1" dirty="0">
                     <a:latin typeface="Cambria Math" panose="02040503050406030204" pitchFamily="18" charset="0"/>
                     <a:ea typeface="Cambria Math" panose="02040503050406030204" pitchFamily="18" charset="0"/>
                   </a:rPr>
-                  <a:t>qn</a:t>
+                  <a:t>(1-</a:t>
+                </a:r>
+                <a:r>
+                  <a:rPr lang="en-US" sz="1800" dirty="0"/>
+                  <a:t> </a:t>
+                </a:r>
+                <a14:m>
+                  <m:oMath xmlns:m="http://schemas.openxmlformats.org/officeDocument/2006/math">
+                    <m:sSup>
+                      <m:sSupPr>
+                        <m:ctrlPr>
+                          <a:rPr lang="en-US" sz="1800" i="1">
+                            <a:latin typeface="Cambria Math" panose="02040503050406030204" pitchFamily="18" charset="0"/>
+                          </a:rPr>
+                        </m:ctrlPr>
+                      </m:sSupPr>
+                      <m:e>
+                        <m:r>
+                          <a:rPr lang="en-US" sz="1800" i="1">
+                            <a:latin typeface="Cambria Math" panose="02040503050406030204" pitchFamily="18" charset="0"/>
+                          </a:rPr>
+                          <m:t>𝑝</m:t>
+                        </m:r>
+                      </m:e>
+                      <m:sup>
+                        <m:r>
+                          <a:rPr lang="en-US" sz="1800" i="1">
+                            <a:latin typeface="Cambria Math" panose="02040503050406030204" pitchFamily="18" charset="0"/>
+                          </a:rPr>
+                          <m:t>∗</m:t>
+                        </m:r>
+                      </m:sup>
+                    </m:sSup>
+                  </m:oMath>
+                </a14:m>
+                <a:r>
+                  <a:rPr lang="en-US" sz="1800" i="1" dirty="0">
+                    <a:latin typeface="Cambria Math" panose="02040503050406030204" pitchFamily="18" charset="0"/>
+                    <a:ea typeface="Cambria Math" panose="02040503050406030204" pitchFamily="18" charset="0"/>
+                  </a:rPr>
+                  <a:t>)n</a:t>
                 </a:r>
                 <a:r>
                   <a:rPr lang="en-US" sz="1800" dirty="0"/>
@@ -15246,7 +15315,7 @@
               <a:blipFill>
                 <a:blip r:embed="rId2"/>
                 <a:stretch>
-                  <a:fillRect l="-154" r="-463"/>
+                  <a:fillRect l="-154" r="-154"/>
                 </a:stretch>
               </a:blipFill>
             </p:spPr>
